--- a/Presentations/7_CrossPlatform.pptx
+++ b/Presentations/7_CrossPlatform.pptx
@@ -13,7 +13,10 @@
     <p:sldId id="261" r:id="rId7"/>
     <p:sldId id="262" r:id="rId8"/>
     <p:sldId id="264" r:id="rId9"/>
-    <p:sldId id="263" r:id="rId10"/>
+    <p:sldId id="265" r:id="rId10"/>
+    <p:sldId id="266" r:id="rId11"/>
+    <p:sldId id="268" r:id="rId12"/>
+    <p:sldId id="263" r:id="rId13"/>
   </p:sldIdLst>
   <p:sldSz cx="12192000" cy="6858000"/>
   <p:notesSz cx="6858000" cy="9144000"/>
@@ -277,7 +280,7 @@
           <a:p>
             <a:fld id="{A20990A6-5A99-4E0A-9198-2314FC51BDED}" type="datetimeFigureOut">
               <a:rPr lang="LID4096" smtClean="0"/>
-              <a:t>08/16/2020</a:t>
+              <a:t>08/17/2020</a:t>
             </a:fld>
             <a:endParaRPr lang="LID4096"/>
           </a:p>
@@ -477,7 +480,7 @@
           <a:p>
             <a:fld id="{A20990A6-5A99-4E0A-9198-2314FC51BDED}" type="datetimeFigureOut">
               <a:rPr lang="LID4096" smtClean="0"/>
-              <a:t>08/16/2020</a:t>
+              <a:t>08/17/2020</a:t>
             </a:fld>
             <a:endParaRPr lang="LID4096"/>
           </a:p>
@@ -687,7 +690,7 @@
           <a:p>
             <a:fld id="{A20990A6-5A99-4E0A-9198-2314FC51BDED}" type="datetimeFigureOut">
               <a:rPr lang="LID4096" smtClean="0"/>
-              <a:t>08/16/2020</a:t>
+              <a:t>08/17/2020</a:t>
             </a:fld>
             <a:endParaRPr lang="LID4096"/>
           </a:p>
@@ -887,7 +890,7 @@
           <a:p>
             <a:fld id="{A20990A6-5A99-4E0A-9198-2314FC51BDED}" type="datetimeFigureOut">
               <a:rPr lang="LID4096" smtClean="0"/>
-              <a:t>08/16/2020</a:t>
+              <a:t>08/17/2020</a:t>
             </a:fld>
             <a:endParaRPr lang="LID4096"/>
           </a:p>
@@ -1163,7 +1166,7 @@
           <a:p>
             <a:fld id="{A20990A6-5A99-4E0A-9198-2314FC51BDED}" type="datetimeFigureOut">
               <a:rPr lang="LID4096" smtClean="0"/>
-              <a:t>08/16/2020</a:t>
+              <a:t>08/17/2020</a:t>
             </a:fld>
             <a:endParaRPr lang="LID4096"/>
           </a:p>
@@ -1431,7 +1434,7 @@
           <a:p>
             <a:fld id="{A20990A6-5A99-4E0A-9198-2314FC51BDED}" type="datetimeFigureOut">
               <a:rPr lang="LID4096" smtClean="0"/>
-              <a:t>08/16/2020</a:t>
+              <a:t>08/17/2020</a:t>
             </a:fld>
             <a:endParaRPr lang="LID4096"/>
           </a:p>
@@ -1846,7 +1849,7 @@
           <a:p>
             <a:fld id="{A20990A6-5A99-4E0A-9198-2314FC51BDED}" type="datetimeFigureOut">
               <a:rPr lang="LID4096" smtClean="0"/>
-              <a:t>08/16/2020</a:t>
+              <a:t>08/17/2020</a:t>
             </a:fld>
             <a:endParaRPr lang="LID4096"/>
           </a:p>
@@ -1988,7 +1991,7 @@
           <a:p>
             <a:fld id="{A20990A6-5A99-4E0A-9198-2314FC51BDED}" type="datetimeFigureOut">
               <a:rPr lang="LID4096" smtClean="0"/>
-              <a:t>08/16/2020</a:t>
+              <a:t>08/17/2020</a:t>
             </a:fld>
             <a:endParaRPr lang="LID4096"/>
           </a:p>
@@ -2101,7 +2104,7 @@
           <a:p>
             <a:fld id="{A20990A6-5A99-4E0A-9198-2314FC51BDED}" type="datetimeFigureOut">
               <a:rPr lang="LID4096" smtClean="0"/>
-              <a:t>08/16/2020</a:t>
+              <a:t>08/17/2020</a:t>
             </a:fld>
             <a:endParaRPr lang="LID4096"/>
           </a:p>
@@ -2414,7 +2417,7 @@
           <a:p>
             <a:fld id="{A20990A6-5A99-4E0A-9198-2314FC51BDED}" type="datetimeFigureOut">
               <a:rPr lang="LID4096" smtClean="0"/>
-              <a:t>08/16/2020</a:t>
+              <a:t>08/17/2020</a:t>
             </a:fld>
             <a:endParaRPr lang="LID4096"/>
           </a:p>
@@ -2703,7 +2706,7 @@
           <a:p>
             <a:fld id="{A20990A6-5A99-4E0A-9198-2314FC51BDED}" type="datetimeFigureOut">
               <a:rPr lang="LID4096" smtClean="0"/>
-              <a:t>08/16/2020</a:t>
+              <a:t>08/17/2020</a:t>
             </a:fld>
             <a:endParaRPr lang="LID4096"/>
           </a:p>
@@ -2946,7 +2949,7 @@
           <a:p>
             <a:fld id="{A20990A6-5A99-4E0A-9198-2314FC51BDED}" type="datetimeFigureOut">
               <a:rPr lang="LID4096" smtClean="0"/>
-              <a:t>08/16/2020</a:t>
+              <a:t>08/17/2020</a:t>
             </a:fld>
             <a:endParaRPr lang="LID4096"/>
           </a:p>
@@ -4075,7 +4078,7 @@
 </p:sld>
 </file>
 
-<file path=ppt/slides/slide2.xml><?xml version="1.0" encoding="utf-8"?>
+<file path=ppt/slides/slide10.xml><?xml version="1.0" encoding="utf-8"?>
 <p:sld xmlns:a="http://schemas.openxmlformats.org/drawingml/2006/main" xmlns:r="http://schemas.openxmlformats.org/officeDocument/2006/relationships" xmlns:p="http://schemas.openxmlformats.org/presentationml/2006/main">
   <p:cSld>
     <p:bg>
@@ -4100,45 +4103,418 @@
           <a:chExt cx="0" cy="0"/>
         </a:xfrm>
       </p:grpSpPr>
-      <p:sp>
-        <p:nvSpPr>
-          <p:cNvPr id="2" name="Titel 1">
-            <a:extLst>
-              <a:ext uri="{FF2B5EF4-FFF2-40B4-BE49-F238E27FC236}">
-                <a16:creationId xmlns:a16="http://schemas.microsoft.com/office/drawing/2014/main" id="{6AFD89D1-2F6B-4688-B16E-5C616889B562}"/>
-              </a:ext>
-            </a:extLst>
-          </p:cNvPr>
-          <p:cNvSpPr>
-            <a:spLocks noGrp="1"/>
-          </p:cNvSpPr>
-          <p:nvPr>
-            <p:ph type="title"/>
+      <p:sp useBgFill="1">
+        <p:nvSpPr>
+          <p:cNvPr id="11" name="Rectangle 10">
+            <a:extLst>
+              <a:ext uri="{FF2B5EF4-FFF2-40B4-BE49-F238E27FC236}">
+                <a16:creationId xmlns:a16="http://schemas.microsoft.com/office/drawing/2014/main" id="{D55CA618-78A6-47F6-B865-E9315164FB49}"/>
+              </a:ext>
+              <a:ext uri="{C183D7F6-B498-43B3-948B-1728B52AA6E4}">
+                <adec:decorative xmlns:adec="http://schemas.microsoft.com/office/drawing/2017/decorative" val="1"/>
+              </a:ext>
+            </a:extLst>
+          </p:cNvPr>
+          <p:cNvSpPr>
+            <a:spLocks noGrp="1" noRot="1" noChangeAspect="1" noMove="1" noResize="1" noEditPoints="1" noAdjustHandles="1" noChangeArrowheads="1" noChangeShapeType="1" noTextEdit="1"/>
+          </p:cNvSpPr>
+          <p:nvPr>
+            <p:extLst>
+              <p:ext uri="{386F3935-93C4-4BCD-93E2-E3B085C9AB24}">
+                <p16:designElem xmlns:p16="http://schemas.microsoft.com/office/powerpoint/2015/main" val="1"/>
+              </p:ext>
+            </p:extLst>
           </p:nvPr>
         </p:nvSpPr>
         <p:spPr>
           <a:xfrm>
-            <a:off x="1653363" y="365760"/>
-            <a:ext cx="9367203" cy="1188720"/>
+            <a:off x="0" y="0"/>
+            <a:ext cx="12191999" cy="6857365"/>
+          </a:xfrm>
+          <a:prstGeom prst="rect">
+            <a:avLst/>
+          </a:prstGeom>
+          <a:ln>
+            <a:noFill/>
+          </a:ln>
+        </p:spPr>
+        <p:style>
+          <a:lnRef idx="2">
+            <a:schemeClr val="accent1">
+              <a:shade val="50000"/>
+            </a:schemeClr>
+          </a:lnRef>
+          <a:fillRef idx="1">
+            <a:schemeClr val="accent1"/>
+          </a:fillRef>
+          <a:effectRef idx="0">
+            <a:schemeClr val="accent1"/>
+          </a:effectRef>
+          <a:fontRef idx="minor">
+            <a:schemeClr val="lt1"/>
+          </a:fontRef>
+        </p:style>
+        <p:txBody>
+          <a:bodyPr rtlCol="0" anchor="ctr"/>
+          <a:lstStyle/>
+          <a:p>
+            <a:pPr algn="ctr"/>
+            <a:endParaRPr lang="en-US"/>
+          </a:p>
+        </p:txBody>
+      </p:sp>
+      <p:grpSp>
+        <p:nvGrpSpPr>
+          <p:cNvPr id="39" name="Group 12">
+            <a:extLst>
+              <a:ext uri="{FF2B5EF4-FFF2-40B4-BE49-F238E27FC236}">
+                <a16:creationId xmlns:a16="http://schemas.microsoft.com/office/drawing/2014/main" id="{B83D307E-DF68-43F8-97CE-0AAE950A7129}"/>
+              </a:ext>
+              <a:ext uri="{C183D7F6-B498-43B3-948B-1728B52AA6E4}">
+                <adec:decorative xmlns:adec="http://schemas.microsoft.com/office/drawing/2017/decorative" val="1"/>
+              </a:ext>
+            </a:extLst>
+          </p:cNvPr>
+          <p:cNvGrpSpPr>
+            <a:grpSpLocks noGrp="1" noUngrp="1" noRot="1" noChangeAspect="1" noMove="1" noResize="1"/>
+          </p:cNvGrpSpPr>
+          <p:nvPr>
+            <p:extLst>
+              <p:ext uri="{386F3935-93C4-4BCD-93E2-E3B085C9AB24}">
+                <p16:designElem xmlns:p16="http://schemas.microsoft.com/office/powerpoint/2015/main" val="1"/>
+              </p:ext>
+            </p:extLst>
+          </p:nvPr>
+        </p:nvGrpSpPr>
+        <p:grpSpPr>
+          <a:xfrm>
+            <a:off x="2271255" y="-1"/>
+            <a:ext cx="7649490" cy="5728133"/>
+            <a:chOff x="329184" y="1"/>
+            <a:chExt cx="524256" cy="5728133"/>
+          </a:xfrm>
+        </p:grpSpPr>
+        <p:cxnSp>
+          <p:nvCxnSpPr>
+            <p:cNvPr id="40" name="Straight Connector 13">
+              <a:extLst>
+                <a:ext uri="{FF2B5EF4-FFF2-40B4-BE49-F238E27FC236}">
+                  <a16:creationId xmlns:a16="http://schemas.microsoft.com/office/drawing/2014/main" id="{5546E3D2-37BF-4528-9851-2B2F628234A2}"/>
+                </a:ext>
+                <a:ext uri="{C183D7F6-B498-43B3-948B-1728B52AA6E4}">
+                  <adec:decorative xmlns:adec="http://schemas.microsoft.com/office/drawing/2017/decorative" val="1"/>
+                </a:ext>
+              </a:extLst>
+            </p:cNvPr>
+            <p:cNvCxnSpPr>
+              <a:cxnSpLocks/>
+            </p:cNvCxnSpPr>
+            <p:nvPr>
+              <p:extLst>
+                <p:ext uri="{386F3935-93C4-4BCD-93E2-E3B085C9AB24}">
+                  <p16:designElem xmlns:p16="http://schemas.microsoft.com/office/powerpoint/2015/main" val="1"/>
+                </p:ext>
+              </p:extLst>
+            </p:nvPr>
+          </p:nvCxnSpPr>
+          <p:spPr>
+            <a:xfrm flipH="1">
+              <a:off x="329184" y="5728134"/>
+              <a:ext cx="523824" cy="0"/>
+            </a:xfrm>
+            <a:prstGeom prst="line">
+              <a:avLst/>
+            </a:prstGeom>
+            <a:ln w="152400">
+              <a:solidFill>
+                <a:schemeClr val="accent4"/>
+              </a:solidFill>
+            </a:ln>
+          </p:spPr>
+          <p:style>
+            <a:lnRef idx="1">
+              <a:schemeClr val="accent1"/>
+            </a:lnRef>
+            <a:fillRef idx="0">
+              <a:schemeClr val="accent1"/>
+            </a:fillRef>
+            <a:effectRef idx="0">
+              <a:schemeClr val="accent1"/>
+            </a:effectRef>
+            <a:fontRef idx="minor">
+              <a:schemeClr val="tx1"/>
+            </a:fontRef>
+          </p:style>
+        </p:cxnSp>
+        <p:sp>
+          <p:nvSpPr>
+            <p:cNvPr id="41" name="Rectangle 14">
+              <a:extLst>
+                <a:ext uri="{FF2B5EF4-FFF2-40B4-BE49-F238E27FC236}">
+                  <a16:creationId xmlns:a16="http://schemas.microsoft.com/office/drawing/2014/main" id="{752A0C69-DC4E-4FC0-843C-BAA27B3A5621}"/>
+                </a:ext>
+                <a:ext uri="{C183D7F6-B498-43B3-948B-1728B52AA6E4}">
+                  <adec:decorative xmlns:adec="http://schemas.microsoft.com/office/drawing/2017/decorative" val="1"/>
+                </a:ext>
+              </a:extLst>
+            </p:cNvPr>
+            <p:cNvSpPr/>
+            <p:nvPr>
+              <p:extLst>
+                <p:ext uri="{386F3935-93C4-4BCD-93E2-E3B085C9AB24}">
+                  <p16:designElem xmlns:p16="http://schemas.microsoft.com/office/powerpoint/2015/main" val="1"/>
+                </p:ext>
+              </p:extLst>
+            </p:nvPr>
+          </p:nvSpPr>
+          <p:spPr>
+            <a:xfrm>
+              <a:off x="329184" y="1"/>
+              <a:ext cx="524256" cy="5532119"/>
+            </a:xfrm>
+            <a:prstGeom prst="rect">
+              <a:avLst/>
+            </a:prstGeom>
+            <a:solidFill>
+              <a:schemeClr val="accent4"/>
+            </a:solidFill>
+            <a:ln>
+              <a:noFill/>
+            </a:ln>
+          </p:spPr>
+          <p:style>
+            <a:lnRef idx="2">
+              <a:schemeClr val="accent1">
+                <a:shade val="50000"/>
+              </a:schemeClr>
+            </a:lnRef>
+            <a:fillRef idx="1">
+              <a:schemeClr val="accent1"/>
+            </a:fillRef>
+            <a:effectRef idx="0">
+              <a:schemeClr val="accent1"/>
+            </a:effectRef>
+            <a:fontRef idx="minor">
+              <a:schemeClr val="lt1"/>
+            </a:fontRef>
+          </p:style>
+          <p:txBody>
+            <a:bodyPr rtlCol="0" anchor="ctr"/>
+            <a:lstStyle/>
+            <a:p>
+              <a:pPr algn="ctr"/>
+              <a:endParaRPr lang="en-US" dirty="0"/>
+            </a:p>
+          </p:txBody>
+        </p:sp>
+      </p:grpSp>
+      <p:sp>
+        <p:nvSpPr>
+          <p:cNvPr id="42" name="Rectangle 16">
+            <a:extLst>
+              <a:ext uri="{FF2B5EF4-FFF2-40B4-BE49-F238E27FC236}">
+                <a16:creationId xmlns:a16="http://schemas.microsoft.com/office/drawing/2014/main" id="{8ED94938-268E-4C0A-A08A-B3980C78BAEB}"/>
+              </a:ext>
+              <a:ext uri="{C183D7F6-B498-43B3-948B-1728B52AA6E4}">
+                <adec:decorative xmlns:adec="http://schemas.microsoft.com/office/drawing/2017/decorative" val="1"/>
+              </a:ext>
+            </a:extLst>
+          </p:cNvPr>
+          <p:cNvSpPr>
+            <a:spLocks noGrp="1" noRot="1" noChangeAspect="1" noMove="1" noResize="1" noEditPoints="1" noAdjustHandles="1" noChangeArrowheads="1" noChangeShapeType="1" noTextEdit="1"/>
+          </p:cNvSpPr>
+          <p:nvPr>
+            <p:extLst>
+              <p:ext uri="{386F3935-93C4-4BCD-93E2-E3B085C9AB24}">
+                <p16:designElem xmlns:p16="http://schemas.microsoft.com/office/powerpoint/2015/main" val="1"/>
+              </p:ext>
+            </p:extLst>
+          </p:nvPr>
+        </p:nvSpPr>
+        <p:spPr>
+          <a:xfrm>
+            <a:off x="596464" y="318045"/>
+            <a:ext cx="10999072" cy="5325139"/>
+          </a:xfrm>
+          <a:prstGeom prst="rect">
+            <a:avLst/>
+          </a:prstGeom>
+          <a:solidFill>
+            <a:schemeClr val="bg1"/>
+          </a:solidFill>
+          <a:ln>
+            <a:noFill/>
+          </a:ln>
+          <a:effectLst>
+            <a:outerShdw blurRad="139700" dist="127000" dir="5400000" algn="t" rotWithShape="0">
+              <a:prstClr val="black">
+                <a:alpha val="15000"/>
+              </a:prstClr>
+            </a:outerShdw>
+          </a:effectLst>
+        </p:spPr>
+        <p:style>
+          <a:lnRef idx="2">
+            <a:schemeClr val="accent1">
+              <a:shade val="50000"/>
+            </a:schemeClr>
+          </a:lnRef>
+          <a:fillRef idx="1">
+            <a:schemeClr val="accent1"/>
+          </a:fillRef>
+          <a:effectRef idx="0">
+            <a:schemeClr val="accent1"/>
+          </a:effectRef>
+          <a:fontRef idx="minor">
+            <a:schemeClr val="lt1"/>
+          </a:fontRef>
+        </p:style>
+        <p:txBody>
+          <a:bodyPr rtlCol="0" anchor="ctr"/>
+          <a:lstStyle/>
+          <a:p>
+            <a:pPr algn="ctr"/>
+            <a:endParaRPr lang="en-US"/>
+          </a:p>
+        </p:txBody>
+      </p:sp>
+      <p:sp>
+        <p:nvSpPr>
+          <p:cNvPr id="2" name="Title 1">
+            <a:extLst>
+              <a:ext uri="{FF2B5EF4-FFF2-40B4-BE49-F238E27FC236}">
+                <a16:creationId xmlns:a16="http://schemas.microsoft.com/office/drawing/2014/main" id="{B3E8D28A-FCCB-4F11-984E-99FE9A7FB198}"/>
+              </a:ext>
+            </a:extLst>
+          </p:cNvPr>
+          <p:cNvSpPr>
+            <a:spLocks noGrp="1"/>
+          </p:cNvSpPr>
+          <p:nvPr>
+            <p:ph type="title"/>
+          </p:nvPr>
+        </p:nvSpPr>
+        <p:spPr>
+          <a:xfrm>
+            <a:off x="1060232" y="3941205"/>
+            <a:ext cx="10071536" cy="929750"/>
           </a:xfrm>
         </p:spPr>
         <p:txBody>
-          <a:bodyPr>
+          <a:bodyPr vert="horz" lIns="91440" tIns="45720" rIns="91440" bIns="45720" rtlCol="0" anchor="b">
             <a:normAutofit/>
           </a:bodyPr>
           <a:lstStyle/>
           <a:p>
-            <a:r>
-              <a:rPr lang="da-DK" dirty="0"/>
-              <a:t>Cross-Platform Development</a:t>
-            </a:r>
-            <a:endParaRPr lang="LID4096" dirty="0"/>
-          </a:p>
-        </p:txBody>
-      </p:sp>
-      <p:sp>
-        <p:nvSpPr>
-          <p:cNvPr id="8" name="Freeform: Shape 7">
+            <a:pPr algn="ctr"/>
+            <a:r>
+              <a:rPr lang="en-US" sz="5200"/>
+              <a:t>Windows RT Implementering</a:t>
+            </a:r>
+          </a:p>
+        </p:txBody>
+      </p:sp>
+      <p:pic>
+        <p:nvPicPr>
+          <p:cNvPr id="6" name="Picture 5">
+            <a:extLst>
+              <a:ext uri="{FF2B5EF4-FFF2-40B4-BE49-F238E27FC236}">
+                <a16:creationId xmlns:a16="http://schemas.microsoft.com/office/drawing/2014/main" id="{984608B0-A20F-436E-AE03-C824C6A9B2D6}"/>
+              </a:ext>
+            </a:extLst>
+          </p:cNvPr>
+          <p:cNvPicPr>
+            <a:picLocks noChangeAspect="1"/>
+          </p:cNvPicPr>
+          <p:nvPr/>
+        </p:nvPicPr>
+        <p:blipFill>
+          <a:blip r:embed="rId2"/>
+          <a:stretch>
+            <a:fillRect/>
+          </a:stretch>
+        </p:blipFill>
+        <p:spPr>
+          <a:xfrm>
+            <a:off x="897717" y="1247156"/>
+            <a:ext cx="5069590" cy="1847321"/>
+          </a:xfrm>
+          <a:prstGeom prst="rect">
+            <a:avLst/>
+          </a:prstGeom>
+        </p:spPr>
+      </p:pic>
+      <p:pic>
+        <p:nvPicPr>
+          <p:cNvPr id="5" name="Picture 4">
+            <a:extLst>
+              <a:ext uri="{FF2B5EF4-FFF2-40B4-BE49-F238E27FC236}">
+                <a16:creationId xmlns:a16="http://schemas.microsoft.com/office/drawing/2014/main" id="{E19FCE58-F00B-487D-8021-43B86638C5BB}"/>
+              </a:ext>
+            </a:extLst>
+          </p:cNvPr>
+          <p:cNvPicPr>
+            <a:picLocks noChangeAspect="1"/>
+          </p:cNvPicPr>
+          <p:nvPr/>
+        </p:nvPicPr>
+        <p:blipFill>
+          <a:blip r:embed="rId3"/>
+          <a:stretch>
+            <a:fillRect/>
+          </a:stretch>
+        </p:blipFill>
+        <p:spPr>
+          <a:xfrm>
+            <a:off x="6497823" y="671201"/>
+            <a:ext cx="4527143" cy="2999232"/>
+          </a:xfrm>
+          <a:prstGeom prst="rect">
+            <a:avLst/>
+          </a:prstGeom>
+        </p:spPr>
+      </p:pic>
+    </p:spTree>
+    <p:extLst>
+      <p:ext uri="{BB962C8B-B14F-4D97-AF65-F5344CB8AC3E}">
+        <p14:creationId xmlns:p14="http://schemas.microsoft.com/office/powerpoint/2010/main" val="3274241995"/>
+      </p:ext>
+    </p:extLst>
+  </p:cSld>
+  <p:clrMapOvr>
+    <a:masterClrMapping/>
+  </p:clrMapOvr>
+</p:sld>
+</file>
+
+<file path=ppt/slides/slide11.xml><?xml version="1.0" encoding="utf-8"?>
+<p:sld xmlns:a="http://schemas.openxmlformats.org/drawingml/2006/main" xmlns:r="http://schemas.openxmlformats.org/officeDocument/2006/relationships" xmlns:p="http://schemas.openxmlformats.org/presentationml/2006/main">
+  <p:cSld>
+    <p:bg>
+      <p:bgPr>
+        <a:solidFill>
+          <a:schemeClr val="bg1"/>
+        </a:solidFill>
+        <a:effectLst/>
+      </p:bgPr>
+    </p:bg>
+    <p:spTree>
+      <p:nvGrpSpPr>
+        <p:cNvPr id="1" name=""/>
+        <p:cNvGrpSpPr/>
+        <p:nvPr/>
+      </p:nvGrpSpPr>
+      <p:grpSpPr>
+        <a:xfrm>
+          <a:off x="0" y="0"/>
+          <a:ext cx="0" cy="0"/>
+          <a:chOff x="0" y="0"/>
+          <a:chExt cx="0" cy="0"/>
+        </a:xfrm>
+      </p:grpSpPr>
+      <p:sp>
+        <p:nvSpPr>
+          <p:cNvPr id="13" name="Freeform: Shape 12">
             <a:extLst>
               <a:ext uri="{FF2B5EF4-FFF2-40B4-BE49-F238E27FC236}">
                 <a16:creationId xmlns:a16="http://schemas.microsoft.com/office/drawing/2014/main" id="{7CB4857B-ED7C-444D-9F04-2F885114A1C2}"/>
@@ -4246,7 +4622,7 @@
       </p:sp>
       <p:sp>
         <p:nvSpPr>
-          <p:cNvPr id="10" name="Freeform: Shape 9">
+          <p:cNvPr id="15" name="Freeform: Shape 14">
             <a:extLst>
               <a:ext uri="{FF2B5EF4-FFF2-40B4-BE49-F238E27FC236}">
                 <a16:creationId xmlns:a16="http://schemas.microsoft.com/office/drawing/2014/main" id="{D18046FB-44EA-4FD8-A585-EA09A319B2D0}"/>
@@ -4508,7 +4884,7 @@
       </p:sp>
       <p:sp>
         <p:nvSpPr>
-          <p:cNvPr id="12" name="Freeform: Shape 11">
+          <p:cNvPr id="17" name="Freeform: Shape 16">
             <a:extLst>
               <a:ext uri="{FF2B5EF4-FFF2-40B4-BE49-F238E27FC236}">
                 <a16:creationId xmlns:a16="http://schemas.microsoft.com/office/drawing/2014/main" id="{479F5F2B-8B58-4140-AE6A-51F6C67B18D9}"/>
@@ -4608,50 +4984,201 @@
       </p:sp>
       <p:sp>
         <p:nvSpPr>
-          <p:cNvPr id="3" name="Pladsholder til indhold 2">
-            <a:extLst>
-              <a:ext uri="{FF2B5EF4-FFF2-40B4-BE49-F238E27FC236}">
-                <a16:creationId xmlns:a16="http://schemas.microsoft.com/office/drawing/2014/main" id="{FCC4153A-317F-425E-ACAF-35A39EA54A51}"/>
-              </a:ext>
-            </a:extLst>
-          </p:cNvPr>
-          <p:cNvSpPr>
-            <a:spLocks noGrp="1"/>
-          </p:cNvSpPr>
-          <p:nvPr>
-            <p:ph idx="1"/>
-          </p:nvPr>
+          <p:cNvPr id="8" name="TextBox 7">
+            <a:extLst>
+              <a:ext uri="{FF2B5EF4-FFF2-40B4-BE49-F238E27FC236}">
+                <a16:creationId xmlns:a16="http://schemas.microsoft.com/office/drawing/2014/main" id="{1C5486DE-5F64-4289-9328-9E538F423DC9}"/>
+              </a:ext>
+            </a:extLst>
+          </p:cNvPr>
+          <p:cNvSpPr txBox="1"/>
+          <p:nvPr/>
         </p:nvSpPr>
         <p:spPr>
           <a:xfrm>
-            <a:off x="1653363" y="2176272"/>
-            <a:ext cx="9367204" cy="4041648"/>
+            <a:off x="8382916" y="2176272"/>
+            <a:ext cx="3631021" cy="1461478"/>
           </a:xfrm>
+          <a:prstGeom prst="rect">
+            <a:avLst/>
+          </a:prstGeom>
         </p:spPr>
         <p:txBody>
-          <a:bodyPr anchor="t">
-            <a:normAutofit/>
+          <a:bodyPr vert="horz" lIns="91440" tIns="45720" rIns="91440" bIns="45720" rtlCol="0" anchor="t">
+            <a:normAutofit fontScale="70000" lnSpcReduction="20000"/>
           </a:bodyPr>
           <a:lstStyle/>
           <a:p>
-            <a:r>
-              <a:rPr lang="da-DK" sz="2400"/>
-              <a:t> Ideen bag at skrive noget kode som kan kompileres til andre platforme uden at skulle laves om på.</a:t>
-            </a:r>
-          </a:p>
-          <a:p>
-            <a:r>
-              <a:rPr lang="da-DK" sz="2400"/>
-              <a:t>Den reelle måde det sker på er at interfacet bliver det samme, men at der skal lave små ændringer så koden kan matche og kompileres til en anden arkitektur.</a:t>
-            </a:r>
-            <a:endParaRPr lang="LID4096" sz="2400"/>
+            <a:pPr indent="-228600">
+              <a:lnSpc>
+                <a:spcPct val="90000"/>
+              </a:lnSpc>
+              <a:spcAft>
+                <a:spcPts val="600"/>
+              </a:spcAft>
+              <a:buFont typeface="Arial" panose="020B0604020202020204" pitchFamily="34" charset="0"/>
+              <a:buChar char="•"/>
+            </a:pPr>
+            <a:r>
+              <a:rPr lang="en-US" sz="2400" dirty="0" err="1"/>
+              <a:t>Kilde</a:t>
+            </a:r>
+            <a:r>
+              <a:rPr lang="en-US" sz="2400" dirty="0"/>
+              <a:t>: </a:t>
+            </a:r>
+            <a:r>
+              <a:rPr lang="en-US" sz="2400" dirty="0" err="1"/>
+              <a:t>microsoft</a:t>
+            </a:r>
+            <a:r>
+              <a:rPr lang="en-US" sz="2400" dirty="0"/>
+              <a:t> ( </a:t>
+            </a:r>
+            <a:r>
+              <a:rPr lang="en-US" sz="2400" dirty="0">
+                <a:hlinkClick r:id="rId2"/>
+              </a:rPr>
+              <a:t>https://docs.microsoft.com/en-us/windows/uwp/winrt-components/walkthrough-creating-a-simple-windows-runtime-component-and-calling-it-from-javascript</a:t>
+            </a:r>
+            <a:r>
+              <a:rPr lang="en-US" sz="2400" dirty="0"/>
+              <a:t> )</a:t>
+            </a:r>
+          </a:p>
+        </p:txBody>
+      </p:sp>
+      <p:pic>
+        <p:nvPicPr>
+          <p:cNvPr id="2" name="Picture 3">
+            <a:extLst>
+              <a:ext uri="{FF2B5EF4-FFF2-40B4-BE49-F238E27FC236}">
+                <a16:creationId xmlns:a16="http://schemas.microsoft.com/office/drawing/2014/main" id="{FC6EACB3-D97A-4CAD-831B-1C5282044227}"/>
+              </a:ext>
+            </a:extLst>
+          </p:cNvPr>
+          <p:cNvPicPr>
+            <a:picLocks noChangeAspect="1"/>
+          </p:cNvPicPr>
+          <p:nvPr/>
+        </p:nvPicPr>
+        <p:blipFill rotWithShape="1">
+          <a:blip r:embed="rId3"/>
+          <a:srcRect l="1249" r="22224" b="-2"/>
+          <a:stretch/>
+        </p:blipFill>
+        <p:spPr>
+          <a:xfrm>
+            <a:off x="67856" y="879734"/>
+            <a:ext cx="4076716" cy="5516033"/>
+          </a:xfrm>
+          <a:prstGeom prst="rect">
+            <a:avLst/>
+          </a:prstGeom>
+        </p:spPr>
+      </p:pic>
+      <p:pic>
+        <p:nvPicPr>
+          <p:cNvPr id="3" name="Picture 5">
+            <a:extLst>
+              <a:ext uri="{FF2B5EF4-FFF2-40B4-BE49-F238E27FC236}">
+                <a16:creationId xmlns:a16="http://schemas.microsoft.com/office/drawing/2014/main" id="{AB4D1B76-6C6D-462D-A12E-795903AFB42D}"/>
+              </a:ext>
+            </a:extLst>
+          </p:cNvPr>
+          <p:cNvPicPr>
+            <a:picLocks noChangeAspect="1"/>
+          </p:cNvPicPr>
+          <p:nvPr/>
+        </p:nvPicPr>
+        <p:blipFill rotWithShape="1">
+          <a:blip r:embed="rId4"/>
+          <a:srcRect t="-3" r="5012" b="4"/>
+          <a:stretch/>
+        </p:blipFill>
+        <p:spPr>
+          <a:xfrm>
+            <a:off x="4277922" y="651932"/>
+            <a:ext cx="3971645" cy="2985818"/>
+          </a:xfrm>
+          <a:prstGeom prst="rect">
+            <a:avLst/>
+          </a:prstGeom>
+        </p:spPr>
+      </p:pic>
+      <p:pic>
+        <p:nvPicPr>
+          <p:cNvPr id="9" name="Picture 4">
+            <a:extLst>
+              <a:ext uri="{FF2B5EF4-FFF2-40B4-BE49-F238E27FC236}">
+                <a16:creationId xmlns:a16="http://schemas.microsoft.com/office/drawing/2014/main" id="{75D34264-1F58-414F-99A7-91CB8611209C}"/>
+              </a:ext>
+            </a:extLst>
+          </p:cNvPr>
+          <p:cNvPicPr>
+            <a:picLocks noChangeAspect="1"/>
+          </p:cNvPicPr>
+          <p:nvPr/>
+        </p:nvPicPr>
+        <p:blipFill rotWithShape="1">
+          <a:blip r:embed="rId5"/>
+          <a:srcRect l="-520" t="1705" r="4469" b="-1705"/>
+          <a:stretch/>
+        </p:blipFill>
+        <p:spPr>
+          <a:xfrm>
+            <a:off x="4277922" y="3762374"/>
+            <a:ext cx="7602666" cy="2633393"/>
+          </a:xfrm>
+          <a:prstGeom prst="rect">
+            <a:avLst/>
+          </a:prstGeom>
+        </p:spPr>
+      </p:pic>
+      <p:sp>
+        <p:nvSpPr>
+          <p:cNvPr id="11" name="TextBox 6">
+            <a:extLst>
+              <a:ext uri="{FF2B5EF4-FFF2-40B4-BE49-F238E27FC236}">
+                <a16:creationId xmlns:a16="http://schemas.microsoft.com/office/drawing/2014/main" id="{89619AFE-69A7-4EE8-B3F5-8384735896FC}"/>
+              </a:ext>
+            </a:extLst>
+          </p:cNvPr>
+          <p:cNvSpPr txBox="1"/>
+          <p:nvPr/>
+        </p:nvSpPr>
+        <p:spPr>
+          <a:xfrm>
+            <a:off x="8547755" y="651932"/>
+            <a:ext cx="3332833" cy="954107"/>
+          </a:xfrm>
+          <a:prstGeom prst="rect">
+            <a:avLst/>
+          </a:prstGeom>
+          <a:noFill/>
+        </p:spPr>
+        <p:txBody>
+          <a:bodyPr wrap="square" rtlCol="0">
+            <a:spAutoFit/>
+          </a:bodyPr>
+          <a:lstStyle/>
+          <a:p>
+            <a:r>
+              <a:rPr lang="en-US" sz="2800" dirty="0"/>
+              <a:t>Windows RT </a:t>
+            </a:r>
+            <a:r>
+              <a:rPr lang="en-US" sz="2800" dirty="0" err="1"/>
+              <a:t>Implementering</a:t>
+            </a:r>
+            <a:endParaRPr lang="da-DK" sz="2800" dirty="0"/>
           </a:p>
         </p:txBody>
       </p:sp>
     </p:spTree>
     <p:extLst>
       <p:ext uri="{BB962C8B-B14F-4D97-AF65-F5344CB8AC3E}">
-        <p14:creationId xmlns:p14="http://schemas.microsoft.com/office/powerpoint/2010/main" val="3035749060"/>
+        <p14:creationId xmlns:p14="http://schemas.microsoft.com/office/powerpoint/2010/main" val="3400931299"/>
       </p:ext>
     </p:extLst>
   </p:cSld>
@@ -4661,7 +5188,7 @@
 </p:sld>
 </file>
 
-<file path=ppt/slides/slide3.xml><?xml version="1.0" encoding="utf-8"?>
+<file path=ppt/slides/slide12.xml><?xml version="1.0" encoding="utf-8"?>
 <p:sld xmlns:a="http://schemas.openxmlformats.org/drawingml/2006/main" xmlns:r="http://schemas.openxmlformats.org/officeDocument/2006/relationships" xmlns:p="http://schemas.openxmlformats.org/presentationml/2006/main">
   <p:cSld>
     <p:bg>
@@ -4688,10 +5215,10 @@
       </p:grpSpPr>
       <p:sp>
         <p:nvSpPr>
-          <p:cNvPr id="2" name="Titel 1">
-            <a:extLst>
-              <a:ext uri="{FF2B5EF4-FFF2-40B4-BE49-F238E27FC236}">
-                <a16:creationId xmlns:a16="http://schemas.microsoft.com/office/drawing/2014/main" id="{FE58EC72-64AF-4403-97A5-FF1A134DB7A4}"/>
+          <p:cNvPr id="2" name="Title 1">
+            <a:extLst>
+              <a:ext uri="{FF2B5EF4-FFF2-40B4-BE49-F238E27FC236}">
+                <a16:creationId xmlns:a16="http://schemas.microsoft.com/office/drawing/2014/main" id="{10D87221-CE9C-4059-957B-B05DA25293E6}"/>
               </a:ext>
             </a:extLst>
           </p:cNvPr>
@@ -4704,42 +5231,36 @@
         </p:nvSpPr>
         <p:spPr>
           <a:xfrm>
-            <a:off x="841249" y="365760"/>
-            <a:ext cx="9912072" cy="1188404"/>
+            <a:off x="1524000" y="2245809"/>
+            <a:ext cx="9144000" cy="1564716"/>
           </a:xfrm>
         </p:spPr>
         <p:txBody>
-          <a:bodyPr>
+          <a:bodyPr vert="horz" lIns="91440" tIns="45720" rIns="91440" bIns="45720" rtlCol="0" anchor="b">
             <a:normAutofit/>
           </a:bodyPr>
           <a:lstStyle/>
           <a:p>
             <a:r>
-              <a:rPr lang="da-DK" dirty="0"/>
-              <a:t>Nyere </a:t>
-            </a:r>
-            <a:r>
-              <a:rPr lang="da-DK" dirty="0" err="1"/>
-              <a:t>Widget</a:t>
-            </a:r>
-            <a:r>
-              <a:rPr lang="da-DK" dirty="0"/>
-              <a:t> </a:t>
-            </a:r>
-            <a:r>
-              <a:rPr lang="da-DK" dirty="0" err="1"/>
-              <a:t>toolkits</a:t>
-            </a:r>
-            <a:endParaRPr lang="LID4096" dirty="0"/>
-          </a:p>
-        </p:txBody>
-      </p:sp>
-      <p:sp>
-        <p:nvSpPr>
-          <p:cNvPr id="14" name="Freeform: Shape 7">
-            <a:extLst>
-              <a:ext uri="{FF2B5EF4-FFF2-40B4-BE49-F238E27FC236}">
-                <a16:creationId xmlns:a16="http://schemas.microsoft.com/office/drawing/2014/main" id="{F0BC1D9E-4401-4EC0-88FD-ED103CB570EA}"/>
+              <a:rPr lang="en-US" sz="4800" kern="1200">
+                <a:solidFill>
+                  <a:schemeClr val="tx1"/>
+                </a:solidFill>
+                <a:latin typeface="+mj-lt"/>
+                <a:ea typeface="+mj-ea"/>
+                <a:cs typeface="+mj-cs"/>
+              </a:rPr>
+              <a:t>Demo</a:t>
+            </a:r>
+          </a:p>
+        </p:txBody>
+      </p:sp>
+      <p:sp>
+        <p:nvSpPr>
+          <p:cNvPr id="8" name="Freeform 14">
+            <a:extLst>
+              <a:ext uri="{FF2B5EF4-FFF2-40B4-BE49-F238E27FC236}">
+                <a16:creationId xmlns:a16="http://schemas.microsoft.com/office/drawing/2014/main" id="{C66F2F30-5DC0-44A0-BFA6-E12F46ED16DA}"/>
               </a:ext>
               <a:ext uri="{C183D7F6-B498-43B3-948B-1728B52AA6E4}">
                 <adec:decorative xmlns:adec="http://schemas.microsoft.com/office/drawing/2017/decorative" val="1"/>
@@ -4759,20 +5280,24 @@
         </p:nvSpPr>
         <p:spPr>
           <a:xfrm>
-            <a:off x="11000670" y="2"/>
-            <a:ext cx="1191330" cy="1511301"/>
+            <a:off x="0" y="1"/>
+            <a:ext cx="5920619" cy="2130951"/>
           </a:xfrm>
           <a:custGeom>
             <a:avLst/>
             <a:gdLst>
-              <a:gd name="connsiteX0" fmla="*/ 697617 w 1191330"/>
-              <a:gd name="connsiteY0" fmla="*/ 0 h 1511301"/>
-              <a:gd name="connsiteX1" fmla="*/ 1191330 w 1191330"/>
-              <a:gd name="connsiteY1" fmla="*/ 0 h 1511301"/>
-              <a:gd name="connsiteX2" fmla="*/ 1191330 w 1191330"/>
-              <a:gd name="connsiteY2" fmla="*/ 1511301 h 1511301"/>
-              <a:gd name="connsiteX3" fmla="*/ 0 w 1191330"/>
-              <a:gd name="connsiteY3" fmla="*/ 1511301 h 1511301"/>
+              <a:gd name="connsiteX0" fmla="*/ 0 w 5920619"/>
+              <a:gd name="connsiteY0" fmla="*/ 0 h 2130951"/>
+              <a:gd name="connsiteX1" fmla="*/ 3191370 w 5920619"/>
+              <a:gd name="connsiteY1" fmla="*/ 0 h 2130951"/>
+              <a:gd name="connsiteX2" fmla="*/ 3346315 w 5920619"/>
+              <a:gd name="connsiteY2" fmla="*/ 0 h 2130951"/>
+              <a:gd name="connsiteX3" fmla="*/ 5920619 w 5920619"/>
+              <a:gd name="connsiteY3" fmla="*/ 0 h 2130951"/>
+              <a:gd name="connsiteX4" fmla="*/ 4936971 w 5920619"/>
+              <a:gd name="connsiteY4" fmla="*/ 2130951 h 2130951"/>
+              <a:gd name="connsiteX5" fmla="*/ 0 w 5920619"/>
+              <a:gd name="connsiteY5" fmla="*/ 2130951 h 2130951"/>
             </a:gdLst>
             <a:ahLst/>
             <a:cxnLst>
@@ -4788,21 +5313,402 @@
               <a:cxn ang="0">
                 <a:pos x="connsiteX3" y="connsiteY3"/>
               </a:cxn>
+              <a:cxn ang="0">
+                <a:pos x="connsiteX4" y="connsiteY4"/>
+              </a:cxn>
+              <a:cxn ang="0">
+                <a:pos x="connsiteX5" y="connsiteY5"/>
+              </a:cxn>
             </a:cxnLst>
             <a:rect l="l" t="t" r="r" b="b"/>
             <a:pathLst>
-              <a:path w="1191330" h="1511301">
+              <a:path w="5920619" h="2130951">
                 <a:moveTo>
-                  <a:pt x="697617" y="0"/>
+                  <a:pt x="0" y="0"/>
                 </a:moveTo>
                 <a:lnTo>
-                  <a:pt x="1191330" y="0"/>
-                </a:lnTo>
-                <a:lnTo>
-                  <a:pt x="1191330" y="1511301"/>
-                </a:lnTo>
-                <a:lnTo>
-                  <a:pt x="0" y="1511301"/>
+                  <a:pt x="3191370" y="0"/>
+                </a:lnTo>
+                <a:lnTo>
+                  <a:pt x="3346315" y="0"/>
+                </a:lnTo>
+                <a:lnTo>
+                  <a:pt x="5920619" y="0"/>
+                </a:lnTo>
+                <a:lnTo>
+                  <a:pt x="4936971" y="2130951"/>
+                </a:lnTo>
+                <a:lnTo>
+                  <a:pt x="0" y="2130951"/>
+                </a:lnTo>
+                <a:close/>
+              </a:path>
+            </a:pathLst>
+          </a:custGeom>
+          <a:solidFill>
+            <a:srgbClr val="595959"/>
+          </a:solidFill>
+          <a:ln>
+            <a:noFill/>
+          </a:ln>
+        </p:spPr>
+        <p:style>
+          <a:lnRef idx="2">
+            <a:schemeClr val="accent1">
+              <a:shade val="50000"/>
+            </a:schemeClr>
+          </a:lnRef>
+          <a:fillRef idx="1">
+            <a:schemeClr val="accent1"/>
+          </a:fillRef>
+          <a:effectRef idx="0">
+            <a:schemeClr val="accent1"/>
+          </a:effectRef>
+          <a:fontRef idx="minor">
+            <a:schemeClr val="lt1"/>
+          </a:fontRef>
+        </p:style>
+        <p:txBody>
+          <a:bodyPr wrap="square" rtlCol="0" anchor="ctr">
+            <a:noAutofit/>
+          </a:bodyPr>
+          <a:lstStyle/>
+          <a:p>
+            <a:pPr algn="ctr"/>
+            <a:endParaRPr lang="en-US"/>
+          </a:p>
+        </p:txBody>
+      </p:sp>
+      <p:sp>
+        <p:nvSpPr>
+          <p:cNvPr id="10" name="Freeform 21">
+            <a:extLst>
+              <a:ext uri="{FF2B5EF4-FFF2-40B4-BE49-F238E27FC236}">
+                <a16:creationId xmlns:a16="http://schemas.microsoft.com/office/drawing/2014/main" id="{85872F57-7F42-4F97-8391-DDC8D0054C03}"/>
+              </a:ext>
+              <a:ext uri="{C183D7F6-B498-43B3-948B-1728B52AA6E4}">
+                <adec:decorative xmlns:adec="http://schemas.microsoft.com/office/drawing/2017/decorative" val="1"/>
+              </a:ext>
+            </a:extLst>
+          </p:cNvPr>
+          <p:cNvSpPr>
+            <a:spLocks noGrp="1" noRot="1" noChangeAspect="1" noMove="1" noResize="1" noEditPoints="1" noAdjustHandles="1" noChangeArrowheads="1" noChangeShapeType="1" noTextEdit="1"/>
+          </p:cNvSpPr>
+          <p:nvPr>
+            <p:extLst>
+              <p:ext uri="{386F3935-93C4-4BCD-93E2-E3B085C9AB24}">
+                <p16:designElem xmlns:p16="http://schemas.microsoft.com/office/powerpoint/2015/main" val="1"/>
+              </p:ext>
+            </p:extLst>
+          </p:nvPr>
+        </p:nvSpPr>
+        <p:spPr>
+          <a:xfrm>
+            <a:off x="5097839" y="0"/>
+            <a:ext cx="7094160" cy="2130952"/>
+          </a:xfrm>
+          <a:custGeom>
+            <a:avLst/>
+            <a:gdLst>
+              <a:gd name="connsiteX0" fmla="*/ 4417853 w 7094160"/>
+              <a:gd name="connsiteY0" fmla="*/ 0 h 2130952"/>
+              <a:gd name="connsiteX1" fmla="*/ 7094160 w 7094160"/>
+              <a:gd name="connsiteY1" fmla="*/ 0 h 2130952"/>
+              <a:gd name="connsiteX2" fmla="*/ 7094160 w 7094160"/>
+              <a:gd name="connsiteY2" fmla="*/ 2130552 h 2130952"/>
+              <a:gd name="connsiteX3" fmla="*/ 5920619 w 7094160"/>
+              <a:gd name="connsiteY3" fmla="*/ 2130552 h 2130952"/>
+              <a:gd name="connsiteX4" fmla="*/ 5920619 w 7094160"/>
+              <a:gd name="connsiteY4" fmla="*/ 2130952 h 2130952"/>
+              <a:gd name="connsiteX5" fmla="*/ 2729249 w 7094160"/>
+              <a:gd name="connsiteY5" fmla="*/ 2130952 h 2130952"/>
+              <a:gd name="connsiteX6" fmla="*/ 2574304 w 7094160"/>
+              <a:gd name="connsiteY6" fmla="*/ 2130952 h 2130952"/>
+              <a:gd name="connsiteX7" fmla="*/ 0 w 7094160"/>
+              <a:gd name="connsiteY7" fmla="*/ 2130952 h 2130952"/>
+              <a:gd name="connsiteX8" fmla="*/ 983648 w 7094160"/>
+              <a:gd name="connsiteY8" fmla="*/ 1 h 2130952"/>
+              <a:gd name="connsiteX9" fmla="*/ 4417853 w 7094160"/>
+              <a:gd name="connsiteY9" fmla="*/ 1 h 2130952"/>
+            </a:gdLst>
+            <a:ahLst/>
+            <a:cxnLst>
+              <a:cxn ang="0">
+                <a:pos x="connsiteX0" y="connsiteY0"/>
+              </a:cxn>
+              <a:cxn ang="0">
+                <a:pos x="connsiteX1" y="connsiteY1"/>
+              </a:cxn>
+              <a:cxn ang="0">
+                <a:pos x="connsiteX2" y="connsiteY2"/>
+              </a:cxn>
+              <a:cxn ang="0">
+                <a:pos x="connsiteX3" y="connsiteY3"/>
+              </a:cxn>
+              <a:cxn ang="0">
+                <a:pos x="connsiteX4" y="connsiteY4"/>
+              </a:cxn>
+              <a:cxn ang="0">
+                <a:pos x="connsiteX5" y="connsiteY5"/>
+              </a:cxn>
+              <a:cxn ang="0">
+                <a:pos x="connsiteX6" y="connsiteY6"/>
+              </a:cxn>
+              <a:cxn ang="0">
+                <a:pos x="connsiteX7" y="connsiteY7"/>
+              </a:cxn>
+              <a:cxn ang="0">
+                <a:pos x="connsiteX8" y="connsiteY8"/>
+              </a:cxn>
+              <a:cxn ang="0">
+                <a:pos x="connsiteX9" y="connsiteY9"/>
+              </a:cxn>
+            </a:cxnLst>
+            <a:rect l="l" t="t" r="r" b="b"/>
+            <a:pathLst>
+              <a:path w="7094160" h="2130952">
+                <a:moveTo>
+                  <a:pt x="4417853" y="0"/>
+                </a:moveTo>
+                <a:lnTo>
+                  <a:pt x="7094160" y="0"/>
+                </a:lnTo>
+                <a:lnTo>
+                  <a:pt x="7094160" y="2130552"/>
+                </a:lnTo>
+                <a:lnTo>
+                  <a:pt x="5920619" y="2130552"/>
+                </a:lnTo>
+                <a:lnTo>
+                  <a:pt x="5920619" y="2130952"/>
+                </a:lnTo>
+                <a:lnTo>
+                  <a:pt x="2729249" y="2130952"/>
+                </a:lnTo>
+                <a:lnTo>
+                  <a:pt x="2574304" y="2130952"/>
+                </a:lnTo>
+                <a:lnTo>
+                  <a:pt x="0" y="2130952"/>
+                </a:lnTo>
+                <a:lnTo>
+                  <a:pt x="983648" y="1"/>
+                </a:lnTo>
+                <a:lnTo>
+                  <a:pt x="4417853" y="1"/>
+                </a:lnTo>
+                <a:close/>
+              </a:path>
+            </a:pathLst>
+          </a:custGeom>
+          <a:solidFill>
+            <a:srgbClr val="7F7F7F">
+              <a:alpha val="40000"/>
+            </a:srgbClr>
+          </a:solidFill>
+          <a:ln>
+            <a:noFill/>
+          </a:ln>
+        </p:spPr>
+        <p:style>
+          <a:lnRef idx="2">
+            <a:schemeClr val="accent1">
+              <a:shade val="50000"/>
+            </a:schemeClr>
+          </a:lnRef>
+          <a:fillRef idx="1">
+            <a:schemeClr val="accent1"/>
+          </a:fillRef>
+          <a:effectRef idx="0">
+            <a:schemeClr val="accent1"/>
+          </a:effectRef>
+          <a:fontRef idx="minor">
+            <a:schemeClr val="lt1"/>
+          </a:fontRef>
+        </p:style>
+        <p:txBody>
+          <a:bodyPr rtlCol="0" anchor="ctr"/>
+          <a:lstStyle/>
+          <a:p>
+            <a:pPr algn="ctr"/>
+            <a:endParaRPr lang="en-US"/>
+          </a:p>
+        </p:txBody>
+      </p:sp>
+      <p:sp useBgFill="1">
+        <p:nvSpPr>
+          <p:cNvPr id="12" name="Freeform: Shape 11">
+            <a:extLst>
+              <a:ext uri="{FF2B5EF4-FFF2-40B4-BE49-F238E27FC236}">
+                <a16:creationId xmlns:a16="http://schemas.microsoft.com/office/drawing/2014/main" id="{04DC2037-48A0-4F22-B9D4-8EAEBC780AB4}"/>
+              </a:ext>
+              <a:ext uri="{C183D7F6-B498-43B3-948B-1728B52AA6E4}">
+                <adec:decorative xmlns:adec="http://schemas.microsoft.com/office/drawing/2017/decorative" val="1"/>
+              </a:ext>
+            </a:extLst>
+          </p:cNvPr>
+          <p:cNvSpPr>
+            <a:spLocks noGrp="1" noRot="1" noChangeAspect="1" noMove="1" noResize="1" noEditPoints="1" noAdjustHandles="1" noChangeArrowheads="1" noChangeShapeType="1" noTextEdit="1"/>
+          </p:cNvSpPr>
+          <p:nvPr>
+            <p:extLst>
+              <p:ext uri="{386F3935-93C4-4BCD-93E2-E3B085C9AB24}">
+                <p16:designElem xmlns:p16="http://schemas.microsoft.com/office/powerpoint/2015/main" val="1"/>
+              </p:ext>
+            </p:extLst>
+          </p:nvPr>
+        </p:nvSpPr>
+        <p:spPr>
+          <a:xfrm flipH="1">
+            <a:off x="6149721" y="4682920"/>
+            <a:ext cx="4522796" cy="2175080"/>
+          </a:xfrm>
+          <a:custGeom>
+            <a:avLst/>
+            <a:gdLst>
+              <a:gd name="connsiteX0" fmla="*/ 3515449 w 4522796"/>
+              <a:gd name="connsiteY0" fmla="*/ 0 h 2175080"/>
+              <a:gd name="connsiteX1" fmla="*/ 0 w 4522796"/>
+              <a:gd name="connsiteY1" fmla="*/ 0 h 2175080"/>
+              <a:gd name="connsiteX2" fmla="*/ 0 w 4522796"/>
+              <a:gd name="connsiteY2" fmla="*/ 2175080 h 2175080"/>
+              <a:gd name="connsiteX3" fmla="*/ 4522796 w 4522796"/>
+              <a:gd name="connsiteY3" fmla="*/ 2175080 h 2175080"/>
+            </a:gdLst>
+            <a:ahLst/>
+            <a:cxnLst>
+              <a:cxn ang="0">
+                <a:pos x="connsiteX0" y="connsiteY0"/>
+              </a:cxn>
+              <a:cxn ang="0">
+                <a:pos x="connsiteX1" y="connsiteY1"/>
+              </a:cxn>
+              <a:cxn ang="0">
+                <a:pos x="connsiteX2" y="connsiteY2"/>
+              </a:cxn>
+              <a:cxn ang="0">
+                <a:pos x="connsiteX3" y="connsiteY3"/>
+              </a:cxn>
+            </a:cxnLst>
+            <a:rect l="l" t="t" r="r" b="b"/>
+            <a:pathLst>
+              <a:path w="4522796" h="2175080">
+                <a:moveTo>
+                  <a:pt x="3515449" y="0"/>
+                </a:moveTo>
+                <a:lnTo>
+                  <a:pt x="0" y="0"/>
+                </a:lnTo>
+                <a:lnTo>
+                  <a:pt x="0" y="2175080"/>
+                </a:lnTo>
+                <a:lnTo>
+                  <a:pt x="4522796" y="2175080"/>
+                </a:lnTo>
+                <a:close/>
+              </a:path>
+            </a:pathLst>
+          </a:custGeom>
+          <a:ln>
+            <a:noFill/>
+          </a:ln>
+        </p:spPr>
+        <p:style>
+          <a:lnRef idx="2">
+            <a:schemeClr val="accent1">
+              <a:shade val="50000"/>
+            </a:schemeClr>
+          </a:lnRef>
+          <a:fillRef idx="1">
+            <a:schemeClr val="accent1"/>
+          </a:fillRef>
+          <a:effectRef idx="0">
+            <a:schemeClr val="accent1"/>
+          </a:effectRef>
+          <a:fontRef idx="minor">
+            <a:schemeClr val="lt1"/>
+          </a:fontRef>
+        </p:style>
+        <p:txBody>
+          <a:bodyPr wrap="square" rtlCol="0" anchor="ctr">
+            <a:noAutofit/>
+          </a:bodyPr>
+          <a:lstStyle/>
+          <a:p>
+            <a:pPr algn="ctr"/>
+            <a:endParaRPr lang="en-US" b="1"/>
+          </a:p>
+        </p:txBody>
+      </p:sp>
+      <p:sp>
+        <p:nvSpPr>
+          <p:cNvPr id="14" name="Freeform 22">
+            <a:extLst>
+              <a:ext uri="{FF2B5EF4-FFF2-40B4-BE49-F238E27FC236}">
+                <a16:creationId xmlns:a16="http://schemas.microsoft.com/office/drawing/2014/main" id="{0006CBFD-ADA0-43D1-9332-9C34CA1C76ED}"/>
+              </a:ext>
+              <a:ext uri="{C183D7F6-B498-43B3-948B-1728B52AA6E4}">
+                <adec:decorative xmlns:adec="http://schemas.microsoft.com/office/drawing/2017/decorative" val="1"/>
+              </a:ext>
+            </a:extLst>
+          </p:cNvPr>
+          <p:cNvSpPr>
+            <a:spLocks noGrp="1" noRot="1" noChangeAspect="1" noMove="1" noResize="1" noEditPoints="1" noAdjustHandles="1" noChangeArrowheads="1" noChangeShapeType="1" noTextEdit="1"/>
+          </p:cNvSpPr>
+          <p:nvPr>
+            <p:extLst>
+              <p:ext uri="{386F3935-93C4-4BCD-93E2-E3B085C9AB24}">
+                <p16:designElem xmlns:p16="http://schemas.microsoft.com/office/powerpoint/2015/main" val="1"/>
+              </p:ext>
+            </p:extLst>
+          </p:nvPr>
+        </p:nvSpPr>
+        <p:spPr>
+          <a:xfrm>
+            <a:off x="6266810" y="4682920"/>
+            <a:ext cx="5925190" cy="2175080"/>
+          </a:xfrm>
+          <a:custGeom>
+            <a:avLst/>
+            <a:gdLst>
+              <a:gd name="connsiteX0" fmla="*/ 1007347 w 5925190"/>
+              <a:gd name="connsiteY0" fmla="*/ 0 h 2175080"/>
+              <a:gd name="connsiteX1" fmla="*/ 5925190 w 5925190"/>
+              <a:gd name="connsiteY1" fmla="*/ 0 h 2175080"/>
+              <a:gd name="connsiteX2" fmla="*/ 5925190 w 5925190"/>
+              <a:gd name="connsiteY2" fmla="*/ 2175080 h 2175080"/>
+              <a:gd name="connsiteX3" fmla="*/ 0 w 5925190"/>
+              <a:gd name="connsiteY3" fmla="*/ 2175080 h 2175080"/>
+            </a:gdLst>
+            <a:ahLst/>
+            <a:cxnLst>
+              <a:cxn ang="0">
+                <a:pos x="connsiteX0" y="connsiteY0"/>
+              </a:cxn>
+              <a:cxn ang="0">
+                <a:pos x="connsiteX1" y="connsiteY1"/>
+              </a:cxn>
+              <a:cxn ang="0">
+                <a:pos x="connsiteX2" y="connsiteY2"/>
+              </a:cxn>
+              <a:cxn ang="0">
+                <a:pos x="connsiteX3" y="connsiteY3"/>
+              </a:cxn>
+            </a:cxnLst>
+            <a:rect l="l" t="t" r="r" b="b"/>
+            <a:pathLst>
+              <a:path w="5925190" h="2175080">
+                <a:moveTo>
+                  <a:pt x="1007347" y="0"/>
+                </a:moveTo>
+                <a:lnTo>
+                  <a:pt x="5925190" y="0"/>
+                </a:lnTo>
+                <a:lnTo>
+                  <a:pt x="5925190" y="2175080"/>
+                </a:lnTo>
+                <a:lnTo>
+                  <a:pt x="0" y="2175080"/>
                 </a:lnTo>
                 <a:close/>
               </a:path>
@@ -4844,10 +5750,10 @@
       </p:sp>
       <p:sp>
         <p:nvSpPr>
-          <p:cNvPr id="15" name="Freeform: Shape 9">
-            <a:extLst>
-              <a:ext uri="{FF2B5EF4-FFF2-40B4-BE49-F238E27FC236}">
-                <a16:creationId xmlns:a16="http://schemas.microsoft.com/office/drawing/2014/main" id="{6200B311-3585-4069-AAC6-CD443FA5B8AD}"/>
+          <p:cNvPr id="16" name="Freeform 25">
+            <a:extLst>
+              <a:ext uri="{FF2B5EF4-FFF2-40B4-BE49-F238E27FC236}">
+                <a16:creationId xmlns:a16="http://schemas.microsoft.com/office/drawing/2014/main" id="{2B931666-F28F-45F3-A074-66D2272D580B}"/>
               </a:ext>
               <a:ext uri="{C183D7F6-B498-43B3-948B-1728B52AA6E4}">
                 <adec:decorative xmlns:adec="http://schemas.microsoft.com/office/drawing/2017/decorative" val="1"/>
@@ -4867,24 +5773,24 @@
         </p:nvSpPr>
         <p:spPr>
           <a:xfrm>
-            <a:off x="8523986" y="1690688"/>
-            <a:ext cx="3668014" cy="5167312"/>
+            <a:off x="0" y="4682920"/>
+            <a:ext cx="7114535" cy="2175080"/>
           </a:xfrm>
           <a:custGeom>
             <a:avLst/>
             <a:gdLst>
-              <a:gd name="connsiteX0" fmla="*/ 2391664 w 3668014"/>
-              <a:gd name="connsiteY0" fmla="*/ 0 h 5167312"/>
-              <a:gd name="connsiteX1" fmla="*/ 3668014 w 3668014"/>
-              <a:gd name="connsiteY1" fmla="*/ 0 h 5167312"/>
-              <a:gd name="connsiteX2" fmla="*/ 3668014 w 3668014"/>
-              <a:gd name="connsiteY2" fmla="*/ 5167312 h 5167312"/>
-              <a:gd name="connsiteX3" fmla="*/ 0 w 3668014"/>
-              <a:gd name="connsiteY3" fmla="*/ 5167312 h 5167312"/>
-              <a:gd name="connsiteX4" fmla="*/ 2393879 w 3668014"/>
-              <a:gd name="connsiteY4" fmla="*/ 952 h 5167312"/>
-              <a:gd name="connsiteX5" fmla="*/ 2391664 w 3668014"/>
-              <a:gd name="connsiteY5" fmla="*/ 952 h 5167312"/>
+              <a:gd name="connsiteX0" fmla="*/ 0 w 7114535"/>
+              <a:gd name="connsiteY0" fmla="*/ 0 h 2175080"/>
+              <a:gd name="connsiteX1" fmla="*/ 1189345 w 7114535"/>
+              <a:gd name="connsiteY1" fmla="*/ 0 h 2175080"/>
+              <a:gd name="connsiteX2" fmla="*/ 7114535 w 7114535"/>
+              <a:gd name="connsiteY2" fmla="*/ 0 h 2175080"/>
+              <a:gd name="connsiteX3" fmla="*/ 6107188 w 7114535"/>
+              <a:gd name="connsiteY3" fmla="*/ 2175080 h 2175080"/>
+              <a:gd name="connsiteX4" fmla="*/ 1189345 w 7114535"/>
+              <a:gd name="connsiteY4" fmla="*/ 2175080 h 2175080"/>
+              <a:gd name="connsiteX5" fmla="*/ 0 w 7114535"/>
+              <a:gd name="connsiteY5" fmla="*/ 2175080 h 2175080"/>
             </a:gdLst>
             <a:ahLst/>
             <a:cxnLst>
@@ -4909,32 +5815,32 @@
             </a:cxnLst>
             <a:rect l="l" t="t" r="r" b="b"/>
             <a:pathLst>
-              <a:path w="3668014" h="5167312">
+              <a:path w="7114535" h="2175080">
                 <a:moveTo>
-                  <a:pt x="2391664" y="0"/>
+                  <a:pt x="0" y="0"/>
                 </a:moveTo>
                 <a:lnTo>
-                  <a:pt x="3668014" y="0"/>
-                </a:lnTo>
-                <a:lnTo>
-                  <a:pt x="3668014" y="5167312"/>
-                </a:lnTo>
-                <a:lnTo>
-                  <a:pt x="0" y="5167312"/>
-                </a:lnTo>
-                <a:lnTo>
-                  <a:pt x="2393879" y="952"/>
-                </a:lnTo>
-                <a:lnTo>
-                  <a:pt x="2391664" y="952"/>
+                  <a:pt x="1189345" y="0"/>
+                </a:lnTo>
+                <a:lnTo>
+                  <a:pt x="7114535" y="0"/>
+                </a:lnTo>
+                <a:lnTo>
+                  <a:pt x="6107188" y="2175080"/>
+                </a:lnTo>
+                <a:lnTo>
+                  <a:pt x="1189345" y="2175080"/>
+                </a:lnTo>
+                <a:lnTo>
+                  <a:pt x="0" y="2175080"/>
                 </a:lnTo>
                 <a:close/>
               </a:path>
             </a:pathLst>
           </a:custGeom>
           <a:solidFill>
-            <a:srgbClr val="A6A6A6">
-              <a:alpha val="49804"/>
+            <a:srgbClr val="7F7F7F">
+              <a:alpha val="40000"/>
             </a:srgbClr>
           </a:solidFill>
           <a:ln>
@@ -4958,236 +5864,18 @@
           </a:fontRef>
         </p:style>
         <p:txBody>
-          <a:bodyPr wrap="square" rtlCol="0" anchor="ctr">
-            <a:noAutofit/>
-          </a:bodyPr>
+          <a:bodyPr rtlCol="0" anchor="ctr"/>
           <a:lstStyle/>
           <a:p>
             <a:pPr algn="ctr"/>
             <a:endParaRPr lang="en-US"/>
-          </a:p>
-        </p:txBody>
-      </p:sp>
-      <p:sp>
-        <p:nvSpPr>
-          <p:cNvPr id="16" name="Freeform: Shape 11">
-            <a:extLst>
-              <a:ext uri="{FF2B5EF4-FFF2-40B4-BE49-F238E27FC236}">
-                <a16:creationId xmlns:a16="http://schemas.microsoft.com/office/drawing/2014/main" id="{B0AAF7C9-094E-400C-A428-F6C2262F6527}"/>
-              </a:ext>
-              <a:ext uri="{C183D7F6-B498-43B3-948B-1728B52AA6E4}">
-                <adec:decorative xmlns:adec="http://schemas.microsoft.com/office/drawing/2017/decorative" val="1"/>
-              </a:ext>
-            </a:extLst>
-          </p:cNvPr>
-          <p:cNvSpPr>
-            <a:spLocks noGrp="1" noRot="1" noChangeAspect="1" noMove="1" noResize="1" noEditPoints="1" noAdjustHandles="1" noChangeArrowheads="1" noChangeShapeType="1" noTextEdit="1"/>
-          </p:cNvSpPr>
-          <p:nvPr>
-            <p:extLst>
-              <p:ext uri="{386F3935-93C4-4BCD-93E2-E3B085C9AB24}">
-                <p16:designElem xmlns:p16="http://schemas.microsoft.com/office/powerpoint/2015/main" val="1"/>
-              </p:ext>
-            </p:extLst>
-          </p:nvPr>
-        </p:nvSpPr>
-        <p:spPr>
-          <a:xfrm>
-            <a:off x="0" y="1690688"/>
-            <a:ext cx="10753320" cy="5167312"/>
-          </a:xfrm>
-          <a:custGeom>
-            <a:avLst/>
-            <a:gdLst>
-              <a:gd name="connsiteX0" fmla="*/ 0 w 10753320"/>
-              <a:gd name="connsiteY0" fmla="*/ 0 h 5167312"/>
-              <a:gd name="connsiteX1" fmla="*/ 9680943 w 10753320"/>
-              <a:gd name="connsiteY1" fmla="*/ 0 h 5167312"/>
-              <a:gd name="connsiteX2" fmla="*/ 9680223 w 10753320"/>
-              <a:gd name="connsiteY2" fmla="*/ 952 h 5167312"/>
-              <a:gd name="connsiteX3" fmla="*/ 10753320 w 10753320"/>
-              <a:gd name="connsiteY3" fmla="*/ 952 h 5167312"/>
-              <a:gd name="connsiteX4" fmla="*/ 8359441 w 10753320"/>
-              <a:gd name="connsiteY4" fmla="*/ 5167312 h 5167312"/>
-              <a:gd name="connsiteX5" fmla="*/ 4821866 w 10753320"/>
-              <a:gd name="connsiteY5" fmla="*/ 5167312 h 5167312"/>
-              <a:gd name="connsiteX6" fmla="*/ 4821866 w 10753320"/>
-              <a:gd name="connsiteY6" fmla="*/ 5166360 h 5167312"/>
-              <a:gd name="connsiteX7" fmla="*/ 0 w 10753320"/>
-              <a:gd name="connsiteY7" fmla="*/ 5166360 h 5167312"/>
-            </a:gdLst>
-            <a:ahLst/>
-            <a:cxnLst>
-              <a:cxn ang="0">
-                <a:pos x="connsiteX0" y="connsiteY0"/>
-              </a:cxn>
-              <a:cxn ang="0">
-                <a:pos x="connsiteX1" y="connsiteY1"/>
-              </a:cxn>
-              <a:cxn ang="0">
-                <a:pos x="connsiteX2" y="connsiteY2"/>
-              </a:cxn>
-              <a:cxn ang="0">
-                <a:pos x="connsiteX3" y="connsiteY3"/>
-              </a:cxn>
-              <a:cxn ang="0">
-                <a:pos x="connsiteX4" y="connsiteY4"/>
-              </a:cxn>
-              <a:cxn ang="0">
-                <a:pos x="connsiteX5" y="connsiteY5"/>
-              </a:cxn>
-              <a:cxn ang="0">
-                <a:pos x="connsiteX6" y="connsiteY6"/>
-              </a:cxn>
-              <a:cxn ang="0">
-                <a:pos x="connsiteX7" y="connsiteY7"/>
-              </a:cxn>
-            </a:cxnLst>
-            <a:rect l="l" t="t" r="r" b="b"/>
-            <a:pathLst>
-              <a:path w="10753320" h="5167312">
-                <a:moveTo>
-                  <a:pt x="0" y="0"/>
-                </a:moveTo>
-                <a:lnTo>
-                  <a:pt x="9680943" y="0"/>
-                </a:lnTo>
-                <a:lnTo>
-                  <a:pt x="9680223" y="952"/>
-                </a:lnTo>
-                <a:lnTo>
-                  <a:pt x="10753320" y="952"/>
-                </a:lnTo>
-                <a:lnTo>
-                  <a:pt x="8359441" y="5167312"/>
-                </a:lnTo>
-                <a:lnTo>
-                  <a:pt x="4821866" y="5167312"/>
-                </a:lnTo>
-                <a:lnTo>
-                  <a:pt x="4821866" y="5166360"/>
-                </a:lnTo>
-                <a:lnTo>
-                  <a:pt x="0" y="5166360"/>
-                </a:lnTo>
-                <a:close/>
-              </a:path>
-            </a:pathLst>
-          </a:custGeom>
-          <a:solidFill>
-            <a:srgbClr val="303030"/>
-          </a:solidFill>
-          <a:ln>
-            <a:noFill/>
-          </a:ln>
-        </p:spPr>
-        <p:style>
-          <a:lnRef idx="2">
-            <a:schemeClr val="accent1">
-              <a:shade val="50000"/>
-            </a:schemeClr>
-          </a:lnRef>
-          <a:fillRef idx="1">
-            <a:schemeClr val="accent1"/>
-          </a:fillRef>
-          <a:effectRef idx="0">
-            <a:schemeClr val="accent1"/>
-          </a:effectRef>
-          <a:fontRef idx="minor">
-            <a:schemeClr val="lt1"/>
-          </a:fontRef>
-        </p:style>
-        <p:txBody>
-          <a:bodyPr wrap="square" rtlCol="0" anchor="ctr">
-            <a:noAutofit/>
-          </a:bodyPr>
-          <a:lstStyle/>
-          <a:p>
-            <a:pPr algn="ctr"/>
-            <a:endParaRPr lang="en-US"/>
-          </a:p>
-        </p:txBody>
-      </p:sp>
-      <p:sp>
-        <p:nvSpPr>
-          <p:cNvPr id="3" name="Pladsholder til indhold 2">
-            <a:extLst>
-              <a:ext uri="{FF2B5EF4-FFF2-40B4-BE49-F238E27FC236}">
-                <a16:creationId xmlns:a16="http://schemas.microsoft.com/office/drawing/2014/main" id="{85FB97CA-4756-44B0-B372-51230F7AB849}"/>
-              </a:ext>
-            </a:extLst>
-          </p:cNvPr>
-          <p:cNvSpPr>
-            <a:spLocks noGrp="1"/>
-          </p:cNvSpPr>
-          <p:nvPr>
-            <p:ph idx="1"/>
-          </p:nvPr>
-        </p:nvSpPr>
-        <p:spPr>
-          <a:xfrm>
-            <a:off x="841248" y="2174358"/>
-            <a:ext cx="7731642" cy="4045467"/>
-          </a:xfrm>
-        </p:spPr>
-        <p:txBody>
-          <a:bodyPr anchor="t">
-            <a:normAutofit/>
-          </a:bodyPr>
-          <a:lstStyle/>
-          <a:p>
-            <a:r>
-              <a:rPr lang="da-DK" sz="2400">
-                <a:solidFill>
-                  <a:schemeClr val="bg1"/>
-                </a:solidFill>
-              </a:rPr>
-              <a:t>Qt</a:t>
-            </a:r>
-          </a:p>
-          <a:p>
-            <a:r>
-              <a:rPr lang="da-DK" sz="2400">
-                <a:solidFill>
-                  <a:schemeClr val="bg1"/>
-                </a:solidFill>
-              </a:rPr>
-              <a:t>wxWidgets</a:t>
-            </a:r>
-          </a:p>
-          <a:p>
-            <a:r>
-              <a:rPr lang="da-DK" sz="2400">
-                <a:solidFill>
-                  <a:schemeClr val="bg1"/>
-                </a:solidFill>
-              </a:rPr>
-              <a:t>GTK+</a:t>
-            </a:r>
-          </a:p>
-          <a:p>
-            <a:r>
-              <a:rPr lang="da-DK" sz="2400">
-                <a:solidFill>
-                  <a:schemeClr val="bg1"/>
-                </a:solidFill>
-              </a:rPr>
-              <a:t>Dog kun for desktop applikationer</a:t>
-            </a:r>
-          </a:p>
-          <a:p>
-            <a:endParaRPr lang="LID4096" sz="2400">
-              <a:solidFill>
-                <a:schemeClr val="bg1"/>
-              </a:solidFill>
-            </a:endParaRPr>
           </a:p>
         </p:txBody>
       </p:sp>
     </p:spTree>
     <p:extLst>
       <p:ext uri="{BB962C8B-B14F-4D97-AF65-F5344CB8AC3E}">
-        <p14:creationId xmlns:p14="http://schemas.microsoft.com/office/powerpoint/2010/main" val="1842516170"/>
+        <p14:creationId xmlns:p14="http://schemas.microsoft.com/office/powerpoint/2010/main" val="3014922306"/>
       </p:ext>
     </p:extLst>
   </p:cSld>
@@ -5197,7 +5885,7 @@
 </p:sld>
 </file>
 
-<file path=ppt/slides/slide4.xml><?xml version="1.0" encoding="utf-8"?>
+<file path=ppt/slides/slide2.xml><?xml version="1.0" encoding="utf-8"?>
 <p:sld xmlns:a="http://schemas.openxmlformats.org/drawingml/2006/main" xmlns:r="http://schemas.openxmlformats.org/officeDocument/2006/relationships" xmlns:p="http://schemas.openxmlformats.org/presentationml/2006/main">
   <p:cSld>
     <p:bg>
@@ -5227,7 +5915,7 @@
           <p:cNvPr id="2" name="Titel 1">
             <a:extLst>
               <a:ext uri="{FF2B5EF4-FFF2-40B4-BE49-F238E27FC236}">
-                <a16:creationId xmlns:a16="http://schemas.microsoft.com/office/drawing/2014/main" id="{FC3A3411-BC04-4524-A90B-2B31D8C0C36C}"/>
+                <a16:creationId xmlns:a16="http://schemas.microsoft.com/office/drawing/2014/main" id="{6AFD89D1-2F6B-4688-B16E-5C616889B562}"/>
               </a:ext>
             </a:extLst>
           </p:cNvPr>
@@ -5252,19 +5940,7 @@
           <a:p>
             <a:r>
               <a:rPr lang="da-DK" dirty="0"/>
-              <a:t>Write </a:t>
-            </a:r>
-            <a:r>
-              <a:rPr lang="da-DK" dirty="0" err="1"/>
-              <a:t>once</a:t>
-            </a:r>
-            <a:r>
-              <a:rPr lang="da-DK" dirty="0"/>
-              <a:t>, Run </a:t>
-            </a:r>
-            <a:r>
-              <a:rPr lang="da-DK" dirty="0" err="1"/>
-              <a:t>Anywhere</a:t>
+              <a:t>Cross-Platform Development</a:t>
             </a:r>
             <a:endParaRPr lang="LID4096" dirty="0"/>
           </a:p>
@@ -5745,7 +6421,7 @@
           <p:cNvPr id="3" name="Pladsholder til indhold 2">
             <a:extLst>
               <a:ext uri="{FF2B5EF4-FFF2-40B4-BE49-F238E27FC236}">
-                <a16:creationId xmlns:a16="http://schemas.microsoft.com/office/drawing/2014/main" id="{48BDCE0C-8F6B-4139-8DAB-18A150912698}"/>
+                <a16:creationId xmlns:a16="http://schemas.microsoft.com/office/drawing/2014/main" id="{FCC4153A-317F-425E-ACAF-35A39EA54A51}"/>
               </a:ext>
             </a:extLst>
           </p:cNvPr>
@@ -5770,63 +6446,22 @@
           <a:p>
             <a:r>
               <a:rPr lang="da-DK" sz="2400"/>
-              <a:t>Java</a:t>
-            </a:r>
-          </a:p>
-          <a:p>
-            <a:pPr lvl="1"/>
-            <a:r>
-              <a:rPr lang="da-DK" dirty="0"/>
-              <a:t>Køre i en VM</a:t>
-            </a:r>
-          </a:p>
-          <a:p>
-            <a:pPr lvl="1"/>
-            <a:r>
-              <a:rPr lang="da-DK" dirty="0"/>
-              <a:t>Gav mulighed for små applets i en  webbrowser</a:t>
+              <a:t> Ideen bag at skrive noget kode som kan kompileres til andre platforme uden at skulle laves om på.</a:t>
             </a:r>
           </a:p>
           <a:p>
             <a:r>
               <a:rPr lang="da-DK" sz="2400"/>
-              <a:t>Flash</a:t>
-            </a:r>
-          </a:p>
-          <a:p>
-            <a:pPr lvl="1"/>
-            <a:r>
-              <a:rPr lang="da-DK" dirty="0"/>
-              <a:t>Brugt til animationer og lignende</a:t>
-            </a:r>
-          </a:p>
-          <a:p>
-            <a:pPr lvl="1"/>
-            <a:r>
-              <a:rPr lang="da-DK" dirty="0"/>
-              <a:t>Kan kører i en hver webbrowser</a:t>
-            </a:r>
-          </a:p>
-          <a:p>
-            <a:r>
-              <a:rPr lang="da-DK" sz="2400"/>
-              <a:t>Silverlight</a:t>
-            </a:r>
-          </a:p>
-          <a:p>
-            <a:pPr lvl="1"/>
-            <a:r>
-              <a:rPr lang="da-DK" dirty="0"/>
-              <a:t>.Net versionen af flash</a:t>
-            </a:r>
-            <a:endParaRPr lang="LID4096" dirty="0"/>
+              <a:t>Den reelle måde det sker på er at interfacet bliver det samme, men at der skal lave små ændringer så koden kan matche og kompileres til en anden arkitektur.</a:t>
+            </a:r>
+            <a:endParaRPr lang="LID4096" sz="2400"/>
           </a:p>
         </p:txBody>
       </p:sp>
     </p:spTree>
     <p:extLst>
       <p:ext uri="{BB962C8B-B14F-4D97-AF65-F5344CB8AC3E}">
-        <p14:creationId xmlns:p14="http://schemas.microsoft.com/office/powerpoint/2010/main" val="4173624057"/>
+        <p14:creationId xmlns:p14="http://schemas.microsoft.com/office/powerpoint/2010/main" val="3035749060"/>
       </p:ext>
     </p:extLst>
   </p:cSld>
@@ -5836,7 +6471,7 @@
 </p:sld>
 </file>
 
-<file path=ppt/slides/slide5.xml><?xml version="1.0" encoding="utf-8"?>
+<file path=ppt/slides/slide3.xml><?xml version="1.0" encoding="utf-8"?>
 <p:sld xmlns:a="http://schemas.openxmlformats.org/drawingml/2006/main" xmlns:r="http://schemas.openxmlformats.org/officeDocument/2006/relationships" xmlns:p="http://schemas.openxmlformats.org/presentationml/2006/main">
   <p:cSld>
     <p:bg>
@@ -5866,7 +6501,7 @@
           <p:cNvPr id="2" name="Titel 1">
             <a:extLst>
               <a:ext uri="{FF2B5EF4-FFF2-40B4-BE49-F238E27FC236}">
-                <a16:creationId xmlns:a16="http://schemas.microsoft.com/office/drawing/2014/main" id="{EC248236-27C9-44A1-B982-652B850F398F}"/>
+                <a16:creationId xmlns:a16="http://schemas.microsoft.com/office/drawing/2014/main" id="{FE58EC72-64AF-4403-97A5-FF1A134DB7A4}"/>
               </a:ext>
             </a:extLst>
           </p:cNvPr>
@@ -5891,11 +6526,19 @@
           <a:p>
             <a:r>
               <a:rPr lang="da-DK" dirty="0"/>
-              <a:t>New and </a:t>
+              <a:t>Nyere </a:t>
             </a:r>
             <a:r>
               <a:rPr lang="da-DK" dirty="0" err="1"/>
-              <a:t>Improved</a:t>
+              <a:t>Widget</a:t>
+            </a:r>
+            <a:r>
+              <a:rPr lang="da-DK" dirty="0"/>
+              <a:t> </a:t>
+            </a:r>
+            <a:r>
+              <a:rPr lang="da-DK" dirty="0" err="1"/>
+              <a:t>toolkits</a:t>
             </a:r>
             <a:endParaRPr lang="LID4096" dirty="0"/>
           </a:p>
@@ -5903,7 +6546,7 @@
       </p:sp>
       <p:sp>
         <p:nvSpPr>
-          <p:cNvPr id="8" name="Freeform: Shape 7">
+          <p:cNvPr id="14" name="Freeform: Shape 7">
             <a:extLst>
               <a:ext uri="{FF2B5EF4-FFF2-40B4-BE49-F238E27FC236}">
                 <a16:creationId xmlns:a16="http://schemas.microsoft.com/office/drawing/2014/main" id="{F0BC1D9E-4401-4EC0-88FD-ED103CB570EA}"/>
@@ -6011,7 +6654,7 @@
       </p:sp>
       <p:sp>
         <p:nvSpPr>
-          <p:cNvPr id="10" name="Freeform: Shape 9">
+          <p:cNvPr id="15" name="Freeform: Shape 9">
             <a:extLst>
               <a:ext uri="{FF2B5EF4-FFF2-40B4-BE49-F238E27FC236}">
                 <a16:creationId xmlns:a16="http://schemas.microsoft.com/office/drawing/2014/main" id="{6200B311-3585-4069-AAC6-CD443FA5B8AD}"/>
@@ -6137,7 +6780,7 @@
       </p:sp>
       <p:sp>
         <p:nvSpPr>
-          <p:cNvPr id="12" name="Freeform: Shape 11">
+          <p:cNvPr id="16" name="Freeform: Shape 11">
             <a:extLst>
               <a:ext uri="{FF2B5EF4-FFF2-40B4-BE49-F238E27FC236}">
                 <a16:creationId xmlns:a16="http://schemas.microsoft.com/office/drawing/2014/main" id="{B0AAF7C9-094E-400C-A428-F6C2262F6527}"/>
@@ -6280,7 +6923,7 @@
           <p:cNvPr id="3" name="Pladsholder til indhold 2">
             <a:extLst>
               <a:ext uri="{FF2B5EF4-FFF2-40B4-BE49-F238E27FC236}">
-                <a16:creationId xmlns:a16="http://schemas.microsoft.com/office/drawing/2014/main" id="{A444E4FB-2C9E-4D05-99AB-FD610A840D0F}"/>
+                <a16:creationId xmlns:a16="http://schemas.microsoft.com/office/drawing/2014/main" id="{85FB97CA-4756-44B0-B372-51230F7AB849}"/>
               </a:ext>
             </a:extLst>
           </p:cNvPr>
@@ -6309,37 +6952,8 @@
                   <a:schemeClr val="bg1"/>
                 </a:solidFill>
               </a:rPr>
-              <a:t> Electron</a:t>
-            </a:r>
-          </a:p>
-          <a:p>
-            <a:pPr lvl="1"/>
-            <a:r>
-              <a:rPr lang="da-DK">
-                <a:solidFill>
-                  <a:schemeClr val="bg1"/>
-                </a:solidFill>
-              </a:rPr>
-              <a:t>Baseret på node.js til backend, som kan interegere med de 3 primære Operativ Systemer: Windows, Linux og MacOS.</a:t>
-            </a:r>
-          </a:p>
-          <a:p>
-            <a:pPr lvl="1"/>
-            <a:r>
-              <a:rPr lang="da-DK">
-                <a:solidFill>
-                  <a:schemeClr val="bg1"/>
-                </a:solidFill>
-              </a:rPr>
-              <a:t>Baseret på Chromium(opensource-lightweight webbrowser projekt) til frontend </a:t>
-            </a:r>
-          </a:p>
-          <a:p>
-            <a:endParaRPr lang="da-DK" sz="2400">
-              <a:solidFill>
-                <a:schemeClr val="bg1"/>
-              </a:solidFill>
-            </a:endParaRPr>
+              <a:t>Qt</a:t>
+            </a:r>
           </a:p>
           <a:p>
             <a:r>
@@ -6348,15 +6962,42 @@
                   <a:schemeClr val="bg1"/>
                 </a:solidFill>
               </a:rPr>
-              <a:t>Discord,Github Desktop, Skype,  Visual Studio code</a:t>
-            </a:r>
+              <a:t>wxWidgets</a:t>
+            </a:r>
+          </a:p>
+          <a:p>
+            <a:r>
+              <a:rPr lang="da-DK" sz="2400">
+                <a:solidFill>
+                  <a:schemeClr val="bg1"/>
+                </a:solidFill>
+              </a:rPr>
+              <a:t>GTK+</a:t>
+            </a:r>
+          </a:p>
+          <a:p>
+            <a:r>
+              <a:rPr lang="da-DK" sz="2400">
+                <a:solidFill>
+                  <a:schemeClr val="bg1"/>
+                </a:solidFill>
+              </a:rPr>
+              <a:t>Dog kun for desktop applikationer</a:t>
+            </a:r>
+          </a:p>
+          <a:p>
+            <a:endParaRPr lang="LID4096" sz="2400">
+              <a:solidFill>
+                <a:schemeClr val="bg1"/>
+              </a:solidFill>
+            </a:endParaRPr>
           </a:p>
         </p:txBody>
       </p:sp>
     </p:spTree>
     <p:extLst>
       <p:ext uri="{BB962C8B-B14F-4D97-AF65-F5344CB8AC3E}">
-        <p14:creationId xmlns:p14="http://schemas.microsoft.com/office/powerpoint/2010/main" val="2797285381"/>
+        <p14:creationId xmlns:p14="http://schemas.microsoft.com/office/powerpoint/2010/main" val="1842516170"/>
       </p:ext>
     </p:extLst>
   </p:cSld>
@@ -6366,7 +7007,7 @@
 </p:sld>
 </file>
 
-<file path=ppt/slides/slide6.xml><?xml version="1.0" encoding="utf-8"?>
+<file path=ppt/slides/slide4.xml><?xml version="1.0" encoding="utf-8"?>
 <p:sld xmlns:a="http://schemas.openxmlformats.org/drawingml/2006/main" xmlns:r="http://schemas.openxmlformats.org/officeDocument/2006/relationships" xmlns:p="http://schemas.openxmlformats.org/presentationml/2006/main">
   <p:cSld>
     <p:bg>
@@ -6396,7 +7037,7 @@
           <p:cNvPr id="2" name="Titel 1">
             <a:extLst>
               <a:ext uri="{FF2B5EF4-FFF2-40B4-BE49-F238E27FC236}">
-                <a16:creationId xmlns:a16="http://schemas.microsoft.com/office/drawing/2014/main" id="{FB8C3D82-FFBA-4BEB-8898-7E7C485C2E23}"/>
+                <a16:creationId xmlns:a16="http://schemas.microsoft.com/office/drawing/2014/main" id="{FC3A3411-BC04-4524-A90B-2B31D8C0C36C}"/>
               </a:ext>
             </a:extLst>
           </p:cNvPr>
@@ -6421,7 +7062,19 @@
           <a:p>
             <a:r>
               <a:rPr lang="da-DK" dirty="0"/>
-              <a:t>Web Applications on mobile</a:t>
+              <a:t>Write </a:t>
+            </a:r>
+            <a:r>
+              <a:rPr lang="da-DK" dirty="0" err="1"/>
+              <a:t>once</a:t>
+            </a:r>
+            <a:r>
+              <a:rPr lang="da-DK" dirty="0"/>
+              <a:t>, Run </a:t>
+            </a:r>
+            <a:r>
+              <a:rPr lang="da-DK" dirty="0" err="1"/>
+              <a:t>Anywhere</a:t>
             </a:r>
             <a:endParaRPr lang="LID4096" dirty="0"/>
           </a:p>
@@ -6902,7 +7555,7 @@
           <p:cNvPr id="3" name="Pladsholder til indhold 2">
             <a:extLst>
               <a:ext uri="{FF2B5EF4-FFF2-40B4-BE49-F238E27FC236}">
-                <a16:creationId xmlns:a16="http://schemas.microsoft.com/office/drawing/2014/main" id="{E11F6A6D-33E9-4687-B108-B6E4E9EF0127}"/>
+                <a16:creationId xmlns:a16="http://schemas.microsoft.com/office/drawing/2014/main" id="{48BDCE0C-8F6B-4139-8DAB-18A150912698}"/>
               </a:ext>
             </a:extLst>
           </p:cNvPr>
@@ -6927,48 +7580,63 @@
           <a:p>
             <a:r>
               <a:rPr lang="da-DK" sz="2400"/>
-              <a:t>Webbbrowsere er i dag blevet meget kompetente</a:t>
+              <a:t>Java</a:t>
+            </a:r>
+          </a:p>
+          <a:p>
+            <a:pPr lvl="1"/>
+            <a:r>
+              <a:rPr lang="da-DK" dirty="0"/>
+              <a:t>Køre i en VM</a:t>
+            </a:r>
+          </a:p>
+          <a:p>
+            <a:pPr lvl="1"/>
+            <a:r>
+              <a:rPr lang="da-DK" dirty="0"/>
+              <a:t>Gav mulighed for små applets i en  webbrowser</a:t>
             </a:r>
           </a:p>
           <a:p>
             <a:r>
               <a:rPr lang="da-DK" sz="2400"/>
-              <a:t>Laver man et software baseret system (intet til minimalt hardware), så er web applikationer en god måde at gøre det på.</a:t>
+              <a:t>Flash</a:t>
+            </a:r>
+          </a:p>
+          <a:p>
+            <a:pPr lvl="1"/>
+            <a:r>
+              <a:rPr lang="da-DK" dirty="0"/>
+              <a:t>Brugt til animationer og lignende</a:t>
+            </a:r>
+          </a:p>
+          <a:p>
+            <a:pPr lvl="1"/>
+            <a:r>
+              <a:rPr lang="da-DK" dirty="0"/>
+              <a:t>Kan kører i en hver webbrowser</a:t>
             </a:r>
           </a:p>
           <a:p>
             <a:r>
               <a:rPr lang="da-DK" sz="2400"/>
-              <a:t>Web applikationer kan køre på alle enheder</a:t>
-            </a:r>
-          </a:p>
-          <a:p>
-            <a:r>
-              <a:rPr lang="da-DK" sz="2400"/>
-              <a:t>Udover det er de kommet meget tættere på mobil apps</a:t>
-            </a:r>
-          </a:p>
-          <a:p>
-            <a:r>
-              <a:rPr lang="da-DK" sz="2400"/>
-              <a:t>Især med alle de nye SPA frameworks(Angular, Vue, React)</a:t>
-            </a:r>
-          </a:p>
-          <a:p>
-            <a:r>
-              <a:rPr lang="da-DK" sz="2400"/>
-              <a:t>De er dog ikke helt der hvor de kan erstatte mobil udviklings cross platforms.(Xamarin, React Native,Flutter)</a:t>
-            </a:r>
-          </a:p>
-          <a:p>
-            <a:endParaRPr lang="LID4096" sz="2400"/>
+              <a:t>Silverlight</a:t>
+            </a:r>
+          </a:p>
+          <a:p>
+            <a:pPr lvl="1"/>
+            <a:r>
+              <a:rPr lang="da-DK" dirty="0"/>
+              <a:t>.Net versionen af flash</a:t>
+            </a:r>
+            <a:endParaRPr lang="LID4096" dirty="0"/>
           </a:p>
         </p:txBody>
       </p:sp>
     </p:spTree>
     <p:extLst>
       <p:ext uri="{BB962C8B-B14F-4D97-AF65-F5344CB8AC3E}">
-        <p14:creationId xmlns:p14="http://schemas.microsoft.com/office/powerpoint/2010/main" val="672815654"/>
+        <p14:creationId xmlns:p14="http://schemas.microsoft.com/office/powerpoint/2010/main" val="4173624057"/>
       </p:ext>
     </p:extLst>
   </p:cSld>
@@ -6978,7 +7646,7 @@
 </p:sld>
 </file>
 
-<file path=ppt/slides/slide7.xml><?xml version="1.0" encoding="utf-8"?>
+<file path=ppt/slides/slide5.xml><?xml version="1.0" encoding="utf-8"?>
 <p:sld xmlns:a="http://schemas.openxmlformats.org/drawingml/2006/main" xmlns:r="http://schemas.openxmlformats.org/officeDocument/2006/relationships" xmlns:p="http://schemas.openxmlformats.org/presentationml/2006/main">
   <p:cSld>
     <p:bg>
@@ -7008,7 +7676,7 @@
           <p:cNvPr id="2" name="Titel 1">
             <a:extLst>
               <a:ext uri="{FF2B5EF4-FFF2-40B4-BE49-F238E27FC236}">
-                <a16:creationId xmlns:a16="http://schemas.microsoft.com/office/drawing/2014/main" id="{0E82D139-BD3B-497F-B74E-F9347A7A16D8}"/>
+                <a16:creationId xmlns:a16="http://schemas.microsoft.com/office/drawing/2014/main" id="{EC248236-27C9-44A1-B982-652B850F398F}"/>
               </a:ext>
             </a:extLst>
           </p:cNvPr>
@@ -7032,14 +7700,14 @@
           <a:lstStyle/>
           <a:p>
             <a:r>
-              <a:rPr lang="da-DK" sz="4100" err="1"/>
-              <a:t>Xamarin</a:t>
-            </a:r>
-            <a:r>
-              <a:rPr lang="da-DK" sz="4100"/>
-              <a:t>(Mono) .NET (mobile) crossplatform</a:t>
-            </a:r>
-            <a:endParaRPr lang="LID4096" sz="4100"/>
+              <a:rPr lang="da-DK" dirty="0"/>
+              <a:t>New and </a:t>
+            </a:r>
+            <a:r>
+              <a:rPr lang="da-DK" dirty="0" err="1"/>
+              <a:t>Improved</a:t>
+            </a:r>
+            <a:endParaRPr lang="LID4096" dirty="0"/>
           </a:p>
         </p:txBody>
       </p:sp>
@@ -7422,7 +8090,7 @@
           <p:cNvPr id="3" name="Pladsholder til indhold 2">
             <a:extLst>
               <a:ext uri="{FF2B5EF4-FFF2-40B4-BE49-F238E27FC236}">
-                <a16:creationId xmlns:a16="http://schemas.microsoft.com/office/drawing/2014/main" id="{2BBCA10B-E2EA-4BA6-8D5C-A7A6EE26449F}"/>
+                <a16:creationId xmlns:a16="http://schemas.microsoft.com/office/drawing/2014/main" id="{A444E4FB-2C9E-4D05-99AB-FD610A840D0F}"/>
               </a:ext>
             </a:extLst>
           </p:cNvPr>
@@ -7446,55 +8114,184 @@
           <a:lstStyle/>
           <a:p>
             <a:r>
-              <a:rPr lang="da-DK" sz="2400">
+              <a:rPr lang="da-DK" sz="2400" dirty="0">
                 <a:solidFill>
                   <a:schemeClr val="bg1"/>
                 </a:solidFill>
               </a:rPr>
-              <a:t>Mono Kan bruges til at udvikle desktop apps cross platform</a:t>
-            </a:r>
-          </a:p>
-          <a:p>
-            <a:r>
-              <a:rPr lang="da-DK" sz="2400">
+              <a:t> </a:t>
+            </a:r>
+            <a:r>
+              <a:rPr lang="da-DK" sz="2400" dirty="0" err="1">
                 <a:solidFill>
                   <a:schemeClr val="bg1"/>
                 </a:solidFill>
               </a:rPr>
-              <a:t>Følger en MVC struktur, hvor Model og controller bliver brugt over alle platforme men, hvor view bliver konfigureret til hver platform</a:t>
-            </a:r>
-          </a:p>
-          <a:p>
-            <a:r>
-              <a:rPr lang="da-DK" sz="2400">
+              <a:t>Electron</a:t>
+            </a:r>
+            <a:endParaRPr lang="da-DK" sz="2400" dirty="0">
+              <a:solidFill>
+                <a:schemeClr val="bg1"/>
+              </a:solidFill>
+            </a:endParaRPr>
+          </a:p>
+          <a:p>
+            <a:pPr lvl="1"/>
+            <a:r>
+              <a:rPr lang="da-DK" dirty="0">
                 <a:solidFill>
                   <a:schemeClr val="bg1"/>
                 </a:solidFill>
               </a:rPr>
-              <a:t>Xamarin er en overbygning til mono, som giver mulighed for at bruge .Net til at bygge mobil applikationer til IOS og Android</a:t>
-            </a:r>
-          </a:p>
-          <a:p>
-            <a:r>
-              <a:rPr lang="da-DK" sz="2400">
+              <a:t>Baseret på node.js til </a:t>
+            </a:r>
+            <a:r>
+              <a:rPr lang="da-DK" dirty="0" err="1">
                 <a:solidFill>
                   <a:schemeClr val="bg1"/>
                 </a:solidFill>
               </a:rPr>
-              <a:t>Xamarin bruger også en MVC struktur, udover Xamarin.Forms som bruger en MVVM struktur</a:t>
-            </a:r>
-            <a:endParaRPr lang="LID4096" sz="2400">
+              <a:t>backend</a:t>
+            </a:r>
+            <a:r>
+              <a:rPr lang="da-DK" dirty="0">
+                <a:solidFill>
+                  <a:schemeClr val="bg1"/>
+                </a:solidFill>
+              </a:rPr>
+              <a:t>, som kan </a:t>
+            </a:r>
+            <a:r>
+              <a:rPr lang="da-DK" dirty="0" err="1">
+                <a:solidFill>
+                  <a:schemeClr val="bg1"/>
+                </a:solidFill>
+              </a:rPr>
+              <a:t>interegeres</a:t>
+            </a:r>
+            <a:r>
+              <a:rPr lang="da-DK" dirty="0">
+                <a:solidFill>
+                  <a:schemeClr val="bg1"/>
+                </a:solidFill>
+              </a:rPr>
+              <a:t> med de 3 primære Operativ Systemer: Windows, Linux og </a:t>
+            </a:r>
+            <a:r>
+              <a:rPr lang="da-DK" dirty="0" err="1">
+                <a:solidFill>
+                  <a:schemeClr val="bg1"/>
+                </a:solidFill>
+              </a:rPr>
+              <a:t>MacOS</a:t>
+            </a:r>
+            <a:r>
+              <a:rPr lang="da-DK" dirty="0">
+                <a:solidFill>
+                  <a:schemeClr val="bg1"/>
+                </a:solidFill>
+              </a:rPr>
+              <a:t>.</a:t>
+            </a:r>
+          </a:p>
+          <a:p>
+            <a:pPr lvl="1"/>
+            <a:r>
+              <a:rPr lang="da-DK" dirty="0">
+                <a:solidFill>
+                  <a:schemeClr val="bg1"/>
+                </a:solidFill>
+              </a:rPr>
+              <a:t>Baseret på </a:t>
+            </a:r>
+            <a:r>
+              <a:rPr lang="da-DK" dirty="0" err="1">
+                <a:solidFill>
+                  <a:schemeClr val="bg1"/>
+                </a:solidFill>
+              </a:rPr>
+              <a:t>Chromium</a:t>
+            </a:r>
+            <a:r>
+              <a:rPr lang="da-DK" dirty="0">
+                <a:solidFill>
+                  <a:schemeClr val="bg1"/>
+                </a:solidFill>
+              </a:rPr>
+              <a:t>(</a:t>
+            </a:r>
+            <a:r>
+              <a:rPr lang="da-DK" dirty="0" err="1">
+                <a:solidFill>
+                  <a:schemeClr val="bg1"/>
+                </a:solidFill>
+              </a:rPr>
+              <a:t>opensource-lightweight</a:t>
+            </a:r>
+            <a:r>
+              <a:rPr lang="da-DK" dirty="0">
+                <a:solidFill>
+                  <a:schemeClr val="bg1"/>
+                </a:solidFill>
+              </a:rPr>
+              <a:t> webbrowser projekt) til </a:t>
+            </a:r>
+            <a:r>
+              <a:rPr lang="da-DK" dirty="0" err="1">
+                <a:solidFill>
+                  <a:schemeClr val="bg1"/>
+                </a:solidFill>
+              </a:rPr>
+              <a:t>frontend</a:t>
+            </a:r>
+            <a:r>
+              <a:rPr lang="da-DK" dirty="0">
+                <a:solidFill>
+                  <a:schemeClr val="bg1"/>
+                </a:solidFill>
+              </a:rPr>
+              <a:t> </a:t>
+            </a:r>
+          </a:p>
+          <a:p>
+            <a:endParaRPr lang="da-DK" sz="2400" dirty="0">
               <a:solidFill>
                 <a:schemeClr val="bg1"/>
               </a:solidFill>
             </a:endParaRPr>
           </a:p>
+          <a:p>
+            <a:r>
+              <a:rPr lang="da-DK" sz="2400" dirty="0">
+                <a:solidFill>
+                  <a:schemeClr val="bg1"/>
+                </a:solidFill>
+              </a:rPr>
+              <a:t>Discord, </a:t>
+            </a:r>
+            <a:r>
+              <a:rPr lang="da-DK" sz="2400" dirty="0" err="1">
+                <a:solidFill>
+                  <a:schemeClr val="bg1"/>
+                </a:solidFill>
+              </a:rPr>
+              <a:t>Github</a:t>
+            </a:r>
+            <a:r>
+              <a:rPr lang="da-DK" sz="2400" dirty="0">
+                <a:solidFill>
+                  <a:schemeClr val="bg1"/>
+                </a:solidFill>
+              </a:rPr>
+              <a:t> Desktop, Skype, Visual Studio Code</a:t>
+            </a:r>
+          </a:p>
         </p:txBody>
       </p:sp>
     </p:spTree>
     <p:extLst>
       <p:ext uri="{BB962C8B-B14F-4D97-AF65-F5344CB8AC3E}">
-        <p14:creationId xmlns:p14="http://schemas.microsoft.com/office/powerpoint/2010/main" val="2850189535"/>
+        <p14:creationId xmlns:p14="http://schemas.microsoft.com/office/powerpoint/2010/main" val="2797285381"/>
       </p:ext>
     </p:extLst>
   </p:cSld>
@@ -7504,7 +8301,7 @@
 </p:sld>
 </file>
 
-<file path=ppt/slides/slide8.xml><?xml version="1.0" encoding="utf-8"?>
+<file path=ppt/slides/slide6.xml><?xml version="1.0" encoding="utf-8"?>
 <p:sld xmlns:a="http://schemas.openxmlformats.org/drawingml/2006/main" xmlns:r="http://schemas.openxmlformats.org/officeDocument/2006/relationships" xmlns:p="http://schemas.openxmlformats.org/presentationml/2006/main">
   <p:cSld>
     <p:bg>
@@ -7531,10 +8328,10 @@
       </p:grpSpPr>
       <p:sp>
         <p:nvSpPr>
-          <p:cNvPr id="2" name="Title 1">
-            <a:extLst>
-              <a:ext uri="{FF2B5EF4-FFF2-40B4-BE49-F238E27FC236}">
-                <a16:creationId xmlns:a16="http://schemas.microsoft.com/office/drawing/2014/main" id="{02785576-5776-4695-ACBA-2610518CAAC1}"/>
+          <p:cNvPr id="2" name="Titel 1">
+            <a:extLst>
+              <a:ext uri="{FF2B5EF4-FFF2-40B4-BE49-F238E27FC236}">
+                <a16:creationId xmlns:a16="http://schemas.microsoft.com/office/drawing/2014/main" id="{FB8C3D82-FFBA-4BEB-8898-7E7C485C2E23}"/>
               </a:ext>
             </a:extLst>
           </p:cNvPr>
@@ -7558,9 +8355,10 @@
           <a:lstStyle/>
           <a:p>
             <a:r>
-              <a:rPr lang="da-DK" sz="4100"/>
-              <a:t>Windows RT komponent og implementering</a:t>
-            </a:r>
+              <a:rPr lang="da-DK" dirty="0"/>
+              <a:t>Web Applications on mobile</a:t>
+            </a:r>
+            <a:endParaRPr lang="LID4096" dirty="0"/>
           </a:p>
         </p:txBody>
       </p:sp>
@@ -8036,10 +8834,10 @@
       </p:sp>
       <p:sp>
         <p:nvSpPr>
-          <p:cNvPr id="3" name="Content Placeholder 2">
-            <a:extLst>
-              <a:ext uri="{FF2B5EF4-FFF2-40B4-BE49-F238E27FC236}">
-                <a16:creationId xmlns:a16="http://schemas.microsoft.com/office/drawing/2014/main" id="{83666854-B2E0-4B68-A6A7-90F29EC92DC3}"/>
+          <p:cNvPr id="3" name="Pladsholder til indhold 2">
+            <a:extLst>
+              <a:ext uri="{FF2B5EF4-FFF2-40B4-BE49-F238E27FC236}">
+                <a16:creationId xmlns:a16="http://schemas.microsoft.com/office/drawing/2014/main" id="{E11F6A6D-33E9-4687-B108-B6E4E9EF0127}"/>
               </a:ext>
             </a:extLst>
           </p:cNvPr>
@@ -8062,7 +8860,1341 @@
           </a:bodyPr>
           <a:lstStyle/>
           <a:p>
-            <a:endParaRPr lang="da-DK" sz="2400"/>
+            <a:r>
+              <a:rPr lang="da-DK" sz="2400"/>
+              <a:t>Webbbrowsere er i dag blevet meget kompetente</a:t>
+            </a:r>
+          </a:p>
+          <a:p>
+            <a:r>
+              <a:rPr lang="da-DK" sz="2400"/>
+              <a:t>Laver man et software baseret system (intet til minimalt hardware), så er web applikationer en god måde at gøre det på.</a:t>
+            </a:r>
+          </a:p>
+          <a:p>
+            <a:r>
+              <a:rPr lang="da-DK" sz="2400"/>
+              <a:t>Web applikationer kan køre på alle enheder</a:t>
+            </a:r>
+          </a:p>
+          <a:p>
+            <a:r>
+              <a:rPr lang="da-DK" sz="2400"/>
+              <a:t>Udover det er de kommet meget tættere på mobil apps</a:t>
+            </a:r>
+          </a:p>
+          <a:p>
+            <a:r>
+              <a:rPr lang="da-DK" sz="2400"/>
+              <a:t>Især med alle de nye SPA frameworks(Angular, Vue, React)</a:t>
+            </a:r>
+          </a:p>
+          <a:p>
+            <a:r>
+              <a:rPr lang="da-DK" sz="2400"/>
+              <a:t>De er dog ikke helt der hvor de kan erstatte mobil udviklings cross platforms.(Xamarin, React Native,Flutter)</a:t>
+            </a:r>
+          </a:p>
+          <a:p>
+            <a:endParaRPr lang="LID4096" sz="2400"/>
+          </a:p>
+        </p:txBody>
+      </p:sp>
+    </p:spTree>
+    <p:extLst>
+      <p:ext uri="{BB962C8B-B14F-4D97-AF65-F5344CB8AC3E}">
+        <p14:creationId xmlns:p14="http://schemas.microsoft.com/office/powerpoint/2010/main" val="672815654"/>
+      </p:ext>
+    </p:extLst>
+  </p:cSld>
+  <p:clrMapOvr>
+    <a:masterClrMapping/>
+  </p:clrMapOvr>
+</p:sld>
+</file>
+
+<file path=ppt/slides/slide7.xml><?xml version="1.0" encoding="utf-8"?>
+<p:sld xmlns:a="http://schemas.openxmlformats.org/drawingml/2006/main" xmlns:r="http://schemas.openxmlformats.org/officeDocument/2006/relationships" xmlns:p="http://schemas.openxmlformats.org/presentationml/2006/main">
+  <p:cSld>
+    <p:bg>
+      <p:bgPr>
+        <a:solidFill>
+          <a:schemeClr val="bg1"/>
+        </a:solidFill>
+        <a:effectLst/>
+      </p:bgPr>
+    </p:bg>
+    <p:spTree>
+      <p:nvGrpSpPr>
+        <p:cNvPr id="1" name=""/>
+        <p:cNvGrpSpPr/>
+        <p:nvPr/>
+      </p:nvGrpSpPr>
+      <p:grpSpPr>
+        <a:xfrm>
+          <a:off x="0" y="0"/>
+          <a:ext cx="0" cy="0"/>
+          <a:chOff x="0" y="0"/>
+          <a:chExt cx="0" cy="0"/>
+        </a:xfrm>
+      </p:grpSpPr>
+      <p:sp>
+        <p:nvSpPr>
+          <p:cNvPr id="2" name="Titel 1">
+            <a:extLst>
+              <a:ext uri="{FF2B5EF4-FFF2-40B4-BE49-F238E27FC236}">
+                <a16:creationId xmlns:a16="http://schemas.microsoft.com/office/drawing/2014/main" id="{0E82D139-BD3B-497F-B74E-F9347A7A16D8}"/>
+              </a:ext>
+            </a:extLst>
+          </p:cNvPr>
+          <p:cNvSpPr>
+            <a:spLocks noGrp="1"/>
+          </p:cNvSpPr>
+          <p:nvPr>
+            <p:ph type="title"/>
+          </p:nvPr>
+        </p:nvSpPr>
+        <p:spPr>
+          <a:xfrm>
+            <a:off x="841249" y="365760"/>
+            <a:ext cx="9912072" cy="1188404"/>
+          </a:xfrm>
+        </p:spPr>
+        <p:txBody>
+          <a:bodyPr>
+            <a:normAutofit/>
+          </a:bodyPr>
+          <a:lstStyle/>
+          <a:p>
+            <a:r>
+              <a:rPr lang="da-DK" sz="4100" err="1"/>
+              <a:t>Xamarin</a:t>
+            </a:r>
+            <a:r>
+              <a:rPr lang="da-DK" sz="4100"/>
+              <a:t>(Mono) .NET (mobile) crossplatform</a:t>
+            </a:r>
+            <a:endParaRPr lang="LID4096" sz="4100"/>
+          </a:p>
+        </p:txBody>
+      </p:sp>
+      <p:sp>
+        <p:nvSpPr>
+          <p:cNvPr id="8" name="Freeform: Shape 7">
+            <a:extLst>
+              <a:ext uri="{FF2B5EF4-FFF2-40B4-BE49-F238E27FC236}">
+                <a16:creationId xmlns:a16="http://schemas.microsoft.com/office/drawing/2014/main" id="{F0BC1D9E-4401-4EC0-88FD-ED103CB570EA}"/>
+              </a:ext>
+              <a:ext uri="{C183D7F6-B498-43B3-948B-1728B52AA6E4}">
+                <adec:decorative xmlns:adec="http://schemas.microsoft.com/office/drawing/2017/decorative" val="1"/>
+              </a:ext>
+            </a:extLst>
+          </p:cNvPr>
+          <p:cNvSpPr>
+            <a:spLocks noGrp="1" noRot="1" noChangeAspect="1" noMove="1" noResize="1" noEditPoints="1" noAdjustHandles="1" noChangeArrowheads="1" noChangeShapeType="1" noTextEdit="1"/>
+          </p:cNvSpPr>
+          <p:nvPr>
+            <p:extLst>
+              <p:ext uri="{386F3935-93C4-4BCD-93E2-E3B085C9AB24}">
+                <p16:designElem xmlns:p16="http://schemas.microsoft.com/office/powerpoint/2015/main" val="1"/>
+              </p:ext>
+            </p:extLst>
+          </p:nvPr>
+        </p:nvSpPr>
+        <p:spPr>
+          <a:xfrm>
+            <a:off x="11000670" y="2"/>
+            <a:ext cx="1191330" cy="1511301"/>
+          </a:xfrm>
+          <a:custGeom>
+            <a:avLst/>
+            <a:gdLst>
+              <a:gd name="connsiteX0" fmla="*/ 697617 w 1191330"/>
+              <a:gd name="connsiteY0" fmla="*/ 0 h 1511301"/>
+              <a:gd name="connsiteX1" fmla="*/ 1191330 w 1191330"/>
+              <a:gd name="connsiteY1" fmla="*/ 0 h 1511301"/>
+              <a:gd name="connsiteX2" fmla="*/ 1191330 w 1191330"/>
+              <a:gd name="connsiteY2" fmla="*/ 1511301 h 1511301"/>
+              <a:gd name="connsiteX3" fmla="*/ 0 w 1191330"/>
+              <a:gd name="connsiteY3" fmla="*/ 1511301 h 1511301"/>
+            </a:gdLst>
+            <a:ahLst/>
+            <a:cxnLst>
+              <a:cxn ang="0">
+                <a:pos x="connsiteX0" y="connsiteY0"/>
+              </a:cxn>
+              <a:cxn ang="0">
+                <a:pos x="connsiteX1" y="connsiteY1"/>
+              </a:cxn>
+              <a:cxn ang="0">
+                <a:pos x="connsiteX2" y="connsiteY2"/>
+              </a:cxn>
+              <a:cxn ang="0">
+                <a:pos x="connsiteX3" y="connsiteY3"/>
+              </a:cxn>
+            </a:cxnLst>
+            <a:rect l="l" t="t" r="r" b="b"/>
+            <a:pathLst>
+              <a:path w="1191330" h="1511301">
+                <a:moveTo>
+                  <a:pt x="697617" y="0"/>
+                </a:moveTo>
+                <a:lnTo>
+                  <a:pt x="1191330" y="0"/>
+                </a:lnTo>
+                <a:lnTo>
+                  <a:pt x="1191330" y="1511301"/>
+                </a:lnTo>
+                <a:lnTo>
+                  <a:pt x="0" y="1511301"/>
+                </a:lnTo>
+                <a:close/>
+              </a:path>
+            </a:pathLst>
+          </a:custGeom>
+          <a:solidFill>
+            <a:schemeClr val="accent4"/>
+          </a:solidFill>
+          <a:ln>
+            <a:noFill/>
+          </a:ln>
+        </p:spPr>
+        <p:style>
+          <a:lnRef idx="2">
+            <a:schemeClr val="accent1">
+              <a:shade val="50000"/>
+            </a:schemeClr>
+          </a:lnRef>
+          <a:fillRef idx="1">
+            <a:schemeClr val="accent1"/>
+          </a:fillRef>
+          <a:effectRef idx="0">
+            <a:schemeClr val="accent1"/>
+          </a:effectRef>
+          <a:fontRef idx="minor">
+            <a:schemeClr val="lt1"/>
+          </a:fontRef>
+        </p:style>
+        <p:txBody>
+          <a:bodyPr wrap="square" rtlCol="0" anchor="ctr">
+            <a:noAutofit/>
+          </a:bodyPr>
+          <a:lstStyle/>
+          <a:p>
+            <a:pPr algn="ctr"/>
+            <a:endParaRPr lang="en-US"/>
+          </a:p>
+        </p:txBody>
+      </p:sp>
+      <p:sp>
+        <p:nvSpPr>
+          <p:cNvPr id="10" name="Freeform: Shape 9">
+            <a:extLst>
+              <a:ext uri="{FF2B5EF4-FFF2-40B4-BE49-F238E27FC236}">
+                <a16:creationId xmlns:a16="http://schemas.microsoft.com/office/drawing/2014/main" id="{6200B311-3585-4069-AAC6-CD443FA5B8AD}"/>
+              </a:ext>
+              <a:ext uri="{C183D7F6-B498-43B3-948B-1728B52AA6E4}">
+                <adec:decorative xmlns:adec="http://schemas.microsoft.com/office/drawing/2017/decorative" val="1"/>
+              </a:ext>
+            </a:extLst>
+          </p:cNvPr>
+          <p:cNvSpPr>
+            <a:spLocks noGrp="1" noRot="1" noChangeAspect="1" noMove="1" noResize="1" noEditPoints="1" noAdjustHandles="1" noChangeArrowheads="1" noChangeShapeType="1" noTextEdit="1"/>
+          </p:cNvSpPr>
+          <p:nvPr>
+            <p:extLst>
+              <p:ext uri="{386F3935-93C4-4BCD-93E2-E3B085C9AB24}">
+                <p16:designElem xmlns:p16="http://schemas.microsoft.com/office/powerpoint/2015/main" val="1"/>
+              </p:ext>
+            </p:extLst>
+          </p:nvPr>
+        </p:nvSpPr>
+        <p:spPr>
+          <a:xfrm>
+            <a:off x="8523986" y="1690688"/>
+            <a:ext cx="3668014" cy="5167312"/>
+          </a:xfrm>
+          <a:custGeom>
+            <a:avLst/>
+            <a:gdLst>
+              <a:gd name="connsiteX0" fmla="*/ 2391664 w 3668014"/>
+              <a:gd name="connsiteY0" fmla="*/ 0 h 5167312"/>
+              <a:gd name="connsiteX1" fmla="*/ 3668014 w 3668014"/>
+              <a:gd name="connsiteY1" fmla="*/ 0 h 5167312"/>
+              <a:gd name="connsiteX2" fmla="*/ 3668014 w 3668014"/>
+              <a:gd name="connsiteY2" fmla="*/ 5167312 h 5167312"/>
+              <a:gd name="connsiteX3" fmla="*/ 0 w 3668014"/>
+              <a:gd name="connsiteY3" fmla="*/ 5167312 h 5167312"/>
+              <a:gd name="connsiteX4" fmla="*/ 2393879 w 3668014"/>
+              <a:gd name="connsiteY4" fmla="*/ 952 h 5167312"/>
+              <a:gd name="connsiteX5" fmla="*/ 2391664 w 3668014"/>
+              <a:gd name="connsiteY5" fmla="*/ 952 h 5167312"/>
+            </a:gdLst>
+            <a:ahLst/>
+            <a:cxnLst>
+              <a:cxn ang="0">
+                <a:pos x="connsiteX0" y="connsiteY0"/>
+              </a:cxn>
+              <a:cxn ang="0">
+                <a:pos x="connsiteX1" y="connsiteY1"/>
+              </a:cxn>
+              <a:cxn ang="0">
+                <a:pos x="connsiteX2" y="connsiteY2"/>
+              </a:cxn>
+              <a:cxn ang="0">
+                <a:pos x="connsiteX3" y="connsiteY3"/>
+              </a:cxn>
+              <a:cxn ang="0">
+                <a:pos x="connsiteX4" y="connsiteY4"/>
+              </a:cxn>
+              <a:cxn ang="0">
+                <a:pos x="connsiteX5" y="connsiteY5"/>
+              </a:cxn>
+            </a:cxnLst>
+            <a:rect l="l" t="t" r="r" b="b"/>
+            <a:pathLst>
+              <a:path w="3668014" h="5167312">
+                <a:moveTo>
+                  <a:pt x="2391664" y="0"/>
+                </a:moveTo>
+                <a:lnTo>
+                  <a:pt x="3668014" y="0"/>
+                </a:lnTo>
+                <a:lnTo>
+                  <a:pt x="3668014" y="5167312"/>
+                </a:lnTo>
+                <a:lnTo>
+                  <a:pt x="0" y="5167312"/>
+                </a:lnTo>
+                <a:lnTo>
+                  <a:pt x="2393879" y="952"/>
+                </a:lnTo>
+                <a:lnTo>
+                  <a:pt x="2391664" y="952"/>
+                </a:lnTo>
+                <a:close/>
+              </a:path>
+            </a:pathLst>
+          </a:custGeom>
+          <a:solidFill>
+            <a:srgbClr val="A6A6A6">
+              <a:alpha val="49804"/>
+            </a:srgbClr>
+          </a:solidFill>
+          <a:ln>
+            <a:noFill/>
+          </a:ln>
+        </p:spPr>
+        <p:style>
+          <a:lnRef idx="2">
+            <a:schemeClr val="accent1">
+              <a:shade val="50000"/>
+            </a:schemeClr>
+          </a:lnRef>
+          <a:fillRef idx="1">
+            <a:schemeClr val="accent1"/>
+          </a:fillRef>
+          <a:effectRef idx="0">
+            <a:schemeClr val="accent1"/>
+          </a:effectRef>
+          <a:fontRef idx="minor">
+            <a:schemeClr val="lt1"/>
+          </a:fontRef>
+        </p:style>
+        <p:txBody>
+          <a:bodyPr wrap="square" rtlCol="0" anchor="ctr">
+            <a:noAutofit/>
+          </a:bodyPr>
+          <a:lstStyle/>
+          <a:p>
+            <a:pPr algn="ctr"/>
+            <a:endParaRPr lang="en-US"/>
+          </a:p>
+        </p:txBody>
+      </p:sp>
+      <p:sp>
+        <p:nvSpPr>
+          <p:cNvPr id="12" name="Freeform: Shape 11">
+            <a:extLst>
+              <a:ext uri="{FF2B5EF4-FFF2-40B4-BE49-F238E27FC236}">
+                <a16:creationId xmlns:a16="http://schemas.microsoft.com/office/drawing/2014/main" id="{B0AAF7C9-094E-400C-A428-F6C2262F6527}"/>
+              </a:ext>
+              <a:ext uri="{C183D7F6-B498-43B3-948B-1728B52AA6E4}">
+                <adec:decorative xmlns:adec="http://schemas.microsoft.com/office/drawing/2017/decorative" val="1"/>
+              </a:ext>
+            </a:extLst>
+          </p:cNvPr>
+          <p:cNvSpPr>
+            <a:spLocks noGrp="1" noRot="1" noChangeAspect="1" noMove="1" noResize="1" noEditPoints="1" noAdjustHandles="1" noChangeArrowheads="1" noChangeShapeType="1" noTextEdit="1"/>
+          </p:cNvSpPr>
+          <p:nvPr>
+            <p:extLst>
+              <p:ext uri="{386F3935-93C4-4BCD-93E2-E3B085C9AB24}">
+                <p16:designElem xmlns:p16="http://schemas.microsoft.com/office/powerpoint/2015/main" val="1"/>
+              </p:ext>
+            </p:extLst>
+          </p:nvPr>
+        </p:nvSpPr>
+        <p:spPr>
+          <a:xfrm>
+            <a:off x="0" y="1690688"/>
+            <a:ext cx="10753320" cy="5167312"/>
+          </a:xfrm>
+          <a:custGeom>
+            <a:avLst/>
+            <a:gdLst>
+              <a:gd name="connsiteX0" fmla="*/ 0 w 10753320"/>
+              <a:gd name="connsiteY0" fmla="*/ 0 h 5167312"/>
+              <a:gd name="connsiteX1" fmla="*/ 9680943 w 10753320"/>
+              <a:gd name="connsiteY1" fmla="*/ 0 h 5167312"/>
+              <a:gd name="connsiteX2" fmla="*/ 9680223 w 10753320"/>
+              <a:gd name="connsiteY2" fmla="*/ 952 h 5167312"/>
+              <a:gd name="connsiteX3" fmla="*/ 10753320 w 10753320"/>
+              <a:gd name="connsiteY3" fmla="*/ 952 h 5167312"/>
+              <a:gd name="connsiteX4" fmla="*/ 8359441 w 10753320"/>
+              <a:gd name="connsiteY4" fmla="*/ 5167312 h 5167312"/>
+              <a:gd name="connsiteX5" fmla="*/ 4821866 w 10753320"/>
+              <a:gd name="connsiteY5" fmla="*/ 5167312 h 5167312"/>
+              <a:gd name="connsiteX6" fmla="*/ 4821866 w 10753320"/>
+              <a:gd name="connsiteY6" fmla="*/ 5166360 h 5167312"/>
+              <a:gd name="connsiteX7" fmla="*/ 0 w 10753320"/>
+              <a:gd name="connsiteY7" fmla="*/ 5166360 h 5167312"/>
+            </a:gdLst>
+            <a:ahLst/>
+            <a:cxnLst>
+              <a:cxn ang="0">
+                <a:pos x="connsiteX0" y="connsiteY0"/>
+              </a:cxn>
+              <a:cxn ang="0">
+                <a:pos x="connsiteX1" y="connsiteY1"/>
+              </a:cxn>
+              <a:cxn ang="0">
+                <a:pos x="connsiteX2" y="connsiteY2"/>
+              </a:cxn>
+              <a:cxn ang="0">
+                <a:pos x="connsiteX3" y="connsiteY3"/>
+              </a:cxn>
+              <a:cxn ang="0">
+                <a:pos x="connsiteX4" y="connsiteY4"/>
+              </a:cxn>
+              <a:cxn ang="0">
+                <a:pos x="connsiteX5" y="connsiteY5"/>
+              </a:cxn>
+              <a:cxn ang="0">
+                <a:pos x="connsiteX6" y="connsiteY6"/>
+              </a:cxn>
+              <a:cxn ang="0">
+                <a:pos x="connsiteX7" y="connsiteY7"/>
+              </a:cxn>
+            </a:cxnLst>
+            <a:rect l="l" t="t" r="r" b="b"/>
+            <a:pathLst>
+              <a:path w="10753320" h="5167312">
+                <a:moveTo>
+                  <a:pt x="0" y="0"/>
+                </a:moveTo>
+                <a:lnTo>
+                  <a:pt x="9680943" y="0"/>
+                </a:lnTo>
+                <a:lnTo>
+                  <a:pt x="9680223" y="952"/>
+                </a:lnTo>
+                <a:lnTo>
+                  <a:pt x="10753320" y="952"/>
+                </a:lnTo>
+                <a:lnTo>
+                  <a:pt x="8359441" y="5167312"/>
+                </a:lnTo>
+                <a:lnTo>
+                  <a:pt x="4821866" y="5167312"/>
+                </a:lnTo>
+                <a:lnTo>
+                  <a:pt x="4821866" y="5166360"/>
+                </a:lnTo>
+                <a:lnTo>
+                  <a:pt x="0" y="5166360"/>
+                </a:lnTo>
+                <a:close/>
+              </a:path>
+            </a:pathLst>
+          </a:custGeom>
+          <a:solidFill>
+            <a:srgbClr val="303030"/>
+          </a:solidFill>
+          <a:ln>
+            <a:noFill/>
+          </a:ln>
+        </p:spPr>
+        <p:style>
+          <a:lnRef idx="2">
+            <a:schemeClr val="accent1">
+              <a:shade val="50000"/>
+            </a:schemeClr>
+          </a:lnRef>
+          <a:fillRef idx="1">
+            <a:schemeClr val="accent1"/>
+          </a:fillRef>
+          <a:effectRef idx="0">
+            <a:schemeClr val="accent1"/>
+          </a:effectRef>
+          <a:fontRef idx="minor">
+            <a:schemeClr val="lt1"/>
+          </a:fontRef>
+        </p:style>
+        <p:txBody>
+          <a:bodyPr wrap="square" rtlCol="0" anchor="ctr">
+            <a:noAutofit/>
+          </a:bodyPr>
+          <a:lstStyle/>
+          <a:p>
+            <a:pPr algn="ctr"/>
+            <a:endParaRPr lang="en-US"/>
+          </a:p>
+        </p:txBody>
+      </p:sp>
+      <p:sp>
+        <p:nvSpPr>
+          <p:cNvPr id="3" name="Pladsholder til indhold 2">
+            <a:extLst>
+              <a:ext uri="{FF2B5EF4-FFF2-40B4-BE49-F238E27FC236}">
+                <a16:creationId xmlns:a16="http://schemas.microsoft.com/office/drawing/2014/main" id="{2BBCA10B-E2EA-4BA6-8D5C-A7A6EE26449F}"/>
+              </a:ext>
+            </a:extLst>
+          </p:cNvPr>
+          <p:cNvSpPr>
+            <a:spLocks noGrp="1"/>
+          </p:cNvSpPr>
+          <p:nvPr>
+            <p:ph idx="1"/>
+          </p:nvPr>
+        </p:nvSpPr>
+        <p:spPr>
+          <a:xfrm>
+            <a:off x="841248" y="2174358"/>
+            <a:ext cx="7731642" cy="4045467"/>
+          </a:xfrm>
+        </p:spPr>
+        <p:txBody>
+          <a:bodyPr anchor="t">
+            <a:normAutofit/>
+          </a:bodyPr>
+          <a:lstStyle/>
+          <a:p>
+            <a:r>
+              <a:rPr lang="da-DK" sz="2400">
+                <a:solidFill>
+                  <a:schemeClr val="bg1"/>
+                </a:solidFill>
+              </a:rPr>
+              <a:t>Mono Kan bruges til at udvikle desktop apps cross platform</a:t>
+            </a:r>
+          </a:p>
+          <a:p>
+            <a:r>
+              <a:rPr lang="da-DK" sz="2400">
+                <a:solidFill>
+                  <a:schemeClr val="bg1"/>
+                </a:solidFill>
+              </a:rPr>
+              <a:t>Følger en MVC struktur, hvor Model og controller bliver brugt over alle platforme men, hvor view bliver konfigureret til hver platform</a:t>
+            </a:r>
+          </a:p>
+          <a:p>
+            <a:r>
+              <a:rPr lang="da-DK" sz="2400">
+                <a:solidFill>
+                  <a:schemeClr val="bg1"/>
+                </a:solidFill>
+              </a:rPr>
+              <a:t>Xamarin er en overbygning til mono, som giver mulighed for at bruge .Net til at bygge mobil applikationer til IOS og Android</a:t>
+            </a:r>
+          </a:p>
+          <a:p>
+            <a:r>
+              <a:rPr lang="da-DK" sz="2400">
+                <a:solidFill>
+                  <a:schemeClr val="bg1"/>
+                </a:solidFill>
+              </a:rPr>
+              <a:t>Xamarin bruger også en MVC struktur, udover Xamarin.Forms som bruger en MVVM struktur</a:t>
+            </a:r>
+            <a:endParaRPr lang="LID4096" sz="2400">
+              <a:solidFill>
+                <a:schemeClr val="bg1"/>
+              </a:solidFill>
+            </a:endParaRPr>
+          </a:p>
+        </p:txBody>
+      </p:sp>
+    </p:spTree>
+    <p:extLst>
+      <p:ext uri="{BB962C8B-B14F-4D97-AF65-F5344CB8AC3E}">
+        <p14:creationId xmlns:p14="http://schemas.microsoft.com/office/powerpoint/2010/main" val="2850189535"/>
+      </p:ext>
+    </p:extLst>
+  </p:cSld>
+  <p:clrMapOvr>
+    <a:masterClrMapping/>
+  </p:clrMapOvr>
+</p:sld>
+</file>
+
+<file path=ppt/slides/slide8.xml><?xml version="1.0" encoding="utf-8"?>
+<p:sld xmlns:a="http://schemas.openxmlformats.org/drawingml/2006/main" xmlns:r="http://schemas.openxmlformats.org/officeDocument/2006/relationships" xmlns:p="http://schemas.openxmlformats.org/presentationml/2006/main">
+  <p:cSld>
+    <p:bg>
+      <p:bgPr>
+        <a:solidFill>
+          <a:schemeClr val="bg1"/>
+        </a:solidFill>
+        <a:effectLst/>
+      </p:bgPr>
+    </p:bg>
+    <p:spTree>
+      <p:nvGrpSpPr>
+        <p:cNvPr id="1" name=""/>
+        <p:cNvGrpSpPr/>
+        <p:nvPr/>
+      </p:nvGrpSpPr>
+      <p:grpSpPr>
+        <a:xfrm>
+          <a:off x="0" y="0"/>
+          <a:ext cx="0" cy="0"/>
+          <a:chOff x="0" y="0"/>
+          <a:chExt cx="0" cy="0"/>
+        </a:xfrm>
+      </p:grpSpPr>
+      <p:sp>
+        <p:nvSpPr>
+          <p:cNvPr id="2" name="Title 1">
+            <a:extLst>
+              <a:ext uri="{FF2B5EF4-FFF2-40B4-BE49-F238E27FC236}">
+                <a16:creationId xmlns:a16="http://schemas.microsoft.com/office/drawing/2014/main" id="{02785576-5776-4695-ACBA-2610518CAAC1}"/>
+              </a:ext>
+            </a:extLst>
+          </p:cNvPr>
+          <p:cNvSpPr>
+            <a:spLocks noGrp="1"/>
+          </p:cNvSpPr>
+          <p:nvPr>
+            <p:ph type="title"/>
+          </p:nvPr>
+        </p:nvSpPr>
+        <p:spPr>
+          <a:xfrm>
+            <a:off x="1653363" y="365760"/>
+            <a:ext cx="9367203" cy="1188720"/>
+          </a:xfrm>
+        </p:spPr>
+        <p:txBody>
+          <a:bodyPr>
+            <a:normAutofit/>
+          </a:bodyPr>
+          <a:lstStyle/>
+          <a:p>
+            <a:r>
+              <a:rPr lang="da-DK" sz="4100"/>
+              <a:t>Windows RT komponent og implementering</a:t>
+            </a:r>
+          </a:p>
+        </p:txBody>
+      </p:sp>
+      <p:sp>
+        <p:nvSpPr>
+          <p:cNvPr id="8" name="Freeform: Shape 7">
+            <a:extLst>
+              <a:ext uri="{FF2B5EF4-FFF2-40B4-BE49-F238E27FC236}">
+                <a16:creationId xmlns:a16="http://schemas.microsoft.com/office/drawing/2014/main" id="{7CB4857B-ED7C-444D-9F04-2F885114A1C2}"/>
+              </a:ext>
+              <a:ext uri="{C183D7F6-B498-43B3-948B-1728B52AA6E4}">
+                <adec:decorative xmlns:adec="http://schemas.microsoft.com/office/drawing/2017/decorative" val="1"/>
+              </a:ext>
+            </a:extLst>
+          </p:cNvPr>
+          <p:cNvSpPr>
+            <a:spLocks noGrp="1" noRot="1" noChangeAspect="1" noMove="1" noResize="1" noEditPoints="1" noAdjustHandles="1" noChangeArrowheads="1" noChangeShapeType="1" noTextEdit="1"/>
+          </p:cNvSpPr>
+          <p:nvPr>
+            <p:extLst>
+              <p:ext uri="{386F3935-93C4-4BCD-93E2-E3B085C9AB24}">
+                <p16:designElem xmlns:p16="http://schemas.microsoft.com/office/powerpoint/2015/main" val="1"/>
+              </p:ext>
+            </p:extLst>
+          </p:nvPr>
+        </p:nvSpPr>
+        <p:spPr>
+          <a:xfrm>
+            <a:off x="1" y="0"/>
+            <a:ext cx="1764099" cy="1558212"/>
+          </a:xfrm>
+          <a:custGeom>
+            <a:avLst/>
+            <a:gdLst>
+              <a:gd name="connsiteX0" fmla="*/ 0 w 1764099"/>
+              <a:gd name="connsiteY0" fmla="*/ 0 h 1558212"/>
+              <a:gd name="connsiteX1" fmla="*/ 1764099 w 1764099"/>
+              <a:gd name="connsiteY1" fmla="*/ 0 h 1558212"/>
+              <a:gd name="connsiteX2" fmla="*/ 1042087 w 1764099"/>
+              <a:gd name="connsiteY2" fmla="*/ 1558212 h 1558212"/>
+              <a:gd name="connsiteX3" fmla="*/ 0 w 1764099"/>
+              <a:gd name="connsiteY3" fmla="*/ 1558212 h 1558212"/>
+            </a:gdLst>
+            <a:ahLst/>
+            <a:cxnLst>
+              <a:cxn ang="0">
+                <a:pos x="connsiteX0" y="connsiteY0"/>
+              </a:cxn>
+              <a:cxn ang="0">
+                <a:pos x="connsiteX1" y="connsiteY1"/>
+              </a:cxn>
+              <a:cxn ang="0">
+                <a:pos x="connsiteX2" y="connsiteY2"/>
+              </a:cxn>
+              <a:cxn ang="0">
+                <a:pos x="connsiteX3" y="connsiteY3"/>
+              </a:cxn>
+            </a:cxnLst>
+            <a:rect l="l" t="t" r="r" b="b"/>
+            <a:pathLst>
+              <a:path w="1764099" h="1558212">
+                <a:moveTo>
+                  <a:pt x="0" y="0"/>
+                </a:moveTo>
+                <a:lnTo>
+                  <a:pt x="1764099" y="0"/>
+                </a:lnTo>
+                <a:lnTo>
+                  <a:pt x="1042087" y="1558212"/>
+                </a:lnTo>
+                <a:lnTo>
+                  <a:pt x="0" y="1558212"/>
+                </a:lnTo>
+                <a:close/>
+              </a:path>
+            </a:pathLst>
+          </a:custGeom>
+          <a:solidFill>
+            <a:schemeClr val="accent4"/>
+          </a:solidFill>
+          <a:ln>
+            <a:noFill/>
+          </a:ln>
+        </p:spPr>
+        <p:style>
+          <a:lnRef idx="2">
+            <a:schemeClr val="accent1">
+              <a:shade val="50000"/>
+            </a:schemeClr>
+          </a:lnRef>
+          <a:fillRef idx="1">
+            <a:schemeClr val="accent1"/>
+          </a:fillRef>
+          <a:effectRef idx="0">
+            <a:schemeClr val="accent1"/>
+          </a:effectRef>
+          <a:fontRef idx="minor">
+            <a:schemeClr val="lt1"/>
+          </a:fontRef>
+        </p:style>
+        <p:txBody>
+          <a:bodyPr wrap="square" rtlCol="0" anchor="ctr">
+            <a:noAutofit/>
+          </a:bodyPr>
+          <a:lstStyle/>
+          <a:p>
+            <a:pPr algn="ctr"/>
+            <a:endParaRPr lang="en-US"/>
+          </a:p>
+        </p:txBody>
+      </p:sp>
+      <p:sp>
+        <p:nvSpPr>
+          <p:cNvPr id="10" name="Freeform: Shape 9">
+            <a:extLst>
+              <a:ext uri="{FF2B5EF4-FFF2-40B4-BE49-F238E27FC236}">
+                <a16:creationId xmlns:a16="http://schemas.microsoft.com/office/drawing/2014/main" id="{D18046FB-44EA-4FD8-A585-EA09A319B2D0}"/>
+              </a:ext>
+              <a:ext uri="{C183D7F6-B498-43B3-948B-1728B52AA6E4}">
+                <adec:decorative xmlns:adec="http://schemas.microsoft.com/office/drawing/2017/decorative" val="1"/>
+              </a:ext>
+            </a:extLst>
+          </p:cNvPr>
+          <p:cNvSpPr>
+            <a:spLocks noGrp="1" noRot="1" noChangeAspect="1" noMove="1" noResize="1" noEditPoints="1" noAdjustHandles="1" noChangeArrowheads="1" noChangeShapeType="1" noTextEdit="1"/>
+          </p:cNvSpPr>
+          <p:nvPr>
+            <p:extLst>
+              <p:ext uri="{386F3935-93C4-4BCD-93E2-E3B085C9AB24}">
+                <p16:designElem xmlns:p16="http://schemas.microsoft.com/office/powerpoint/2015/main" val="1"/>
+              </p:ext>
+            </p:extLst>
+          </p:nvPr>
+        </p:nvSpPr>
+        <p:spPr>
+          <a:xfrm>
+            <a:off x="1" y="1691640"/>
+            <a:ext cx="12191999" cy="5166360"/>
+          </a:xfrm>
+          <a:custGeom>
+            <a:avLst/>
+            <a:gdLst>
+              <a:gd name="connsiteX0" fmla="*/ 0 w 12191999"/>
+              <a:gd name="connsiteY0" fmla="*/ 0 h 5166360"/>
+              <a:gd name="connsiteX1" fmla="*/ 1822388 w 12191999"/>
+              <a:gd name="connsiteY1" fmla="*/ 0 h 5166360"/>
+              <a:gd name="connsiteX2" fmla="*/ 6468290 w 12191999"/>
+              <a:gd name="connsiteY2" fmla="*/ 0 h 5166360"/>
+              <a:gd name="connsiteX3" fmla="*/ 7796394 w 12191999"/>
+              <a:gd name="connsiteY3" fmla="*/ 0 h 5166360"/>
+              <a:gd name="connsiteX4" fmla="*/ 8376834 w 12191999"/>
+              <a:gd name="connsiteY4" fmla="*/ 0 h 5166360"/>
+              <a:gd name="connsiteX5" fmla="*/ 9704938 w 12191999"/>
+              <a:gd name="connsiteY5" fmla="*/ 0 h 5166360"/>
+              <a:gd name="connsiteX6" fmla="*/ 9704938 w 12191999"/>
+              <a:gd name="connsiteY6" fmla="*/ 2 h 5166360"/>
+              <a:gd name="connsiteX7" fmla="*/ 10283456 w 12191999"/>
+              <a:gd name="connsiteY7" fmla="*/ 2 h 5166360"/>
+              <a:gd name="connsiteX8" fmla="*/ 10863897 w 12191999"/>
+              <a:gd name="connsiteY8" fmla="*/ 2 h 5166360"/>
+              <a:gd name="connsiteX9" fmla="*/ 12191999 w 12191999"/>
+              <a:gd name="connsiteY9" fmla="*/ 2 h 5166360"/>
+              <a:gd name="connsiteX10" fmla="*/ 12191999 w 12191999"/>
+              <a:gd name="connsiteY10" fmla="*/ 5166360 h 5166360"/>
+              <a:gd name="connsiteX11" fmla="*/ 0 w 12191999"/>
+              <a:gd name="connsiteY11" fmla="*/ 5166360 h 5166360"/>
+              <a:gd name="connsiteX12" fmla="*/ 0 w 12191999"/>
+              <a:gd name="connsiteY12" fmla="*/ 2604436 h 5166360"/>
+              <a:gd name="connsiteX13" fmla="*/ 862341 w 12191999"/>
+              <a:gd name="connsiteY13" fmla="*/ 743371 h 5166360"/>
+              <a:gd name="connsiteX14" fmla="*/ 0 w 12191999"/>
+              <a:gd name="connsiteY14" fmla="*/ 743371 h 5166360"/>
+              <a:gd name="connsiteX15" fmla="*/ 0 w 12191999"/>
+              <a:gd name="connsiteY15" fmla="*/ 742508 h 5166360"/>
+              <a:gd name="connsiteX16" fmla="*/ 92826 w 12191999"/>
+              <a:gd name="connsiteY16" fmla="*/ 742508 h 5166360"/>
+              <a:gd name="connsiteX17" fmla="*/ 406486 w 12191999"/>
+              <a:gd name="connsiteY17" fmla="*/ 742508 h 5166360"/>
+              <a:gd name="connsiteX18" fmla="*/ 406486 w 12191999"/>
+              <a:gd name="connsiteY18" fmla="*/ 742507 h 5166360"/>
+              <a:gd name="connsiteX19" fmla="*/ 862741 w 12191999"/>
+              <a:gd name="connsiteY19" fmla="*/ 742507 h 5166360"/>
+              <a:gd name="connsiteX20" fmla="*/ 1206388 w 12191999"/>
+              <a:gd name="connsiteY20" fmla="*/ 864 h 5166360"/>
+              <a:gd name="connsiteX21" fmla="*/ 748500 w 12191999"/>
+              <a:gd name="connsiteY21" fmla="*/ 864 h 5166360"/>
+              <a:gd name="connsiteX22" fmla="*/ 0 w 12191999"/>
+              <a:gd name="connsiteY22" fmla="*/ 864 h 5166360"/>
+            </a:gdLst>
+            <a:ahLst/>
+            <a:cxnLst>
+              <a:cxn ang="0">
+                <a:pos x="connsiteX0" y="connsiteY0"/>
+              </a:cxn>
+              <a:cxn ang="0">
+                <a:pos x="connsiteX1" y="connsiteY1"/>
+              </a:cxn>
+              <a:cxn ang="0">
+                <a:pos x="connsiteX2" y="connsiteY2"/>
+              </a:cxn>
+              <a:cxn ang="0">
+                <a:pos x="connsiteX3" y="connsiteY3"/>
+              </a:cxn>
+              <a:cxn ang="0">
+                <a:pos x="connsiteX4" y="connsiteY4"/>
+              </a:cxn>
+              <a:cxn ang="0">
+                <a:pos x="connsiteX5" y="connsiteY5"/>
+              </a:cxn>
+              <a:cxn ang="0">
+                <a:pos x="connsiteX6" y="connsiteY6"/>
+              </a:cxn>
+              <a:cxn ang="0">
+                <a:pos x="connsiteX7" y="connsiteY7"/>
+              </a:cxn>
+              <a:cxn ang="0">
+                <a:pos x="connsiteX8" y="connsiteY8"/>
+              </a:cxn>
+              <a:cxn ang="0">
+                <a:pos x="connsiteX9" y="connsiteY9"/>
+              </a:cxn>
+              <a:cxn ang="0">
+                <a:pos x="connsiteX10" y="connsiteY10"/>
+              </a:cxn>
+              <a:cxn ang="0">
+                <a:pos x="connsiteX11" y="connsiteY11"/>
+              </a:cxn>
+              <a:cxn ang="0">
+                <a:pos x="connsiteX12" y="connsiteY12"/>
+              </a:cxn>
+              <a:cxn ang="0">
+                <a:pos x="connsiteX13" y="connsiteY13"/>
+              </a:cxn>
+              <a:cxn ang="0">
+                <a:pos x="connsiteX14" y="connsiteY14"/>
+              </a:cxn>
+              <a:cxn ang="0">
+                <a:pos x="connsiteX15" y="connsiteY15"/>
+              </a:cxn>
+              <a:cxn ang="0">
+                <a:pos x="connsiteX16" y="connsiteY16"/>
+              </a:cxn>
+              <a:cxn ang="0">
+                <a:pos x="connsiteX17" y="connsiteY17"/>
+              </a:cxn>
+              <a:cxn ang="0">
+                <a:pos x="connsiteX18" y="connsiteY18"/>
+              </a:cxn>
+              <a:cxn ang="0">
+                <a:pos x="connsiteX19" y="connsiteY19"/>
+              </a:cxn>
+              <a:cxn ang="0">
+                <a:pos x="connsiteX20" y="connsiteY20"/>
+              </a:cxn>
+              <a:cxn ang="0">
+                <a:pos x="connsiteX21" y="connsiteY21"/>
+              </a:cxn>
+              <a:cxn ang="0">
+                <a:pos x="connsiteX22" y="connsiteY22"/>
+              </a:cxn>
+            </a:cxnLst>
+            <a:rect l="l" t="t" r="r" b="b"/>
+            <a:pathLst>
+              <a:path w="12191999" h="5166360">
+                <a:moveTo>
+                  <a:pt x="0" y="0"/>
+                </a:moveTo>
+                <a:lnTo>
+                  <a:pt x="1822388" y="0"/>
+                </a:lnTo>
+                <a:lnTo>
+                  <a:pt x="6468290" y="0"/>
+                </a:lnTo>
+                <a:lnTo>
+                  <a:pt x="7796394" y="0"/>
+                </a:lnTo>
+                <a:lnTo>
+                  <a:pt x="8376834" y="0"/>
+                </a:lnTo>
+                <a:lnTo>
+                  <a:pt x="9704938" y="0"/>
+                </a:lnTo>
+                <a:lnTo>
+                  <a:pt x="9704938" y="2"/>
+                </a:lnTo>
+                <a:lnTo>
+                  <a:pt x="10283456" y="2"/>
+                </a:lnTo>
+                <a:lnTo>
+                  <a:pt x="10863897" y="2"/>
+                </a:lnTo>
+                <a:lnTo>
+                  <a:pt x="12191999" y="2"/>
+                </a:lnTo>
+                <a:lnTo>
+                  <a:pt x="12191999" y="5166360"/>
+                </a:lnTo>
+                <a:lnTo>
+                  <a:pt x="0" y="5166360"/>
+                </a:lnTo>
+                <a:lnTo>
+                  <a:pt x="0" y="2604436"/>
+                </a:lnTo>
+                <a:lnTo>
+                  <a:pt x="862341" y="743371"/>
+                </a:lnTo>
+                <a:lnTo>
+                  <a:pt x="0" y="743371"/>
+                </a:lnTo>
+                <a:lnTo>
+                  <a:pt x="0" y="742508"/>
+                </a:lnTo>
+                <a:lnTo>
+                  <a:pt x="92826" y="742508"/>
+                </a:lnTo>
+                <a:lnTo>
+                  <a:pt x="406486" y="742508"/>
+                </a:lnTo>
+                <a:lnTo>
+                  <a:pt x="406486" y="742507"/>
+                </a:lnTo>
+                <a:lnTo>
+                  <a:pt x="862741" y="742507"/>
+                </a:lnTo>
+                <a:lnTo>
+                  <a:pt x="1206388" y="864"/>
+                </a:lnTo>
+                <a:lnTo>
+                  <a:pt x="748500" y="864"/>
+                </a:lnTo>
+                <a:lnTo>
+                  <a:pt x="0" y="864"/>
+                </a:lnTo>
+                <a:close/>
+              </a:path>
+            </a:pathLst>
+          </a:custGeom>
+          <a:solidFill>
+            <a:srgbClr val="A6A6A6">
+              <a:alpha val="49804"/>
+            </a:srgbClr>
+          </a:solidFill>
+          <a:ln>
+            <a:noFill/>
+          </a:ln>
+        </p:spPr>
+        <p:style>
+          <a:lnRef idx="2">
+            <a:schemeClr val="accent1">
+              <a:shade val="50000"/>
+            </a:schemeClr>
+          </a:lnRef>
+          <a:fillRef idx="1">
+            <a:schemeClr val="accent1"/>
+          </a:fillRef>
+          <a:effectRef idx="0">
+            <a:schemeClr val="accent1"/>
+          </a:effectRef>
+          <a:fontRef idx="minor">
+            <a:schemeClr val="lt1"/>
+          </a:fontRef>
+        </p:style>
+        <p:txBody>
+          <a:bodyPr wrap="square" rtlCol="0" anchor="ctr">
+            <a:noAutofit/>
+          </a:bodyPr>
+          <a:lstStyle/>
+          <a:p>
+            <a:pPr algn="ctr"/>
+            <a:endParaRPr lang="en-US"/>
+          </a:p>
+        </p:txBody>
+      </p:sp>
+      <p:sp>
+        <p:nvSpPr>
+          <p:cNvPr id="12" name="Freeform: Shape 11">
+            <a:extLst>
+              <a:ext uri="{FF2B5EF4-FFF2-40B4-BE49-F238E27FC236}">
+                <a16:creationId xmlns:a16="http://schemas.microsoft.com/office/drawing/2014/main" id="{479F5F2B-8B58-4140-AE6A-51F6C67B18D9}"/>
+              </a:ext>
+              <a:ext uri="{C183D7F6-B498-43B3-948B-1728B52AA6E4}">
+                <adec:decorative xmlns:adec="http://schemas.microsoft.com/office/drawing/2017/decorative" val="1"/>
+              </a:ext>
+            </a:extLst>
+          </p:cNvPr>
+          <p:cNvSpPr>
+            <a:spLocks noGrp="1" noRot="1" noChangeAspect="1" noMove="1" noResize="1" noEditPoints="1" noAdjustHandles="1" noChangeArrowheads="1" noChangeShapeType="1" noTextEdit="1"/>
+          </p:cNvSpPr>
+          <p:nvPr>
+            <p:extLst>
+              <p:ext uri="{386F3935-93C4-4BCD-93E2-E3B085C9AB24}">
+                <p16:designElem xmlns:p16="http://schemas.microsoft.com/office/powerpoint/2015/main" val="1"/>
+              </p:ext>
+            </p:extLst>
+          </p:nvPr>
+        </p:nvSpPr>
+        <p:spPr>
+          <a:xfrm>
+            <a:off x="0" y="1691641"/>
+            <a:ext cx="971654" cy="2096979"/>
+          </a:xfrm>
+          <a:custGeom>
+            <a:avLst/>
+            <a:gdLst>
+              <a:gd name="connsiteX0" fmla="*/ 0 w 971654"/>
+              <a:gd name="connsiteY0" fmla="*/ 0 h 2096979"/>
+              <a:gd name="connsiteX1" fmla="*/ 971654 w 971654"/>
+              <a:gd name="connsiteY1" fmla="*/ 0 h 2096979"/>
+              <a:gd name="connsiteX2" fmla="*/ 0 w 971654"/>
+              <a:gd name="connsiteY2" fmla="*/ 2096979 h 2096979"/>
+            </a:gdLst>
+            <a:ahLst/>
+            <a:cxnLst>
+              <a:cxn ang="0">
+                <a:pos x="connsiteX0" y="connsiteY0"/>
+              </a:cxn>
+              <a:cxn ang="0">
+                <a:pos x="connsiteX1" y="connsiteY1"/>
+              </a:cxn>
+              <a:cxn ang="0">
+                <a:pos x="connsiteX2" y="connsiteY2"/>
+              </a:cxn>
+            </a:cxnLst>
+            <a:rect l="l" t="t" r="r" b="b"/>
+            <a:pathLst>
+              <a:path w="971654" h="2096979">
+                <a:moveTo>
+                  <a:pt x="0" y="0"/>
+                </a:moveTo>
+                <a:lnTo>
+                  <a:pt x="971654" y="0"/>
+                </a:lnTo>
+                <a:lnTo>
+                  <a:pt x="0" y="2096979"/>
+                </a:lnTo>
+                <a:close/>
+              </a:path>
+            </a:pathLst>
+          </a:custGeom>
+          <a:solidFill>
+            <a:srgbClr val="404040"/>
+          </a:solidFill>
+          <a:ln>
+            <a:noFill/>
+          </a:ln>
+        </p:spPr>
+        <p:style>
+          <a:lnRef idx="2">
+            <a:schemeClr val="accent1">
+              <a:shade val="50000"/>
+            </a:schemeClr>
+          </a:lnRef>
+          <a:fillRef idx="1">
+            <a:schemeClr val="accent1"/>
+          </a:fillRef>
+          <a:effectRef idx="0">
+            <a:schemeClr val="accent1"/>
+          </a:effectRef>
+          <a:fontRef idx="minor">
+            <a:schemeClr val="lt1"/>
+          </a:fontRef>
+        </p:style>
+        <p:txBody>
+          <a:bodyPr wrap="square" rtlCol="0" anchor="ctr">
+            <a:noAutofit/>
+          </a:bodyPr>
+          <a:lstStyle/>
+          <a:p>
+            <a:pPr algn="ctr"/>
+            <a:endParaRPr lang="en-US"/>
+          </a:p>
+        </p:txBody>
+      </p:sp>
+      <p:sp>
+        <p:nvSpPr>
+          <p:cNvPr id="3" name="Content Placeholder 2">
+            <a:extLst>
+              <a:ext uri="{FF2B5EF4-FFF2-40B4-BE49-F238E27FC236}">
+                <a16:creationId xmlns:a16="http://schemas.microsoft.com/office/drawing/2014/main" id="{83666854-B2E0-4B68-A6A7-90F29EC92DC3}"/>
+              </a:ext>
+            </a:extLst>
+          </p:cNvPr>
+          <p:cNvSpPr>
+            <a:spLocks noGrp="1"/>
+          </p:cNvSpPr>
+          <p:nvPr>
+            <p:ph idx="1"/>
+          </p:nvPr>
+        </p:nvSpPr>
+        <p:spPr>
+          <a:xfrm>
+            <a:off x="1653363" y="2176271"/>
+            <a:ext cx="9367204" cy="4216139"/>
+          </a:xfrm>
+        </p:spPr>
+        <p:txBody>
+          <a:bodyPr anchor="t">
+            <a:normAutofit fontScale="62500" lnSpcReduction="20000"/>
+          </a:bodyPr>
+          <a:lstStyle/>
+          <a:p>
+            <a:r>
+              <a:rPr lang="da-DK" sz="2400" dirty="0"/>
+              <a:t>Windows RT står for Windows Runtime </a:t>
+            </a:r>
+          </a:p>
+          <a:p>
+            <a:r>
+              <a:rPr lang="da-DK" sz="2400" dirty="0"/>
+              <a:t>Et RT komponent er et komponent der kan køre med ALLE Windows Runtime Language</a:t>
+            </a:r>
+          </a:p>
+          <a:p>
+            <a:r>
+              <a:rPr lang="da-DK" sz="2400" dirty="0"/>
+              <a:t>Det betyder at du kan skrive </a:t>
+            </a:r>
+            <a:r>
+              <a:rPr lang="da-DK" sz="2400" dirty="0" err="1"/>
+              <a:t>komponentet</a:t>
+            </a:r>
+            <a:r>
+              <a:rPr lang="da-DK" sz="2400" dirty="0"/>
+              <a:t> i C++ og bruge det i Visual Basic</a:t>
+            </a:r>
+          </a:p>
+          <a:p>
+            <a:r>
+              <a:rPr lang="da-DK" sz="2400" dirty="0"/>
+              <a:t>Det bruges i UWP og </a:t>
+            </a:r>
+            <a:r>
+              <a:rPr lang="da-DK" sz="2400" dirty="0" err="1"/>
+              <a:t>windows</a:t>
+            </a:r>
+            <a:r>
+              <a:rPr lang="da-DK" sz="2400" dirty="0"/>
+              <a:t> store apps</a:t>
+            </a:r>
+          </a:p>
+          <a:p>
+            <a:r>
+              <a:rPr lang="da-DK" sz="2400" dirty="0" err="1"/>
+              <a:t>Hovedesagelige</a:t>
+            </a:r>
+            <a:r>
+              <a:rPr lang="da-DK" sz="2400" dirty="0"/>
+              <a:t> idé med </a:t>
+            </a:r>
+            <a:r>
+              <a:rPr lang="da-DK" sz="2400" dirty="0" err="1"/>
+              <a:t>windows</a:t>
+            </a:r>
+            <a:r>
+              <a:rPr lang="da-DK" sz="2400" dirty="0"/>
+              <a:t> RT var at det kunne køre i en </a:t>
+            </a:r>
+            <a:r>
+              <a:rPr lang="da-DK" sz="2400" dirty="0" err="1"/>
+              <a:t>sandbox</a:t>
+            </a:r>
+            <a:r>
+              <a:rPr lang="da-DK" sz="2400" dirty="0"/>
+              <a:t>, som skulle hjælpe med at holde brugeren sikker. </a:t>
+            </a:r>
+          </a:p>
+          <a:p>
+            <a:r>
+              <a:rPr lang="da-DK" sz="2400" dirty="0"/>
+              <a:t>Grunden til dette er fordi Microsoft havde en idé om at de gerne vil ind på mobil markedet, men </a:t>
+            </a:r>
+            <a:r>
+              <a:rPr lang="da-DK" sz="2400" dirty="0" err="1"/>
+              <a:t>windows</a:t>
+            </a:r>
+            <a:r>
+              <a:rPr lang="da-DK" sz="2400" dirty="0"/>
+              <a:t> i sig selv er ikke så stabilt.</a:t>
+            </a:r>
+          </a:p>
+          <a:p>
+            <a:r>
+              <a:rPr lang="da-DK" sz="2400" dirty="0" err="1"/>
+              <a:t>Exposer</a:t>
+            </a:r>
+            <a:r>
+              <a:rPr lang="da-DK" sz="2400" dirty="0"/>
+              <a:t> kun </a:t>
+            </a:r>
+            <a:r>
+              <a:rPr lang="da-DK" sz="2400" dirty="0" err="1"/>
+              <a:t>safe</a:t>
+            </a:r>
+            <a:r>
+              <a:rPr lang="da-DK" sz="2400" dirty="0"/>
+              <a:t> </a:t>
+            </a:r>
+            <a:r>
+              <a:rPr lang="da-DK" sz="2400" dirty="0" err="1"/>
+              <a:t>API’s</a:t>
+            </a:r>
+            <a:r>
+              <a:rPr lang="da-DK" sz="2400" dirty="0"/>
+              <a:t> </a:t>
+            </a:r>
+          </a:p>
+          <a:p>
+            <a:r>
+              <a:rPr lang="da-DK" sz="2400" dirty="0"/>
+              <a:t>Windows RT er et .NET-core </a:t>
+            </a:r>
+            <a:r>
+              <a:rPr lang="da-DK" sz="2400" dirty="0" err="1"/>
+              <a:t>subset</a:t>
+            </a:r>
+            <a:r>
+              <a:rPr lang="da-DK" sz="2400" dirty="0"/>
+              <a:t> for </a:t>
+            </a:r>
+            <a:r>
+              <a:rPr lang="da-DK" sz="2400" dirty="0" err="1"/>
+              <a:t>windows</a:t>
+            </a:r>
+            <a:r>
+              <a:rPr lang="da-DK" sz="2400" dirty="0"/>
+              <a:t> store apps</a:t>
+            </a:r>
+          </a:p>
+          <a:p>
+            <a:r>
+              <a:rPr lang="da-DK" sz="2400" dirty="0"/>
+              <a:t>For at beskytte så meget som muligt, er det ikke muligt at lave operationer nede på </a:t>
+            </a:r>
+            <a:r>
+              <a:rPr lang="da-DK" sz="2400" dirty="0" err="1"/>
+              <a:t>kernel</a:t>
+            </a:r>
+            <a:r>
+              <a:rPr lang="da-DK" sz="2400" dirty="0"/>
+              <a:t> </a:t>
+            </a:r>
+            <a:r>
+              <a:rPr lang="da-DK" sz="2400" dirty="0" err="1"/>
+              <a:t>space</a:t>
+            </a:r>
+            <a:r>
+              <a:rPr lang="da-DK" sz="2400" dirty="0"/>
+              <a:t> på nær hvis der laves en driver</a:t>
+            </a:r>
+          </a:p>
+          <a:p>
+            <a:r>
+              <a:rPr lang="da-DK" sz="2400" dirty="0"/>
+              <a:t>Af denne grund er det kun en håndfuld veldefineret drivere der må bruges.(Webcam, Mic, </a:t>
+            </a:r>
+            <a:r>
+              <a:rPr lang="da-DK" sz="2400" dirty="0" err="1"/>
+              <a:t>networkAdapter</a:t>
+            </a:r>
+            <a:r>
+              <a:rPr lang="da-DK" sz="2400" dirty="0"/>
+              <a:t>)</a:t>
+            </a:r>
+          </a:p>
+          <a:p>
+            <a:r>
+              <a:rPr lang="da-DK" sz="2400" dirty="0"/>
+              <a:t>Generelt fokusere Windows RT på den hardware nære egenskaber. Ting abstraheres væk fra hardware.</a:t>
+            </a:r>
+          </a:p>
+          <a:p>
+            <a:r>
+              <a:rPr lang="da-DK" sz="2400" dirty="0"/>
+              <a:t>.</a:t>
+            </a:r>
+            <a:r>
+              <a:rPr lang="da-DK" sz="2400" dirty="0" err="1"/>
+              <a:t>winmd</a:t>
+            </a:r>
+            <a:r>
+              <a:rPr lang="da-DK" sz="2400" dirty="0"/>
+              <a:t> er </a:t>
+            </a:r>
+            <a:r>
+              <a:rPr lang="da-DK" sz="2400" dirty="0" err="1"/>
+              <a:t>extension</a:t>
+            </a:r>
+            <a:r>
+              <a:rPr lang="da-DK" sz="2400" dirty="0"/>
+              <a:t> til Windows RT </a:t>
+            </a:r>
+            <a:r>
+              <a:rPr lang="da-DK" sz="2400" dirty="0" err="1"/>
+              <a:t>componenter</a:t>
+            </a:r>
+            <a:endParaRPr lang="da-DK" sz="2400" dirty="0"/>
+          </a:p>
+          <a:p>
+            <a:endParaRPr lang="da-DK" sz="2400" dirty="0"/>
           </a:p>
         </p:txBody>
       </p:sp>
@@ -8106,52 +10238,10 @@
       </p:grpSpPr>
       <p:sp>
         <p:nvSpPr>
-          <p:cNvPr id="2" name="Title 1">
-            <a:extLst>
-              <a:ext uri="{FF2B5EF4-FFF2-40B4-BE49-F238E27FC236}">
-                <a16:creationId xmlns:a16="http://schemas.microsoft.com/office/drawing/2014/main" id="{10D87221-CE9C-4059-957B-B05DA25293E6}"/>
-              </a:ext>
-            </a:extLst>
-          </p:cNvPr>
-          <p:cNvSpPr>
-            <a:spLocks noGrp="1"/>
-          </p:cNvSpPr>
-          <p:nvPr>
-            <p:ph type="title"/>
-          </p:nvPr>
-        </p:nvSpPr>
-        <p:spPr>
-          <a:xfrm>
-            <a:off x="1524000" y="2245809"/>
-            <a:ext cx="9144000" cy="1564716"/>
-          </a:xfrm>
-        </p:spPr>
-        <p:txBody>
-          <a:bodyPr vert="horz" lIns="91440" tIns="45720" rIns="91440" bIns="45720" rtlCol="0" anchor="b">
-            <a:normAutofit/>
-          </a:bodyPr>
-          <a:lstStyle/>
-          <a:p>
-            <a:r>
-              <a:rPr lang="en-US" sz="4800" kern="1200">
-                <a:solidFill>
-                  <a:schemeClr val="tx1"/>
-                </a:solidFill>
-                <a:latin typeface="+mj-lt"/>
-                <a:ea typeface="+mj-ea"/>
-                <a:cs typeface="+mj-cs"/>
-              </a:rPr>
-              <a:t>Demo</a:t>
-            </a:r>
-          </a:p>
-        </p:txBody>
-      </p:sp>
-      <p:sp>
-        <p:nvSpPr>
-          <p:cNvPr id="8" name="Freeform 14">
-            <a:extLst>
-              <a:ext uri="{FF2B5EF4-FFF2-40B4-BE49-F238E27FC236}">
-                <a16:creationId xmlns:a16="http://schemas.microsoft.com/office/drawing/2014/main" id="{C66F2F30-5DC0-44A0-BFA6-E12F46ED16DA}"/>
+          <p:cNvPr id="11" name="Freeform: Shape 10">
+            <a:extLst>
+              <a:ext uri="{FF2B5EF4-FFF2-40B4-BE49-F238E27FC236}">
+                <a16:creationId xmlns:a16="http://schemas.microsoft.com/office/drawing/2014/main" id="{F60FCA6E-0894-46CD-BD49-5955A51E0084}"/>
               </a:ext>
               <a:ext uri="{C183D7F6-B498-43B3-948B-1728B52AA6E4}">
                 <adec:decorative xmlns:adec="http://schemas.microsoft.com/office/drawing/2017/decorative" val="1"/>
@@ -8171,24 +10261,32 @@
         </p:nvSpPr>
         <p:spPr>
           <a:xfrm>
-            <a:off x="0" y="1"/>
-            <a:ext cx="5920619" cy="2130951"/>
+            <a:off x="6831955" y="5346696"/>
+            <a:ext cx="5360045" cy="1511304"/>
           </a:xfrm>
           <a:custGeom>
             <a:avLst/>
             <a:gdLst>
-              <a:gd name="connsiteX0" fmla="*/ 0 w 5920619"/>
-              <a:gd name="connsiteY0" fmla="*/ 0 h 2130951"/>
-              <a:gd name="connsiteX1" fmla="*/ 3191370 w 5920619"/>
-              <a:gd name="connsiteY1" fmla="*/ 0 h 2130951"/>
-              <a:gd name="connsiteX2" fmla="*/ 3346315 w 5920619"/>
-              <a:gd name="connsiteY2" fmla="*/ 0 h 2130951"/>
-              <a:gd name="connsiteX3" fmla="*/ 5920619 w 5920619"/>
-              <a:gd name="connsiteY3" fmla="*/ 0 h 2130951"/>
-              <a:gd name="connsiteX4" fmla="*/ 4936971 w 5920619"/>
-              <a:gd name="connsiteY4" fmla="*/ 2130951 h 2130951"/>
-              <a:gd name="connsiteX5" fmla="*/ 0 w 5920619"/>
-              <a:gd name="connsiteY5" fmla="*/ 2130951 h 2130951"/>
+              <a:gd name="connsiteX0" fmla="*/ 4545473 w 5360045"/>
+              <a:gd name="connsiteY0" fmla="*/ 0 h 1511304"/>
+              <a:gd name="connsiteX1" fmla="*/ 5360045 w 5360045"/>
+              <a:gd name="connsiteY1" fmla="*/ 0 h 1511304"/>
+              <a:gd name="connsiteX2" fmla="*/ 5360045 w 5360045"/>
+              <a:gd name="connsiteY2" fmla="*/ 1046730 h 1511304"/>
+              <a:gd name="connsiteX3" fmla="*/ 5360045 w 5360045"/>
+              <a:gd name="connsiteY3" fmla="*/ 1508760 h 1511304"/>
+              <a:gd name="connsiteX4" fmla="*/ 5360045 w 5360045"/>
+              <a:gd name="connsiteY4" fmla="*/ 1511304 h 1511304"/>
+              <a:gd name="connsiteX5" fmla="*/ 4545474 w 5360045"/>
+              <a:gd name="connsiteY5" fmla="*/ 1511304 h 1511304"/>
+              <a:gd name="connsiteX6" fmla="*/ 2525897 w 5360045"/>
+              <a:gd name="connsiteY6" fmla="*/ 1511304 h 1511304"/>
+              <a:gd name="connsiteX7" fmla="*/ 0 w 5360045"/>
+              <a:gd name="connsiteY7" fmla="*/ 1511304 h 1511304"/>
+              <a:gd name="connsiteX8" fmla="*/ 697617 w 5360045"/>
+              <a:gd name="connsiteY8" fmla="*/ 3 h 1511304"/>
+              <a:gd name="connsiteX9" fmla="*/ 4545473 w 5360045"/>
+              <a:gd name="connsiteY9" fmla="*/ 3 h 1511304"/>
             </a:gdLst>
             <a:ahLst/>
             <a:cxnLst>
@@ -8210,191 +10308,59 @@
               <a:cxn ang="0">
                 <a:pos x="connsiteX5" y="connsiteY5"/>
               </a:cxn>
+              <a:cxn ang="0">
+                <a:pos x="connsiteX6" y="connsiteY6"/>
+              </a:cxn>
+              <a:cxn ang="0">
+                <a:pos x="connsiteX7" y="connsiteY7"/>
+              </a:cxn>
+              <a:cxn ang="0">
+                <a:pos x="connsiteX8" y="connsiteY8"/>
+              </a:cxn>
+              <a:cxn ang="0">
+                <a:pos x="connsiteX9" y="connsiteY9"/>
+              </a:cxn>
             </a:cxnLst>
             <a:rect l="l" t="t" r="r" b="b"/>
             <a:pathLst>
-              <a:path w="5920619" h="2130951">
+              <a:path w="5360045" h="1511304">
                 <a:moveTo>
-                  <a:pt x="0" y="0"/>
+                  <a:pt x="4545473" y="0"/>
                 </a:moveTo>
                 <a:lnTo>
-                  <a:pt x="3191370" y="0"/>
-                </a:lnTo>
-                <a:lnTo>
-                  <a:pt x="3346315" y="0"/>
-                </a:lnTo>
-                <a:lnTo>
-                  <a:pt x="5920619" y="0"/>
-                </a:lnTo>
-                <a:lnTo>
-                  <a:pt x="4936971" y="2130951"/>
-                </a:lnTo>
-                <a:lnTo>
-                  <a:pt x="0" y="2130951"/>
+                  <a:pt x="5360045" y="0"/>
+                </a:lnTo>
+                <a:lnTo>
+                  <a:pt x="5360045" y="1046730"/>
+                </a:lnTo>
+                <a:lnTo>
+                  <a:pt x="5360045" y="1508760"/>
+                </a:lnTo>
+                <a:lnTo>
+                  <a:pt x="5360045" y="1511304"/>
+                </a:lnTo>
+                <a:lnTo>
+                  <a:pt x="4545474" y="1511304"/>
+                </a:lnTo>
+                <a:lnTo>
+                  <a:pt x="2525897" y="1511304"/>
+                </a:lnTo>
+                <a:lnTo>
+                  <a:pt x="0" y="1511304"/>
+                </a:lnTo>
+                <a:lnTo>
+                  <a:pt x="697617" y="3"/>
+                </a:lnTo>
+                <a:lnTo>
+                  <a:pt x="4545473" y="3"/>
                 </a:lnTo>
                 <a:close/>
               </a:path>
             </a:pathLst>
           </a:custGeom>
           <a:solidFill>
-            <a:srgbClr val="595959"/>
-          </a:solidFill>
-          <a:ln>
-            <a:noFill/>
-          </a:ln>
-        </p:spPr>
-        <p:style>
-          <a:lnRef idx="2">
-            <a:schemeClr val="accent1">
-              <a:shade val="50000"/>
-            </a:schemeClr>
-          </a:lnRef>
-          <a:fillRef idx="1">
-            <a:schemeClr val="accent1"/>
-          </a:fillRef>
-          <a:effectRef idx="0">
-            <a:schemeClr val="accent1"/>
-          </a:effectRef>
-          <a:fontRef idx="minor">
-            <a:schemeClr val="lt1"/>
-          </a:fontRef>
-        </p:style>
-        <p:txBody>
-          <a:bodyPr wrap="square" rtlCol="0" anchor="ctr">
-            <a:noAutofit/>
-          </a:bodyPr>
-          <a:lstStyle/>
-          <a:p>
-            <a:pPr algn="ctr"/>
-            <a:endParaRPr lang="en-US"/>
-          </a:p>
-        </p:txBody>
-      </p:sp>
-      <p:sp>
-        <p:nvSpPr>
-          <p:cNvPr id="10" name="Freeform 21">
-            <a:extLst>
-              <a:ext uri="{FF2B5EF4-FFF2-40B4-BE49-F238E27FC236}">
-                <a16:creationId xmlns:a16="http://schemas.microsoft.com/office/drawing/2014/main" id="{85872F57-7F42-4F97-8391-DDC8D0054C03}"/>
-              </a:ext>
-              <a:ext uri="{C183D7F6-B498-43B3-948B-1728B52AA6E4}">
-                <adec:decorative xmlns:adec="http://schemas.microsoft.com/office/drawing/2017/decorative" val="1"/>
-              </a:ext>
-            </a:extLst>
-          </p:cNvPr>
-          <p:cNvSpPr>
-            <a:spLocks noGrp="1" noRot="1" noChangeAspect="1" noMove="1" noResize="1" noEditPoints="1" noAdjustHandles="1" noChangeArrowheads="1" noChangeShapeType="1" noTextEdit="1"/>
-          </p:cNvSpPr>
-          <p:nvPr>
-            <p:extLst>
-              <p:ext uri="{386F3935-93C4-4BCD-93E2-E3B085C9AB24}">
-                <p16:designElem xmlns:p16="http://schemas.microsoft.com/office/powerpoint/2015/main" val="1"/>
-              </p:ext>
-            </p:extLst>
-          </p:nvPr>
-        </p:nvSpPr>
-        <p:spPr>
-          <a:xfrm>
-            <a:off x="5097839" y="0"/>
-            <a:ext cx="7094160" cy="2130952"/>
-          </a:xfrm>
-          <a:custGeom>
-            <a:avLst/>
-            <a:gdLst>
-              <a:gd name="connsiteX0" fmla="*/ 4417853 w 7094160"/>
-              <a:gd name="connsiteY0" fmla="*/ 0 h 2130952"/>
-              <a:gd name="connsiteX1" fmla="*/ 7094160 w 7094160"/>
-              <a:gd name="connsiteY1" fmla="*/ 0 h 2130952"/>
-              <a:gd name="connsiteX2" fmla="*/ 7094160 w 7094160"/>
-              <a:gd name="connsiteY2" fmla="*/ 2130552 h 2130952"/>
-              <a:gd name="connsiteX3" fmla="*/ 5920619 w 7094160"/>
-              <a:gd name="connsiteY3" fmla="*/ 2130552 h 2130952"/>
-              <a:gd name="connsiteX4" fmla="*/ 5920619 w 7094160"/>
-              <a:gd name="connsiteY4" fmla="*/ 2130952 h 2130952"/>
-              <a:gd name="connsiteX5" fmla="*/ 2729249 w 7094160"/>
-              <a:gd name="connsiteY5" fmla="*/ 2130952 h 2130952"/>
-              <a:gd name="connsiteX6" fmla="*/ 2574304 w 7094160"/>
-              <a:gd name="connsiteY6" fmla="*/ 2130952 h 2130952"/>
-              <a:gd name="connsiteX7" fmla="*/ 0 w 7094160"/>
-              <a:gd name="connsiteY7" fmla="*/ 2130952 h 2130952"/>
-              <a:gd name="connsiteX8" fmla="*/ 983648 w 7094160"/>
-              <a:gd name="connsiteY8" fmla="*/ 1 h 2130952"/>
-              <a:gd name="connsiteX9" fmla="*/ 4417853 w 7094160"/>
-              <a:gd name="connsiteY9" fmla="*/ 1 h 2130952"/>
-            </a:gdLst>
-            <a:ahLst/>
-            <a:cxnLst>
-              <a:cxn ang="0">
-                <a:pos x="connsiteX0" y="connsiteY0"/>
-              </a:cxn>
-              <a:cxn ang="0">
-                <a:pos x="connsiteX1" y="connsiteY1"/>
-              </a:cxn>
-              <a:cxn ang="0">
-                <a:pos x="connsiteX2" y="connsiteY2"/>
-              </a:cxn>
-              <a:cxn ang="0">
-                <a:pos x="connsiteX3" y="connsiteY3"/>
-              </a:cxn>
-              <a:cxn ang="0">
-                <a:pos x="connsiteX4" y="connsiteY4"/>
-              </a:cxn>
-              <a:cxn ang="0">
-                <a:pos x="connsiteX5" y="connsiteY5"/>
-              </a:cxn>
-              <a:cxn ang="0">
-                <a:pos x="connsiteX6" y="connsiteY6"/>
-              </a:cxn>
-              <a:cxn ang="0">
-                <a:pos x="connsiteX7" y="connsiteY7"/>
-              </a:cxn>
-              <a:cxn ang="0">
-                <a:pos x="connsiteX8" y="connsiteY8"/>
-              </a:cxn>
-              <a:cxn ang="0">
-                <a:pos x="connsiteX9" y="connsiteY9"/>
-              </a:cxn>
-            </a:cxnLst>
-            <a:rect l="l" t="t" r="r" b="b"/>
-            <a:pathLst>
-              <a:path w="7094160" h="2130952">
-                <a:moveTo>
-                  <a:pt x="4417853" y="0"/>
-                </a:moveTo>
-                <a:lnTo>
-                  <a:pt x="7094160" y="0"/>
-                </a:lnTo>
-                <a:lnTo>
-                  <a:pt x="7094160" y="2130552"/>
-                </a:lnTo>
-                <a:lnTo>
-                  <a:pt x="5920619" y="2130552"/>
-                </a:lnTo>
-                <a:lnTo>
-                  <a:pt x="5920619" y="2130952"/>
-                </a:lnTo>
-                <a:lnTo>
-                  <a:pt x="2729249" y="2130952"/>
-                </a:lnTo>
-                <a:lnTo>
-                  <a:pt x="2574304" y="2130952"/>
-                </a:lnTo>
-                <a:lnTo>
-                  <a:pt x="0" y="2130952"/>
-                </a:lnTo>
-                <a:lnTo>
-                  <a:pt x="983648" y="1"/>
-                </a:lnTo>
-                <a:lnTo>
-                  <a:pt x="4417853" y="1"/>
-                </a:lnTo>
-                <a:close/>
-              </a:path>
-            </a:pathLst>
-          </a:custGeom>
-          <a:solidFill>
-            <a:srgbClr val="7F7F7F">
-              <a:alpha val="40000"/>
+            <a:srgbClr val="404040">
+              <a:alpha val="84706"/>
             </a:srgbClr>
           </a:solidFill>
           <a:ln>
@@ -8418,7 +10384,9 @@
           </a:fontRef>
         </p:style>
         <p:txBody>
-          <a:bodyPr rtlCol="0" anchor="ctr"/>
+          <a:bodyPr wrap="square" rtlCol="0" anchor="ctr">
+            <a:noAutofit/>
+          </a:bodyPr>
           <a:lstStyle/>
           <a:p>
             <a:pPr algn="ctr"/>
@@ -8426,12 +10394,12 @@
           </a:p>
         </p:txBody>
       </p:sp>
-      <p:sp useBgFill="1">
-        <p:nvSpPr>
-          <p:cNvPr id="12" name="Freeform: Shape 11">
-            <a:extLst>
-              <a:ext uri="{FF2B5EF4-FFF2-40B4-BE49-F238E27FC236}">
-                <a16:creationId xmlns:a16="http://schemas.microsoft.com/office/drawing/2014/main" id="{04DC2037-48A0-4F22-B9D4-8EAEBC780AB4}"/>
+      <p:sp>
+        <p:nvSpPr>
+          <p:cNvPr id="13" name="Freeform: Shape 12">
+            <a:extLst>
+              <a:ext uri="{FF2B5EF4-FFF2-40B4-BE49-F238E27FC236}">
+                <a16:creationId xmlns:a16="http://schemas.microsoft.com/office/drawing/2014/main" id="{E78C6E4B-A1F1-4B6C-97EC-BE997495D6AC}"/>
               </a:ext>
               <a:ext uri="{C183D7F6-B498-43B3-948B-1728B52AA6E4}">
                 <adec:decorative xmlns:adec="http://schemas.microsoft.com/office/drawing/2017/decorative" val="1"/>
@@ -8450,21 +10418,49 @@
           </p:nvPr>
         </p:nvSpPr>
         <p:spPr>
-          <a:xfrm flipH="1">
-            <a:off x="6149721" y="4682920"/>
-            <a:ext cx="4522796" cy="2175080"/>
+          <a:xfrm>
+            <a:off x="0" y="5346694"/>
+            <a:ext cx="7346605" cy="1511306"/>
           </a:xfrm>
           <a:custGeom>
             <a:avLst/>
             <a:gdLst>
-              <a:gd name="connsiteX0" fmla="*/ 3515449 w 4522796"/>
-              <a:gd name="connsiteY0" fmla="*/ 0 h 2175080"/>
-              <a:gd name="connsiteX1" fmla="*/ 0 w 4522796"/>
-              <a:gd name="connsiteY1" fmla="*/ 0 h 2175080"/>
-              <a:gd name="connsiteX2" fmla="*/ 0 w 4522796"/>
-              <a:gd name="connsiteY2" fmla="*/ 2175080 h 2175080"/>
-              <a:gd name="connsiteX3" fmla="*/ 4522796 w 4522796"/>
-              <a:gd name="connsiteY3" fmla="*/ 2175080 h 2175080"/>
+              <a:gd name="connsiteX0" fmla="*/ 0 w 7346605"/>
+              <a:gd name="connsiteY0" fmla="*/ 0 h 1511306"/>
+              <a:gd name="connsiteX1" fmla="*/ 239486 w 7346605"/>
+              <a:gd name="connsiteY1" fmla="*/ 0 h 1511306"/>
+              <a:gd name="connsiteX2" fmla="*/ 1209568 w 7346605"/>
+              <a:gd name="connsiteY2" fmla="*/ 0 h 1511306"/>
+              <a:gd name="connsiteX3" fmla="*/ 2405743 w 7346605"/>
+              <a:gd name="connsiteY3" fmla="*/ 0 h 1511306"/>
+              <a:gd name="connsiteX4" fmla="*/ 2405743 w 7346605"/>
+              <a:gd name="connsiteY4" fmla="*/ 2544 h 1511306"/>
+              <a:gd name="connsiteX5" fmla="*/ 2801131 w 7346605"/>
+              <a:gd name="connsiteY5" fmla="*/ 2544 h 1511306"/>
+              <a:gd name="connsiteX6" fmla="*/ 2801131 w 7346605"/>
+              <a:gd name="connsiteY6" fmla="*/ 0 h 1511306"/>
+              <a:gd name="connsiteX7" fmla="*/ 7346605 w 7346605"/>
+              <a:gd name="connsiteY7" fmla="*/ 0 h 1511306"/>
+              <a:gd name="connsiteX8" fmla="*/ 6648988 w 7346605"/>
+              <a:gd name="connsiteY8" fmla="*/ 1511301 h 1511306"/>
+              <a:gd name="connsiteX9" fmla="*/ 2801132 w 7346605"/>
+              <a:gd name="connsiteY9" fmla="*/ 1511301 h 1511306"/>
+              <a:gd name="connsiteX10" fmla="*/ 2801132 w 7346605"/>
+              <a:gd name="connsiteY10" fmla="*/ 1511304 h 1511306"/>
+              <a:gd name="connsiteX11" fmla="*/ 2405743 w 7346605"/>
+              <a:gd name="connsiteY11" fmla="*/ 1511304 h 1511306"/>
+              <a:gd name="connsiteX12" fmla="*/ 2405743 w 7346605"/>
+              <a:gd name="connsiteY12" fmla="*/ 1511306 h 1511306"/>
+              <a:gd name="connsiteX13" fmla="*/ 1333411 w 7346605"/>
+              <a:gd name="connsiteY13" fmla="*/ 1511306 h 1511306"/>
+              <a:gd name="connsiteX14" fmla="*/ 1219208 w 7346605"/>
+              <a:gd name="connsiteY14" fmla="*/ 1511306 h 1511306"/>
+              <a:gd name="connsiteX15" fmla="*/ 1209568 w 7346605"/>
+              <a:gd name="connsiteY15" fmla="*/ 1511306 h 1511306"/>
+              <a:gd name="connsiteX16" fmla="*/ 239486 w 7346605"/>
+              <a:gd name="connsiteY16" fmla="*/ 1511306 h 1511306"/>
+              <a:gd name="connsiteX17" fmla="*/ 0 w 7346605"/>
+              <a:gd name="connsiteY17" fmla="*/ 1511306 h 1511306"/>
             </a:gdLst>
             <a:ahLst/>
             <a:cxnLst>
@@ -8480,133 +10476,112 @@
               <a:cxn ang="0">
                 <a:pos x="connsiteX3" y="connsiteY3"/>
               </a:cxn>
+              <a:cxn ang="0">
+                <a:pos x="connsiteX4" y="connsiteY4"/>
+              </a:cxn>
+              <a:cxn ang="0">
+                <a:pos x="connsiteX5" y="connsiteY5"/>
+              </a:cxn>
+              <a:cxn ang="0">
+                <a:pos x="connsiteX6" y="connsiteY6"/>
+              </a:cxn>
+              <a:cxn ang="0">
+                <a:pos x="connsiteX7" y="connsiteY7"/>
+              </a:cxn>
+              <a:cxn ang="0">
+                <a:pos x="connsiteX8" y="connsiteY8"/>
+              </a:cxn>
+              <a:cxn ang="0">
+                <a:pos x="connsiteX9" y="connsiteY9"/>
+              </a:cxn>
+              <a:cxn ang="0">
+                <a:pos x="connsiteX10" y="connsiteY10"/>
+              </a:cxn>
+              <a:cxn ang="0">
+                <a:pos x="connsiteX11" y="connsiteY11"/>
+              </a:cxn>
+              <a:cxn ang="0">
+                <a:pos x="connsiteX12" y="connsiteY12"/>
+              </a:cxn>
+              <a:cxn ang="0">
+                <a:pos x="connsiteX13" y="connsiteY13"/>
+              </a:cxn>
+              <a:cxn ang="0">
+                <a:pos x="connsiteX14" y="connsiteY14"/>
+              </a:cxn>
+              <a:cxn ang="0">
+                <a:pos x="connsiteX15" y="connsiteY15"/>
+              </a:cxn>
+              <a:cxn ang="0">
+                <a:pos x="connsiteX16" y="connsiteY16"/>
+              </a:cxn>
+              <a:cxn ang="0">
+                <a:pos x="connsiteX17" y="connsiteY17"/>
+              </a:cxn>
             </a:cxnLst>
             <a:rect l="l" t="t" r="r" b="b"/>
             <a:pathLst>
-              <a:path w="4522796" h="2175080">
+              <a:path w="7346605" h="1511306">
                 <a:moveTo>
-                  <a:pt x="3515449" y="0"/>
+                  <a:pt x="0" y="0"/>
                 </a:moveTo>
                 <a:lnTo>
-                  <a:pt x="0" y="0"/>
-                </a:lnTo>
-                <a:lnTo>
-                  <a:pt x="0" y="2175080"/>
-                </a:lnTo>
-                <a:lnTo>
-                  <a:pt x="4522796" y="2175080"/>
-                </a:lnTo>
-                <a:close/>
-              </a:path>
-            </a:pathLst>
-          </a:custGeom>
-          <a:ln>
-            <a:noFill/>
-          </a:ln>
-        </p:spPr>
-        <p:style>
-          <a:lnRef idx="2">
-            <a:schemeClr val="accent1">
-              <a:shade val="50000"/>
-            </a:schemeClr>
-          </a:lnRef>
-          <a:fillRef idx="1">
-            <a:schemeClr val="accent1"/>
-          </a:fillRef>
-          <a:effectRef idx="0">
-            <a:schemeClr val="accent1"/>
-          </a:effectRef>
-          <a:fontRef idx="minor">
-            <a:schemeClr val="lt1"/>
-          </a:fontRef>
-        </p:style>
-        <p:txBody>
-          <a:bodyPr wrap="square" rtlCol="0" anchor="ctr">
-            <a:noAutofit/>
-          </a:bodyPr>
-          <a:lstStyle/>
-          <a:p>
-            <a:pPr algn="ctr"/>
-            <a:endParaRPr lang="en-US" b="1"/>
-          </a:p>
-        </p:txBody>
-      </p:sp>
-      <p:sp>
-        <p:nvSpPr>
-          <p:cNvPr id="14" name="Freeform 22">
-            <a:extLst>
-              <a:ext uri="{FF2B5EF4-FFF2-40B4-BE49-F238E27FC236}">
-                <a16:creationId xmlns:a16="http://schemas.microsoft.com/office/drawing/2014/main" id="{0006CBFD-ADA0-43D1-9332-9C34CA1C76ED}"/>
-              </a:ext>
-              <a:ext uri="{C183D7F6-B498-43B3-948B-1728B52AA6E4}">
-                <adec:decorative xmlns:adec="http://schemas.microsoft.com/office/drawing/2017/decorative" val="1"/>
-              </a:ext>
-            </a:extLst>
-          </p:cNvPr>
-          <p:cNvSpPr>
-            <a:spLocks noGrp="1" noRot="1" noChangeAspect="1" noMove="1" noResize="1" noEditPoints="1" noAdjustHandles="1" noChangeArrowheads="1" noChangeShapeType="1" noTextEdit="1"/>
-          </p:cNvSpPr>
-          <p:nvPr>
-            <p:extLst>
-              <p:ext uri="{386F3935-93C4-4BCD-93E2-E3B085C9AB24}">
-                <p16:designElem xmlns:p16="http://schemas.microsoft.com/office/powerpoint/2015/main" val="1"/>
-              </p:ext>
-            </p:extLst>
-          </p:nvPr>
-        </p:nvSpPr>
-        <p:spPr>
-          <a:xfrm>
-            <a:off x="6266810" y="4682920"/>
-            <a:ext cx="5925190" cy="2175080"/>
-          </a:xfrm>
-          <a:custGeom>
-            <a:avLst/>
-            <a:gdLst>
-              <a:gd name="connsiteX0" fmla="*/ 1007347 w 5925190"/>
-              <a:gd name="connsiteY0" fmla="*/ 0 h 2175080"/>
-              <a:gd name="connsiteX1" fmla="*/ 5925190 w 5925190"/>
-              <a:gd name="connsiteY1" fmla="*/ 0 h 2175080"/>
-              <a:gd name="connsiteX2" fmla="*/ 5925190 w 5925190"/>
-              <a:gd name="connsiteY2" fmla="*/ 2175080 h 2175080"/>
-              <a:gd name="connsiteX3" fmla="*/ 0 w 5925190"/>
-              <a:gd name="connsiteY3" fmla="*/ 2175080 h 2175080"/>
-            </a:gdLst>
-            <a:ahLst/>
-            <a:cxnLst>
-              <a:cxn ang="0">
-                <a:pos x="connsiteX0" y="connsiteY0"/>
-              </a:cxn>
-              <a:cxn ang="0">
-                <a:pos x="connsiteX1" y="connsiteY1"/>
-              </a:cxn>
-              <a:cxn ang="0">
-                <a:pos x="connsiteX2" y="connsiteY2"/>
-              </a:cxn>
-              <a:cxn ang="0">
-                <a:pos x="connsiteX3" y="connsiteY3"/>
-              </a:cxn>
-            </a:cxnLst>
-            <a:rect l="l" t="t" r="r" b="b"/>
-            <a:pathLst>
-              <a:path w="5925190" h="2175080">
-                <a:moveTo>
-                  <a:pt x="1007347" y="0"/>
-                </a:moveTo>
-                <a:lnTo>
-                  <a:pt x="5925190" y="0"/>
-                </a:lnTo>
-                <a:lnTo>
-                  <a:pt x="5925190" y="2175080"/>
-                </a:lnTo>
-                <a:lnTo>
-                  <a:pt x="0" y="2175080"/>
+                  <a:pt x="239486" y="0"/>
+                </a:lnTo>
+                <a:lnTo>
+                  <a:pt x="1209568" y="0"/>
+                </a:lnTo>
+                <a:lnTo>
+                  <a:pt x="2405743" y="0"/>
+                </a:lnTo>
+                <a:lnTo>
+                  <a:pt x="2405743" y="2544"/>
+                </a:lnTo>
+                <a:lnTo>
+                  <a:pt x="2801131" y="2544"/>
+                </a:lnTo>
+                <a:lnTo>
+                  <a:pt x="2801131" y="0"/>
+                </a:lnTo>
+                <a:lnTo>
+                  <a:pt x="7346605" y="0"/>
+                </a:lnTo>
+                <a:lnTo>
+                  <a:pt x="6648988" y="1511301"/>
+                </a:lnTo>
+                <a:lnTo>
+                  <a:pt x="2801132" y="1511301"/>
+                </a:lnTo>
+                <a:lnTo>
+                  <a:pt x="2801132" y="1511304"/>
+                </a:lnTo>
+                <a:lnTo>
+                  <a:pt x="2405743" y="1511304"/>
+                </a:lnTo>
+                <a:lnTo>
+                  <a:pt x="2405743" y="1511306"/>
+                </a:lnTo>
+                <a:lnTo>
+                  <a:pt x="1333411" y="1511306"/>
+                </a:lnTo>
+                <a:lnTo>
+                  <a:pt x="1219208" y="1511306"/>
+                </a:lnTo>
+                <a:lnTo>
+                  <a:pt x="1209568" y="1511306"/>
+                </a:lnTo>
+                <a:lnTo>
+                  <a:pt x="239486" y="1511306"/>
+                </a:lnTo>
+                <a:lnTo>
+                  <a:pt x="0" y="1511306"/>
                 </a:lnTo>
                 <a:close/>
               </a:path>
             </a:pathLst>
           </a:custGeom>
           <a:solidFill>
-            <a:schemeClr val="accent4"/>
+            <a:srgbClr val="D0CECE"/>
           </a:solidFill>
           <a:ln>
             <a:noFill/>
@@ -8629,144 +10604,124 @@
           </a:fontRef>
         </p:style>
         <p:txBody>
-          <a:bodyPr wrap="square" rtlCol="0" anchor="ctr">
-            <a:noAutofit/>
+          <a:bodyPr rtlCol="0" anchor="ctr"/>
+          <a:lstStyle/>
+          <a:p>
+            <a:pPr algn="ctr"/>
+            <a:endParaRPr lang="en-US">
+              <a:solidFill>
+                <a:schemeClr val="bg1">
+                  <a:lumMod val="95000"/>
+                </a:schemeClr>
+              </a:solidFill>
+            </a:endParaRPr>
+          </a:p>
+        </p:txBody>
+      </p:sp>
+      <p:sp>
+        <p:nvSpPr>
+          <p:cNvPr id="2" name="Title 1">
+            <a:extLst>
+              <a:ext uri="{FF2B5EF4-FFF2-40B4-BE49-F238E27FC236}">
+                <a16:creationId xmlns:a16="http://schemas.microsoft.com/office/drawing/2014/main" id="{2333ED99-8258-40F5-8DC8-27D8CCF8D8CC}"/>
+              </a:ext>
+            </a:extLst>
+          </p:cNvPr>
+          <p:cNvSpPr>
+            <a:spLocks noGrp="1"/>
+          </p:cNvSpPr>
+          <p:nvPr>
+            <p:ph type="title"/>
+          </p:nvPr>
+        </p:nvSpPr>
+        <p:spPr>
+          <a:xfrm>
+            <a:off x="841248" y="5529884"/>
+            <a:ext cx="5802656" cy="1096331"/>
+          </a:xfrm>
+        </p:spPr>
+        <p:txBody>
+          <a:bodyPr>
+            <a:normAutofit/>
           </a:bodyPr>
           <a:lstStyle/>
           <a:p>
-            <a:pPr algn="ctr"/>
-            <a:endParaRPr lang="en-US"/>
-          </a:p>
-        </p:txBody>
-      </p:sp>
-      <p:sp>
-        <p:nvSpPr>
-          <p:cNvPr id="16" name="Freeform 25">
-            <a:extLst>
-              <a:ext uri="{FF2B5EF4-FFF2-40B4-BE49-F238E27FC236}">
-                <a16:creationId xmlns:a16="http://schemas.microsoft.com/office/drawing/2014/main" id="{2B931666-F28F-45F3-A074-66D2272D580B}"/>
-              </a:ext>
-              <a:ext uri="{C183D7F6-B498-43B3-948B-1728B52AA6E4}">
-                <adec:decorative xmlns:adec="http://schemas.microsoft.com/office/drawing/2017/decorative" val="1"/>
-              </a:ext>
-            </a:extLst>
-          </p:cNvPr>
-          <p:cNvSpPr>
-            <a:spLocks noGrp="1" noRot="1" noChangeAspect="1" noMove="1" noResize="1" noEditPoints="1" noAdjustHandles="1" noChangeArrowheads="1" noChangeShapeType="1" noTextEdit="1"/>
-          </p:cNvSpPr>
-          <p:nvPr>
-            <p:extLst>
-              <p:ext uri="{386F3935-93C4-4BCD-93E2-E3B085C9AB24}">
-                <p16:designElem xmlns:p16="http://schemas.microsoft.com/office/powerpoint/2015/main" val="1"/>
-              </p:ext>
-            </p:extLst>
-          </p:nvPr>
-        </p:nvSpPr>
+            <a:r>
+              <a:rPr lang="da-DK" sz="3700">
+                <a:solidFill>
+                  <a:srgbClr val="303030"/>
+                </a:solidFill>
+              </a:rPr>
+              <a:t>Windows RT Implementering</a:t>
+            </a:r>
+          </a:p>
+        </p:txBody>
+      </p:sp>
+      <p:pic>
+        <p:nvPicPr>
+          <p:cNvPr id="6" name="Picture 5">
+            <a:extLst>
+              <a:ext uri="{FF2B5EF4-FFF2-40B4-BE49-F238E27FC236}">
+                <a16:creationId xmlns:a16="http://schemas.microsoft.com/office/drawing/2014/main" id="{22ABAA31-ED68-4296-A3BB-A05E12E9F9B5}"/>
+              </a:ext>
+            </a:extLst>
+          </p:cNvPr>
+          <p:cNvPicPr>
+            <a:picLocks noChangeAspect="1"/>
+          </p:cNvPicPr>
+          <p:nvPr/>
+        </p:nvPicPr>
+        <p:blipFill rotWithShape="1">
+          <a:blip r:embed="rId2"/>
+          <a:srcRect l="1531" r="1465" b="1"/>
+          <a:stretch/>
+        </p:blipFill>
         <p:spPr>
           <a:xfrm>
-            <a:off x="0" y="4682920"/>
-            <a:ext cx="7114535" cy="2175080"/>
+            <a:off x="841248" y="604158"/>
+            <a:ext cx="6049941" cy="4350110"/>
           </a:xfrm>
-          <a:custGeom>
+          <a:prstGeom prst="rect">
             <a:avLst/>
-            <a:gdLst>
-              <a:gd name="connsiteX0" fmla="*/ 0 w 7114535"/>
-              <a:gd name="connsiteY0" fmla="*/ 0 h 2175080"/>
-              <a:gd name="connsiteX1" fmla="*/ 1189345 w 7114535"/>
-              <a:gd name="connsiteY1" fmla="*/ 0 h 2175080"/>
-              <a:gd name="connsiteX2" fmla="*/ 7114535 w 7114535"/>
-              <a:gd name="connsiteY2" fmla="*/ 0 h 2175080"/>
-              <a:gd name="connsiteX3" fmla="*/ 6107188 w 7114535"/>
-              <a:gd name="connsiteY3" fmla="*/ 2175080 h 2175080"/>
-              <a:gd name="connsiteX4" fmla="*/ 1189345 w 7114535"/>
-              <a:gd name="connsiteY4" fmla="*/ 2175080 h 2175080"/>
-              <a:gd name="connsiteX5" fmla="*/ 0 w 7114535"/>
-              <a:gd name="connsiteY5" fmla="*/ 2175080 h 2175080"/>
-            </a:gdLst>
-            <a:ahLst/>
-            <a:cxnLst>
-              <a:cxn ang="0">
-                <a:pos x="connsiteX0" y="connsiteY0"/>
-              </a:cxn>
-              <a:cxn ang="0">
-                <a:pos x="connsiteX1" y="connsiteY1"/>
-              </a:cxn>
-              <a:cxn ang="0">
-                <a:pos x="connsiteX2" y="connsiteY2"/>
-              </a:cxn>
-              <a:cxn ang="0">
-                <a:pos x="connsiteX3" y="connsiteY3"/>
-              </a:cxn>
-              <a:cxn ang="0">
-                <a:pos x="connsiteX4" y="connsiteY4"/>
-              </a:cxn>
-              <a:cxn ang="0">
-                <a:pos x="connsiteX5" y="connsiteY5"/>
-              </a:cxn>
-            </a:cxnLst>
-            <a:rect l="l" t="t" r="r" b="b"/>
-            <a:pathLst>
-              <a:path w="7114535" h="2175080">
-                <a:moveTo>
-                  <a:pt x="0" y="0"/>
-                </a:moveTo>
-                <a:lnTo>
-                  <a:pt x="1189345" y="0"/>
-                </a:lnTo>
-                <a:lnTo>
-                  <a:pt x="7114535" y="0"/>
-                </a:lnTo>
-                <a:lnTo>
-                  <a:pt x="6107188" y="2175080"/>
-                </a:lnTo>
-                <a:lnTo>
-                  <a:pt x="1189345" y="2175080"/>
-                </a:lnTo>
-                <a:lnTo>
-                  <a:pt x="0" y="2175080"/>
-                </a:lnTo>
-                <a:close/>
-              </a:path>
-            </a:pathLst>
-          </a:custGeom>
-          <a:solidFill>
-            <a:srgbClr val="7F7F7F">
-              <a:alpha val="40000"/>
-            </a:srgbClr>
-          </a:solidFill>
-          <a:ln>
-            <a:noFill/>
-          </a:ln>
+          </a:prstGeom>
         </p:spPr>
-        <p:style>
-          <a:lnRef idx="2">
-            <a:schemeClr val="accent1">
-              <a:shade val="50000"/>
-            </a:schemeClr>
-          </a:lnRef>
-          <a:fillRef idx="1">
-            <a:schemeClr val="accent1"/>
-          </a:fillRef>
-          <a:effectRef idx="0">
-            <a:schemeClr val="accent1"/>
-          </a:effectRef>
-          <a:fontRef idx="minor">
-            <a:schemeClr val="lt1"/>
-          </a:fontRef>
-        </p:style>
-        <p:txBody>
-          <a:bodyPr rtlCol="0" anchor="ctr"/>
+      </p:pic>
+      <p:sp>
+        <p:nvSpPr>
+          <p:cNvPr id="3" name="Content Placeholder 2">
+            <a:extLst>
+              <a:ext uri="{FF2B5EF4-FFF2-40B4-BE49-F238E27FC236}">
+                <a16:creationId xmlns:a16="http://schemas.microsoft.com/office/drawing/2014/main" id="{FA359D3B-5BE5-4646-89A2-D0BB4B0CA354}"/>
+              </a:ext>
+            </a:extLst>
+          </p:cNvPr>
+          <p:cNvSpPr>
+            <a:spLocks noGrp="1"/>
+          </p:cNvSpPr>
+          <p:nvPr>
+            <p:ph idx="1"/>
+          </p:nvPr>
+        </p:nvSpPr>
+        <p:spPr>
+          <a:xfrm>
+            <a:off x="7534655" y="601315"/>
+            <a:ext cx="4008101" cy="4384342"/>
+          </a:xfrm>
+        </p:spPr>
+        <p:txBody>
+          <a:bodyPr anchor="ctr">
+            <a:normAutofit/>
+          </a:bodyPr>
           <a:lstStyle/>
           <a:p>
-            <a:pPr algn="ctr"/>
-            <a:endParaRPr lang="en-US"/>
+            <a:endParaRPr lang="da-DK" sz="2000"/>
           </a:p>
         </p:txBody>
       </p:sp>
     </p:spTree>
     <p:extLst>
       <p:ext uri="{BB962C8B-B14F-4D97-AF65-F5344CB8AC3E}">
-        <p14:creationId xmlns:p14="http://schemas.microsoft.com/office/powerpoint/2010/main" val="3014922306"/>
+        <p14:creationId xmlns:p14="http://schemas.microsoft.com/office/powerpoint/2010/main" val="3621512516"/>
       </p:ext>
     </p:extLst>
   </p:cSld>

--- a/Presentations/7_CrossPlatform.pptx
+++ b/Presentations/7_CrossPlatform.pptx
@@ -3429,22 +3429,146 @@
         </p:nvSpPr>
         <p:spPr>
           <a:xfrm>
-            <a:off x="1524000" y="3947050"/>
-            <a:ext cx="9144000" cy="572583"/>
+            <a:off x="1524000" y="3810525"/>
+            <a:ext cx="9144000" cy="803419"/>
           </a:xfrm>
         </p:spPr>
         <p:txBody>
           <a:bodyPr>
-            <a:normAutofit/>
+            <a:normAutofit lnSpcReduction="10000"/>
           </a:bodyPr>
           <a:lstStyle/>
           <a:p>
             <a:pPr algn="l"/>
             <a:r>
-              <a:rPr lang="en-GB" sz="1400"/>
-              <a:t>Redegør for problemer ved og muligheder for cross platform development på .Net platformen. Vis et eksempel på en cross platform component. Redegør for hvorledes man designer og implementerer Windows RT komponenter.</a:t>
-            </a:r>
-            <a:endParaRPr lang="LID4096" sz="1400"/>
+              <a:rPr lang="en-GB" sz="1800" dirty="0" err="1"/>
+              <a:t>Redegør</a:t>
+            </a:r>
+            <a:r>
+              <a:rPr lang="en-GB" sz="1800" dirty="0"/>
+              <a:t> for </a:t>
+            </a:r>
+            <a:r>
+              <a:rPr lang="en-GB" sz="1800" dirty="0" err="1"/>
+              <a:t>problemer</a:t>
+            </a:r>
+            <a:r>
+              <a:rPr lang="en-GB" sz="1800" dirty="0"/>
+              <a:t> </a:t>
+            </a:r>
+            <a:r>
+              <a:rPr lang="en-GB" sz="1800" dirty="0" err="1"/>
+              <a:t>ved</a:t>
+            </a:r>
+            <a:r>
+              <a:rPr lang="en-GB" sz="1800" dirty="0"/>
+              <a:t> </a:t>
+            </a:r>
+            <a:r>
+              <a:rPr lang="en-GB" sz="1800" dirty="0" err="1"/>
+              <a:t>og</a:t>
+            </a:r>
+            <a:r>
+              <a:rPr lang="en-GB" sz="1800" dirty="0"/>
+              <a:t> </a:t>
+            </a:r>
+            <a:r>
+              <a:rPr lang="en-GB" sz="1800" dirty="0" err="1"/>
+              <a:t>muligheder</a:t>
+            </a:r>
+            <a:r>
+              <a:rPr lang="en-GB" sz="1800" dirty="0"/>
+              <a:t> for cross platform development </a:t>
+            </a:r>
+            <a:r>
+              <a:rPr lang="en-GB" sz="1800" dirty="0" err="1"/>
+              <a:t>på</a:t>
+            </a:r>
+            <a:r>
+              <a:rPr lang="en-GB" sz="1800" dirty="0"/>
+              <a:t> </a:t>
+            </a:r>
+            <a:r>
+              <a:rPr lang="en-GB" sz="1800" dirty="0" err="1"/>
+              <a:t>.Net</a:t>
+            </a:r>
+            <a:r>
+              <a:rPr lang="en-GB" sz="1800" dirty="0"/>
+              <a:t> </a:t>
+            </a:r>
+            <a:r>
+              <a:rPr lang="en-GB" sz="1800" dirty="0" err="1"/>
+              <a:t>platformen</a:t>
+            </a:r>
+            <a:r>
+              <a:rPr lang="en-GB" sz="1800" dirty="0"/>
+              <a:t>. Vis et </a:t>
+            </a:r>
+            <a:r>
+              <a:rPr lang="en-GB" sz="1800" dirty="0" err="1"/>
+              <a:t>eksempel</a:t>
+            </a:r>
+            <a:r>
+              <a:rPr lang="en-GB" sz="1800" dirty="0"/>
+              <a:t> </a:t>
+            </a:r>
+            <a:r>
+              <a:rPr lang="en-GB" sz="1800" dirty="0" err="1"/>
+              <a:t>på</a:t>
+            </a:r>
+            <a:r>
+              <a:rPr lang="en-GB" sz="1800" dirty="0"/>
+              <a:t> </a:t>
+            </a:r>
+            <a:r>
+              <a:rPr lang="en-GB" sz="1800" dirty="0" err="1"/>
+              <a:t>en</a:t>
+            </a:r>
+            <a:r>
+              <a:rPr lang="en-GB" sz="1800" dirty="0"/>
+              <a:t> cross platform component. </a:t>
+            </a:r>
+            <a:r>
+              <a:rPr lang="en-GB" sz="1800" dirty="0" err="1"/>
+              <a:t>Redegør</a:t>
+            </a:r>
+            <a:r>
+              <a:rPr lang="en-GB" sz="1800" dirty="0"/>
+              <a:t> for </a:t>
+            </a:r>
+            <a:r>
+              <a:rPr lang="en-GB" sz="1800" dirty="0" err="1"/>
+              <a:t>hvorledes</a:t>
+            </a:r>
+            <a:r>
+              <a:rPr lang="en-GB" sz="1800" dirty="0"/>
+              <a:t> man designer </a:t>
+            </a:r>
+            <a:r>
+              <a:rPr lang="en-GB" sz="1800" dirty="0" err="1"/>
+              <a:t>og</a:t>
+            </a:r>
+            <a:r>
+              <a:rPr lang="en-GB" sz="1800" dirty="0"/>
+              <a:t> </a:t>
+            </a:r>
+            <a:r>
+              <a:rPr lang="en-GB" sz="1800" dirty="0" err="1"/>
+              <a:t>implementerer</a:t>
+            </a:r>
+            <a:r>
+              <a:rPr lang="en-GB" sz="1800" dirty="0"/>
+              <a:t> Windows RT </a:t>
+            </a:r>
+            <a:r>
+              <a:rPr lang="en-GB" sz="1800" dirty="0" err="1"/>
+              <a:t>komponenter</a:t>
+            </a:r>
+            <a:r>
+              <a:rPr lang="en-GB" sz="1800" dirty="0"/>
+              <a:t>.</a:t>
+            </a:r>
+            <a:endParaRPr lang="LID4096" sz="1800" dirty="0"/>
           </a:p>
         </p:txBody>
       </p:sp>
@@ -6445,16 +6569,22 @@
           <a:lstStyle/>
           <a:p>
             <a:r>
-              <a:rPr lang="da-DK" sz="2400"/>
-              <a:t> Ideen bag at skrive noget kode som kan kompileres til andre platforme uden at skulle laves om på.</a:t>
-            </a:r>
-          </a:p>
-          <a:p>
-            <a:r>
-              <a:rPr lang="da-DK" sz="2400"/>
+              <a:rPr lang="da-DK" sz="2400" dirty="0"/>
+              <a:t> Ideen bag Cross Platform</a:t>
+            </a:r>
+          </a:p>
+          <a:p>
+            <a:r>
+              <a:rPr lang="da-DK" sz="2400" dirty="0"/>
+              <a:t>Behov for på markedet</a:t>
+            </a:r>
+          </a:p>
+          <a:p>
+            <a:r>
+              <a:rPr lang="da-DK" sz="2400" dirty="0"/>
               <a:t>Den reelle måde det sker på er at interfacet bliver det samme, men at der skal lave små ændringer så koden kan matche og kompileres til en anden arkitektur.</a:t>
             </a:r>
-            <a:endParaRPr lang="LID4096" sz="2400"/>
+            <a:endParaRPr lang="LID4096" sz="2400" dirty="0"/>
           </a:p>
         </p:txBody>
       </p:sp>
@@ -8861,42 +8991,74 @@
           <a:lstStyle/>
           <a:p>
             <a:r>
-              <a:rPr lang="da-DK" sz="2400"/>
+              <a:rPr lang="da-DK" sz="2400" dirty="0"/>
               <a:t>Webbbrowsere er i dag blevet meget kompetente</a:t>
             </a:r>
           </a:p>
           <a:p>
             <a:r>
-              <a:rPr lang="da-DK" sz="2400"/>
+              <a:rPr lang="da-DK" sz="2400" dirty="0"/>
               <a:t>Laver man et software baseret system (intet til minimalt hardware), så er web applikationer en god måde at gøre det på.</a:t>
             </a:r>
           </a:p>
           <a:p>
             <a:r>
-              <a:rPr lang="da-DK" sz="2400"/>
+              <a:rPr lang="da-DK" sz="2400" dirty="0"/>
               <a:t>Web applikationer kan køre på alle enheder</a:t>
             </a:r>
           </a:p>
           <a:p>
             <a:r>
-              <a:rPr lang="da-DK" sz="2400"/>
+              <a:rPr lang="da-DK" sz="2400" dirty="0"/>
               <a:t>Udover det er de kommet meget tættere på mobil apps</a:t>
             </a:r>
           </a:p>
           <a:p>
             <a:r>
-              <a:rPr lang="da-DK" sz="2400"/>
-              <a:t>Især med alle de nye SPA frameworks(Angular, Vue, React)</a:t>
-            </a:r>
-          </a:p>
-          <a:p>
-            <a:r>
-              <a:rPr lang="da-DK" sz="2400"/>
-              <a:t>De er dog ikke helt der hvor de kan erstatte mobil udviklings cross platforms.(Xamarin, React Native,Flutter)</a:t>
-            </a:r>
-          </a:p>
-          <a:p>
-            <a:endParaRPr lang="LID4096" sz="2400"/>
+              <a:rPr lang="da-DK" sz="2400" dirty="0"/>
+              <a:t>Især med alle de nye SPA frameworks(</a:t>
+            </a:r>
+            <a:r>
+              <a:rPr lang="da-DK" sz="2400" dirty="0" err="1"/>
+              <a:t>Angular</a:t>
+            </a:r>
+            <a:r>
+              <a:rPr lang="da-DK" sz="2400" dirty="0"/>
+              <a:t>, Vue, </a:t>
+            </a:r>
+            <a:r>
+              <a:rPr lang="da-DK" sz="2400" dirty="0" err="1"/>
+              <a:t>React</a:t>
+            </a:r>
+            <a:r>
+              <a:rPr lang="da-DK" sz="2400" dirty="0"/>
+              <a:t>)</a:t>
+            </a:r>
+          </a:p>
+          <a:p>
+            <a:r>
+              <a:rPr lang="da-DK" sz="2400" dirty="0"/>
+              <a:t>De er dog ikke helt der hvor de kan erstatte mobil udviklings cross platforms.(</a:t>
+            </a:r>
+            <a:r>
+              <a:rPr lang="da-DK" sz="2400" dirty="0" err="1"/>
+              <a:t>Xamarin</a:t>
+            </a:r>
+            <a:r>
+              <a:rPr lang="da-DK" sz="2400" dirty="0"/>
+              <a:t>, </a:t>
+            </a:r>
+            <a:r>
+              <a:rPr lang="da-DK" sz="2400" dirty="0" err="1"/>
+              <a:t>React</a:t>
+            </a:r>
+            <a:r>
+              <a:rPr lang="da-DK" sz="2400" dirty="0"/>
+              <a:t> Native, Flutter)</a:t>
+            </a:r>
+          </a:p>
+          <a:p>
+            <a:endParaRPr lang="LID4096" sz="2400" dirty="0"/>
           </a:p>
         </p:txBody>
       </p:sp>
@@ -10011,15 +10173,7 @@
           <a:p>
             <a:r>
               <a:rPr lang="da-DK" sz="2400" dirty="0"/>
-              <a:t>Det betyder at du kan skrive </a:t>
-            </a:r>
-            <a:r>
-              <a:rPr lang="da-DK" sz="2400" dirty="0" err="1"/>
-              <a:t>komponentet</a:t>
-            </a:r>
-            <a:r>
-              <a:rPr lang="da-DK" sz="2400" dirty="0"/>
-              <a:t> i C++ og bruge det i Visual Basic</a:t>
+              <a:t>Det betyder at du kan skrive komponenter i C++ og bruge det i Visual Basic</a:t>
             </a:r>
           </a:p>
           <a:p>
@@ -10038,12 +10192,8 @@
           </a:p>
           <a:p>
             <a:r>
-              <a:rPr lang="da-DK" sz="2400" dirty="0" err="1"/>
-              <a:t>Hovedesagelige</a:t>
-            </a:r>
-            <a:r>
               <a:rPr lang="da-DK" sz="2400" dirty="0"/>
-              <a:t> idé med </a:t>
+              <a:t>Den hovedsagelige idé med </a:t>
             </a:r>
             <a:r>
               <a:rPr lang="da-DK" sz="2400" dirty="0" err="1"/>
@@ -10051,7 +10201,7 @@
             </a:r>
             <a:r>
               <a:rPr lang="da-DK" sz="2400" dirty="0"/>
-              <a:t> RT var at det kunne køre i en </a:t>
+              <a:t> RT var, at det kunne køre i en </a:t>
             </a:r>
             <a:r>
               <a:rPr lang="da-DK" sz="2400" dirty="0" err="1"/>
@@ -10079,7 +10229,7 @@
           <a:p>
             <a:r>
               <a:rPr lang="da-DK" sz="2400" dirty="0" err="1"/>
-              <a:t>Exposer</a:t>
+              <a:t>Exposér</a:t>
             </a:r>
             <a:r>
               <a:rPr lang="da-DK" sz="2400" dirty="0"/>
@@ -10143,7 +10293,7 @@
             </a:r>
             <a:r>
               <a:rPr lang="da-DK" sz="2400" dirty="0"/>
-              <a:t> på nær hvis der laves en driver</a:t>
+              <a:t>, på nær hvis der laves en driver</a:t>
             </a:r>
           </a:p>
           <a:p>
@@ -10163,7 +10313,7 @@
           <a:p>
             <a:r>
               <a:rPr lang="da-DK" sz="2400" dirty="0"/>
-              <a:t>Generelt fokusere Windows RT på den hardware nære egenskaber. Ting abstraheres væk fra hardware.</a:t>
+              <a:t>Generelt fokuserer Windows RT på de hardwarenære egenskaber. Ting abstraheres væk fra hardware.</a:t>
             </a:r>
           </a:p>
           <a:p>
@@ -10177,7 +10327,7 @@
             </a:r>
             <a:r>
               <a:rPr lang="da-DK" sz="2400" dirty="0"/>
-              <a:t> er </a:t>
+              <a:t> er en </a:t>
             </a:r>
             <a:r>
               <a:rPr lang="da-DK" sz="2400" dirty="0" err="1"/>

--- a/Presentations/7_CrossPlatform.pptx
+++ b/Presentations/7_CrossPlatform.pptx
@@ -280,7 +280,7 @@
           <a:p>
             <a:fld id="{A20990A6-5A99-4E0A-9198-2314FC51BDED}" type="datetimeFigureOut">
               <a:rPr lang="LID4096" smtClean="0"/>
-              <a:t>08/17/2020</a:t>
+              <a:t>08/18/2020</a:t>
             </a:fld>
             <a:endParaRPr lang="LID4096"/>
           </a:p>
@@ -480,7 +480,7 @@
           <a:p>
             <a:fld id="{A20990A6-5A99-4E0A-9198-2314FC51BDED}" type="datetimeFigureOut">
               <a:rPr lang="LID4096" smtClean="0"/>
-              <a:t>08/17/2020</a:t>
+              <a:t>08/18/2020</a:t>
             </a:fld>
             <a:endParaRPr lang="LID4096"/>
           </a:p>
@@ -690,7 +690,7 @@
           <a:p>
             <a:fld id="{A20990A6-5A99-4E0A-9198-2314FC51BDED}" type="datetimeFigureOut">
               <a:rPr lang="LID4096" smtClean="0"/>
-              <a:t>08/17/2020</a:t>
+              <a:t>08/18/2020</a:t>
             </a:fld>
             <a:endParaRPr lang="LID4096"/>
           </a:p>
@@ -890,7 +890,7 @@
           <a:p>
             <a:fld id="{A20990A6-5A99-4E0A-9198-2314FC51BDED}" type="datetimeFigureOut">
               <a:rPr lang="LID4096" smtClean="0"/>
-              <a:t>08/17/2020</a:t>
+              <a:t>08/18/2020</a:t>
             </a:fld>
             <a:endParaRPr lang="LID4096"/>
           </a:p>
@@ -1166,7 +1166,7 @@
           <a:p>
             <a:fld id="{A20990A6-5A99-4E0A-9198-2314FC51BDED}" type="datetimeFigureOut">
               <a:rPr lang="LID4096" smtClean="0"/>
-              <a:t>08/17/2020</a:t>
+              <a:t>08/18/2020</a:t>
             </a:fld>
             <a:endParaRPr lang="LID4096"/>
           </a:p>
@@ -1434,7 +1434,7 @@
           <a:p>
             <a:fld id="{A20990A6-5A99-4E0A-9198-2314FC51BDED}" type="datetimeFigureOut">
               <a:rPr lang="LID4096" smtClean="0"/>
-              <a:t>08/17/2020</a:t>
+              <a:t>08/18/2020</a:t>
             </a:fld>
             <a:endParaRPr lang="LID4096"/>
           </a:p>
@@ -1849,7 +1849,7 @@
           <a:p>
             <a:fld id="{A20990A6-5A99-4E0A-9198-2314FC51BDED}" type="datetimeFigureOut">
               <a:rPr lang="LID4096" smtClean="0"/>
-              <a:t>08/17/2020</a:t>
+              <a:t>08/18/2020</a:t>
             </a:fld>
             <a:endParaRPr lang="LID4096"/>
           </a:p>
@@ -1991,7 +1991,7 @@
           <a:p>
             <a:fld id="{A20990A6-5A99-4E0A-9198-2314FC51BDED}" type="datetimeFigureOut">
               <a:rPr lang="LID4096" smtClean="0"/>
-              <a:t>08/17/2020</a:t>
+              <a:t>08/18/2020</a:t>
             </a:fld>
             <a:endParaRPr lang="LID4096"/>
           </a:p>
@@ -2104,7 +2104,7 @@
           <a:p>
             <a:fld id="{A20990A6-5A99-4E0A-9198-2314FC51BDED}" type="datetimeFigureOut">
               <a:rPr lang="LID4096" smtClean="0"/>
-              <a:t>08/17/2020</a:t>
+              <a:t>08/18/2020</a:t>
             </a:fld>
             <a:endParaRPr lang="LID4096"/>
           </a:p>
@@ -2417,7 +2417,7 @@
           <a:p>
             <a:fld id="{A20990A6-5A99-4E0A-9198-2314FC51BDED}" type="datetimeFigureOut">
               <a:rPr lang="LID4096" smtClean="0"/>
-              <a:t>08/17/2020</a:t>
+              <a:t>08/18/2020</a:t>
             </a:fld>
             <a:endParaRPr lang="LID4096"/>
           </a:p>
@@ -2706,7 +2706,7 @@
           <a:p>
             <a:fld id="{A20990A6-5A99-4E0A-9198-2314FC51BDED}" type="datetimeFigureOut">
               <a:rPr lang="LID4096" smtClean="0"/>
-              <a:t>08/17/2020</a:t>
+              <a:t>08/18/2020</a:t>
             </a:fld>
             <a:endParaRPr lang="LID4096"/>
           </a:p>
@@ -2949,7 +2949,7 @@
           <a:p>
             <a:fld id="{A20990A6-5A99-4E0A-9198-2314FC51BDED}" type="datetimeFigureOut">
               <a:rPr lang="LID4096" smtClean="0"/>
-              <a:t>08/17/2020</a:t>
+              <a:t>08/18/2020</a:t>
             </a:fld>
             <a:endParaRPr lang="LID4096"/>
           </a:p>
@@ -4189,6 +4189,264 @@
           </a:p>
         </p:txBody>
       </p:sp>
+      <p:sp>
+        <p:nvSpPr>
+          <p:cNvPr id="4" name="Tekstfelt 3">
+            <a:extLst>
+              <a:ext uri="{FF2B5EF4-FFF2-40B4-BE49-F238E27FC236}">
+                <a16:creationId xmlns:a16="http://schemas.microsoft.com/office/drawing/2014/main" id="{04F61926-E564-4CB4-B8DE-53FC2C5F410D}"/>
+              </a:ext>
+            </a:extLst>
+          </p:cNvPr>
+          <p:cNvSpPr txBox="1"/>
+          <p:nvPr/>
+        </p:nvSpPr>
+        <p:spPr>
+          <a:xfrm>
+            <a:off x="8210648" y="520382"/>
+            <a:ext cx="1884106" cy="369332"/>
+          </a:xfrm>
+          <a:prstGeom prst="rect">
+            <a:avLst/>
+          </a:prstGeom>
+          <a:noFill/>
+        </p:spPr>
+        <p:txBody>
+          <a:bodyPr wrap="none" rtlCol="0">
+            <a:spAutoFit/>
+          </a:bodyPr>
+          <a:lstStyle>
+            <a:defPPr>
+              <a:defRPr lang="da-DK"/>
+            </a:defPPr>
+            <a:lvl1pPr marL="0" algn="l" defTabSz="914400" rtl="0" eaLnBrk="1" latinLnBrk="0" hangingPunct="1">
+              <a:defRPr sz="1800" kern="1200">
+                <a:solidFill>
+                  <a:schemeClr val="tx1"/>
+                </a:solidFill>
+                <a:latin typeface="+mn-lt"/>
+                <a:ea typeface="+mn-ea"/>
+                <a:cs typeface="+mn-cs"/>
+              </a:defRPr>
+            </a:lvl1pPr>
+            <a:lvl2pPr marL="457200" algn="l" defTabSz="914400" rtl="0" eaLnBrk="1" latinLnBrk="0" hangingPunct="1">
+              <a:defRPr sz="1800" kern="1200">
+                <a:solidFill>
+                  <a:schemeClr val="tx1"/>
+                </a:solidFill>
+                <a:latin typeface="+mn-lt"/>
+                <a:ea typeface="+mn-ea"/>
+                <a:cs typeface="+mn-cs"/>
+              </a:defRPr>
+            </a:lvl2pPr>
+            <a:lvl3pPr marL="914400" algn="l" defTabSz="914400" rtl="0" eaLnBrk="1" latinLnBrk="0" hangingPunct="1">
+              <a:defRPr sz="1800" kern="1200">
+                <a:solidFill>
+                  <a:schemeClr val="tx1"/>
+                </a:solidFill>
+                <a:latin typeface="+mn-lt"/>
+                <a:ea typeface="+mn-ea"/>
+                <a:cs typeface="+mn-cs"/>
+              </a:defRPr>
+            </a:lvl3pPr>
+            <a:lvl4pPr marL="1371600" algn="l" defTabSz="914400" rtl="0" eaLnBrk="1" latinLnBrk="0" hangingPunct="1">
+              <a:defRPr sz="1800" kern="1200">
+                <a:solidFill>
+                  <a:schemeClr val="tx1"/>
+                </a:solidFill>
+                <a:latin typeface="+mn-lt"/>
+                <a:ea typeface="+mn-ea"/>
+                <a:cs typeface="+mn-cs"/>
+              </a:defRPr>
+            </a:lvl4pPr>
+            <a:lvl5pPr marL="1828800" algn="l" defTabSz="914400" rtl="0" eaLnBrk="1" latinLnBrk="0" hangingPunct="1">
+              <a:defRPr sz="1800" kern="1200">
+                <a:solidFill>
+                  <a:schemeClr val="tx1"/>
+                </a:solidFill>
+                <a:latin typeface="+mn-lt"/>
+                <a:ea typeface="+mn-ea"/>
+                <a:cs typeface="+mn-cs"/>
+              </a:defRPr>
+            </a:lvl5pPr>
+            <a:lvl6pPr marL="2286000" algn="l" defTabSz="914400" rtl="0" eaLnBrk="1" latinLnBrk="0" hangingPunct="1">
+              <a:defRPr sz="1800" kern="1200">
+                <a:solidFill>
+                  <a:schemeClr val="tx1"/>
+                </a:solidFill>
+                <a:latin typeface="+mn-lt"/>
+                <a:ea typeface="+mn-ea"/>
+                <a:cs typeface="+mn-cs"/>
+              </a:defRPr>
+            </a:lvl6pPr>
+            <a:lvl7pPr marL="2743200" algn="l" defTabSz="914400" rtl="0" eaLnBrk="1" latinLnBrk="0" hangingPunct="1">
+              <a:defRPr sz="1800" kern="1200">
+                <a:solidFill>
+                  <a:schemeClr val="tx1"/>
+                </a:solidFill>
+                <a:latin typeface="+mn-lt"/>
+                <a:ea typeface="+mn-ea"/>
+                <a:cs typeface="+mn-cs"/>
+              </a:defRPr>
+            </a:lvl7pPr>
+            <a:lvl8pPr marL="3200400" algn="l" defTabSz="914400" rtl="0" eaLnBrk="1" latinLnBrk="0" hangingPunct="1">
+              <a:defRPr sz="1800" kern="1200">
+                <a:solidFill>
+                  <a:schemeClr val="tx1"/>
+                </a:solidFill>
+                <a:latin typeface="+mn-lt"/>
+                <a:ea typeface="+mn-ea"/>
+                <a:cs typeface="+mn-cs"/>
+              </a:defRPr>
+            </a:lvl8pPr>
+            <a:lvl9pPr marL="3657600" algn="l" defTabSz="914400" rtl="0" eaLnBrk="1" latinLnBrk="0" hangingPunct="1">
+              <a:defRPr sz="1800" kern="1200">
+                <a:solidFill>
+                  <a:schemeClr val="tx1"/>
+                </a:solidFill>
+                <a:latin typeface="+mn-lt"/>
+                <a:ea typeface="+mn-ea"/>
+                <a:cs typeface="+mn-cs"/>
+              </a:defRPr>
+            </a:lvl9pPr>
+          </a:lstStyle>
+          <a:p>
+            <a:r>
+              <a:rPr lang="da-DK" dirty="0"/>
+              <a:t>Andreas Blaabjerg</a:t>
+            </a:r>
+          </a:p>
+        </p:txBody>
+      </p:sp>
+      <p:sp>
+        <p:nvSpPr>
+          <p:cNvPr id="5" name="Tekstfelt 4">
+            <a:extLst>
+              <a:ext uri="{FF2B5EF4-FFF2-40B4-BE49-F238E27FC236}">
+                <a16:creationId xmlns:a16="http://schemas.microsoft.com/office/drawing/2014/main" id="{F6B593BE-62CA-4542-BD5F-27C5B016657B}"/>
+              </a:ext>
+            </a:extLst>
+          </p:cNvPr>
+          <p:cNvSpPr txBox="1"/>
+          <p:nvPr/>
+        </p:nvSpPr>
+        <p:spPr>
+          <a:xfrm>
+            <a:off x="9152701" y="918112"/>
+            <a:ext cx="1237839" cy="369332"/>
+          </a:xfrm>
+          <a:prstGeom prst="rect">
+            <a:avLst/>
+          </a:prstGeom>
+          <a:noFill/>
+        </p:spPr>
+        <p:txBody>
+          <a:bodyPr wrap="none" rtlCol="0">
+            <a:spAutoFit/>
+          </a:bodyPr>
+          <a:lstStyle>
+            <a:defPPr>
+              <a:defRPr lang="da-DK"/>
+            </a:defPPr>
+            <a:lvl1pPr marL="0" algn="l" defTabSz="914400" rtl="0" eaLnBrk="1" latinLnBrk="0" hangingPunct="1">
+              <a:defRPr sz="1800" kern="1200">
+                <a:solidFill>
+                  <a:schemeClr val="tx1"/>
+                </a:solidFill>
+                <a:latin typeface="+mn-lt"/>
+                <a:ea typeface="+mn-ea"/>
+                <a:cs typeface="+mn-cs"/>
+              </a:defRPr>
+            </a:lvl1pPr>
+            <a:lvl2pPr marL="457200" algn="l" defTabSz="914400" rtl="0" eaLnBrk="1" latinLnBrk="0" hangingPunct="1">
+              <a:defRPr sz="1800" kern="1200">
+                <a:solidFill>
+                  <a:schemeClr val="tx1"/>
+                </a:solidFill>
+                <a:latin typeface="+mn-lt"/>
+                <a:ea typeface="+mn-ea"/>
+                <a:cs typeface="+mn-cs"/>
+              </a:defRPr>
+            </a:lvl2pPr>
+            <a:lvl3pPr marL="914400" algn="l" defTabSz="914400" rtl="0" eaLnBrk="1" latinLnBrk="0" hangingPunct="1">
+              <a:defRPr sz="1800" kern="1200">
+                <a:solidFill>
+                  <a:schemeClr val="tx1"/>
+                </a:solidFill>
+                <a:latin typeface="+mn-lt"/>
+                <a:ea typeface="+mn-ea"/>
+                <a:cs typeface="+mn-cs"/>
+              </a:defRPr>
+            </a:lvl3pPr>
+            <a:lvl4pPr marL="1371600" algn="l" defTabSz="914400" rtl="0" eaLnBrk="1" latinLnBrk="0" hangingPunct="1">
+              <a:defRPr sz="1800" kern="1200">
+                <a:solidFill>
+                  <a:schemeClr val="tx1"/>
+                </a:solidFill>
+                <a:latin typeface="+mn-lt"/>
+                <a:ea typeface="+mn-ea"/>
+                <a:cs typeface="+mn-cs"/>
+              </a:defRPr>
+            </a:lvl4pPr>
+            <a:lvl5pPr marL="1828800" algn="l" defTabSz="914400" rtl="0" eaLnBrk="1" latinLnBrk="0" hangingPunct="1">
+              <a:defRPr sz="1800" kern="1200">
+                <a:solidFill>
+                  <a:schemeClr val="tx1"/>
+                </a:solidFill>
+                <a:latin typeface="+mn-lt"/>
+                <a:ea typeface="+mn-ea"/>
+                <a:cs typeface="+mn-cs"/>
+              </a:defRPr>
+            </a:lvl5pPr>
+            <a:lvl6pPr marL="2286000" algn="l" defTabSz="914400" rtl="0" eaLnBrk="1" latinLnBrk="0" hangingPunct="1">
+              <a:defRPr sz="1800" kern="1200">
+                <a:solidFill>
+                  <a:schemeClr val="tx1"/>
+                </a:solidFill>
+                <a:latin typeface="+mn-lt"/>
+                <a:ea typeface="+mn-ea"/>
+                <a:cs typeface="+mn-cs"/>
+              </a:defRPr>
+            </a:lvl6pPr>
+            <a:lvl7pPr marL="2743200" algn="l" defTabSz="914400" rtl="0" eaLnBrk="1" latinLnBrk="0" hangingPunct="1">
+              <a:defRPr sz="1800" kern="1200">
+                <a:solidFill>
+                  <a:schemeClr val="tx1"/>
+                </a:solidFill>
+                <a:latin typeface="+mn-lt"/>
+                <a:ea typeface="+mn-ea"/>
+                <a:cs typeface="+mn-cs"/>
+              </a:defRPr>
+            </a:lvl7pPr>
+            <a:lvl8pPr marL="3200400" algn="l" defTabSz="914400" rtl="0" eaLnBrk="1" latinLnBrk="0" hangingPunct="1">
+              <a:defRPr sz="1800" kern="1200">
+                <a:solidFill>
+                  <a:schemeClr val="tx1"/>
+                </a:solidFill>
+                <a:latin typeface="+mn-lt"/>
+                <a:ea typeface="+mn-ea"/>
+                <a:cs typeface="+mn-cs"/>
+              </a:defRPr>
+            </a:lvl8pPr>
+            <a:lvl9pPr marL="3657600" algn="l" defTabSz="914400" rtl="0" eaLnBrk="1" latinLnBrk="0" hangingPunct="1">
+              <a:defRPr sz="1800" kern="1200">
+                <a:solidFill>
+                  <a:schemeClr val="tx1"/>
+                </a:solidFill>
+                <a:latin typeface="+mn-lt"/>
+                <a:ea typeface="+mn-ea"/>
+                <a:cs typeface="+mn-cs"/>
+              </a:defRPr>
+            </a:lvl9pPr>
+          </a:lstStyle>
+          <a:p>
+            <a:r>
+              <a:rPr lang="da-DK" dirty="0"/>
+              <a:t>201510924</a:t>
+            </a:r>
+          </a:p>
+        </p:txBody>
+      </p:sp>
     </p:spTree>
     <p:extLst>
       <p:ext uri="{BB962C8B-B14F-4D97-AF65-F5344CB8AC3E}">

--- a/Presentations/7_CrossPlatform.pptx
+++ b/Presentations/7_CrossPlatform.pptx
@@ -280,7 +280,7 @@
           <a:p>
             <a:fld id="{A20990A6-5A99-4E0A-9198-2314FC51BDED}" type="datetimeFigureOut">
               <a:rPr lang="LID4096" smtClean="0"/>
-              <a:t>08/18/2020</a:t>
+              <a:t>08/19/2020</a:t>
             </a:fld>
             <a:endParaRPr lang="LID4096"/>
           </a:p>
@@ -480,7 +480,7 @@
           <a:p>
             <a:fld id="{A20990A6-5A99-4E0A-9198-2314FC51BDED}" type="datetimeFigureOut">
               <a:rPr lang="LID4096" smtClean="0"/>
-              <a:t>08/18/2020</a:t>
+              <a:t>08/19/2020</a:t>
             </a:fld>
             <a:endParaRPr lang="LID4096"/>
           </a:p>
@@ -690,7 +690,7 @@
           <a:p>
             <a:fld id="{A20990A6-5A99-4E0A-9198-2314FC51BDED}" type="datetimeFigureOut">
               <a:rPr lang="LID4096" smtClean="0"/>
-              <a:t>08/18/2020</a:t>
+              <a:t>08/19/2020</a:t>
             </a:fld>
             <a:endParaRPr lang="LID4096"/>
           </a:p>
@@ -890,7 +890,7 @@
           <a:p>
             <a:fld id="{A20990A6-5A99-4E0A-9198-2314FC51BDED}" type="datetimeFigureOut">
               <a:rPr lang="LID4096" smtClean="0"/>
-              <a:t>08/18/2020</a:t>
+              <a:t>08/19/2020</a:t>
             </a:fld>
             <a:endParaRPr lang="LID4096"/>
           </a:p>
@@ -1166,7 +1166,7 @@
           <a:p>
             <a:fld id="{A20990A6-5A99-4E0A-9198-2314FC51BDED}" type="datetimeFigureOut">
               <a:rPr lang="LID4096" smtClean="0"/>
-              <a:t>08/18/2020</a:t>
+              <a:t>08/19/2020</a:t>
             </a:fld>
             <a:endParaRPr lang="LID4096"/>
           </a:p>
@@ -1434,7 +1434,7 @@
           <a:p>
             <a:fld id="{A20990A6-5A99-4E0A-9198-2314FC51BDED}" type="datetimeFigureOut">
               <a:rPr lang="LID4096" smtClean="0"/>
-              <a:t>08/18/2020</a:t>
+              <a:t>08/19/2020</a:t>
             </a:fld>
             <a:endParaRPr lang="LID4096"/>
           </a:p>
@@ -1849,7 +1849,7 @@
           <a:p>
             <a:fld id="{A20990A6-5A99-4E0A-9198-2314FC51BDED}" type="datetimeFigureOut">
               <a:rPr lang="LID4096" smtClean="0"/>
-              <a:t>08/18/2020</a:t>
+              <a:t>08/19/2020</a:t>
             </a:fld>
             <a:endParaRPr lang="LID4096"/>
           </a:p>
@@ -1991,7 +1991,7 @@
           <a:p>
             <a:fld id="{A20990A6-5A99-4E0A-9198-2314FC51BDED}" type="datetimeFigureOut">
               <a:rPr lang="LID4096" smtClean="0"/>
-              <a:t>08/18/2020</a:t>
+              <a:t>08/19/2020</a:t>
             </a:fld>
             <a:endParaRPr lang="LID4096"/>
           </a:p>
@@ -2104,7 +2104,7 @@
           <a:p>
             <a:fld id="{A20990A6-5A99-4E0A-9198-2314FC51BDED}" type="datetimeFigureOut">
               <a:rPr lang="LID4096" smtClean="0"/>
-              <a:t>08/18/2020</a:t>
+              <a:t>08/19/2020</a:t>
             </a:fld>
             <a:endParaRPr lang="LID4096"/>
           </a:p>
@@ -2417,7 +2417,7 @@
           <a:p>
             <a:fld id="{A20990A6-5A99-4E0A-9198-2314FC51BDED}" type="datetimeFigureOut">
               <a:rPr lang="LID4096" smtClean="0"/>
-              <a:t>08/18/2020</a:t>
+              <a:t>08/19/2020</a:t>
             </a:fld>
             <a:endParaRPr lang="LID4096"/>
           </a:p>
@@ -2706,7 +2706,7 @@
           <a:p>
             <a:fld id="{A20990A6-5A99-4E0A-9198-2314FC51BDED}" type="datetimeFigureOut">
               <a:rPr lang="LID4096" smtClean="0"/>
-              <a:t>08/18/2020</a:t>
+              <a:t>08/19/2020</a:t>
             </a:fld>
             <a:endParaRPr lang="LID4096"/>
           </a:p>
@@ -2949,7 +2949,7 @@
           <a:p>
             <a:fld id="{A20990A6-5A99-4E0A-9198-2314FC51BDED}" type="datetimeFigureOut">
               <a:rPr lang="LID4096" smtClean="0"/>
-              <a:t>08/18/2020</a:t>
+              <a:t>08/19/2020</a:t>
             </a:fld>
             <a:endParaRPr lang="LID4096"/>
           </a:p>
@@ -6828,7 +6828,7 @@
           <a:p>
             <a:r>
               <a:rPr lang="da-DK" sz="2400" dirty="0"/>
-              <a:t> Ideen bag Cross Platform</a:t>
+              <a:t>Ideen bag Cross Platform</a:t>
             </a:r>
           </a:p>
           <a:p>
@@ -10413,7 +10413,7 @@
         </p:spPr>
         <p:txBody>
           <a:bodyPr anchor="t">
-            <a:normAutofit fontScale="62500" lnSpcReduction="20000"/>
+            <a:normAutofit fontScale="70000" lnSpcReduction="20000"/>
           </a:bodyPr>
           <a:lstStyle/>
           <a:p>
@@ -10425,7 +10425,7 @@
           <a:p>
             <a:r>
               <a:rPr lang="da-DK" sz="2400" dirty="0"/>
-              <a:t>Et RT komponent er et komponent der kan køre med ALLE Windows Runtime Language</a:t>
+              <a:t>Et RT komponent er et komponent der kan køre med ALLE Windows Runtime Languages</a:t>
             </a:r>
           </a:p>
           <a:p>
@@ -10482,32 +10482,6 @@
             <a:r>
               <a:rPr lang="da-DK" sz="2400" dirty="0"/>
               <a:t> i sig selv er ikke så stabilt.</a:t>
-            </a:r>
-          </a:p>
-          <a:p>
-            <a:r>
-              <a:rPr lang="da-DK" sz="2400" dirty="0" err="1"/>
-              <a:t>Exposér</a:t>
-            </a:r>
-            <a:r>
-              <a:rPr lang="da-DK" sz="2400" dirty="0"/>
-              <a:t> kun </a:t>
-            </a:r>
-            <a:r>
-              <a:rPr lang="da-DK" sz="2400" dirty="0" err="1"/>
-              <a:t>safe</a:t>
-            </a:r>
-            <a:r>
-              <a:rPr lang="da-DK" sz="2400" dirty="0"/>
-              <a:t> </a:t>
-            </a:r>
-            <a:r>
-              <a:rPr lang="da-DK" sz="2400" dirty="0" err="1"/>
-              <a:t>API’s</a:t>
-            </a:r>
-            <a:r>
-              <a:rPr lang="da-DK" sz="2400" dirty="0"/>
-              <a:t> </a:t>
             </a:r>
           </a:p>
           <a:p>
